--- a/00_Documentation/M03_TeamProject_Haid_UWB-Presentation.pptx
+++ b/00_Documentation/M03_TeamProject_Haid_UWB-Presentation.pptx
@@ -303,7 +303,7 @@
             <a:fld id="{8670A5EB-ECD4-4B29-9C76-251B805226F9}" type="datetimeFigureOut">
               <a:rPr lang="en-US" smtClean="0"/>
               <a:pPr/>
-              <a:t>7/8/2021</a:t>
+              <a:t>7/10/2021</a:t>
             </a:fld>
             <a:endParaRPr lang="en-US"/>
           </a:p>
@@ -370,7 +370,7 @@
             <a:fld id="{492370D9-3CC0-43F8-8E07-8EAC09B989BA}" type="slidenum">
               <a:rPr lang="en-US" smtClean="0"/>
               <a:pPr/>
-              <a:t>‹#›</a:t>
+              <a:t>‹Nr.›</a:t>
             </a:fld>
             <a:endParaRPr lang="en-US"/>
           </a:p>
@@ -470,7 +470,7 @@
             <a:fld id="{E840019B-648C-422C-9A09-38EB6005BFDA}" type="datetimeFigureOut">
               <a:rPr lang="en-US" smtClean="0"/>
               <a:pPr/>
-              <a:t>7/8/2021</a:t>
+              <a:t>7/10/2021</a:t>
             </a:fld>
             <a:endParaRPr lang="en-US"/>
           </a:p>
@@ -629,7 +629,7 @@
             <a:fld id="{EDA59BFB-7562-41C6-8342-54AB716F99C9}" type="slidenum">
               <a:rPr lang="en-US" smtClean="0"/>
               <a:pPr/>
-              <a:t>‹#›</a:t>
+              <a:t>‹Nr.›</a:t>
             </a:fld>
             <a:endParaRPr lang="en-US"/>
           </a:p>
@@ -794,7 +794,7 @@
           <a:p>
             <a:fld id="{019E7938-BCEF-4D8F-8A88-9B0280600C13}" type="datetime4">
               <a:rPr lang="de-DE" smtClean="0"/>
-              <a:t>8. Juli 2021</a:t>
+              <a:t>10. Juli 2021</a:t>
             </a:fld>
             <a:endParaRPr lang="de-DE" dirty="0"/>
           </a:p>
@@ -1218,7 +1218,7 @@
           <a:p>
             <a:fld id="{B9BAE3A7-EB67-4715-BBE4-595CC3A07BF1}" type="datetime4">
               <a:rPr lang="de-DE" smtClean="0"/>
-              <a:t>8. Juli 2021</a:t>
+              <a:t>10. Juli 2021</a:t>
             </a:fld>
             <a:endParaRPr lang="de-DE"/>
           </a:p>
@@ -1255,7 +1255,7 @@
           <a:p>
             <a:fld id="{4181FC29-5A6F-4AB9-B843-13504DA37C4D}" type="slidenum">
               <a:rPr lang="de-DE" smtClean="0"/>
-              <a:t>‹#›</a:t>
+              <a:t>‹Nr.›</a:t>
             </a:fld>
             <a:endParaRPr lang="de-DE"/>
           </a:p>
@@ -1718,7 +1718,7 @@
           <a:p>
             <a:fld id="{7CDA6789-66FE-42BB-B23B-F2001F64DD54}" type="datetime4">
               <a:rPr lang="de-DE" smtClean="0"/>
-              <a:t>8. Juli 2021</a:t>
+              <a:t>10. Juli 2021</a:t>
             </a:fld>
             <a:endParaRPr lang="de-DE"/>
           </a:p>
@@ -1755,7 +1755,7 @@
           <a:p>
             <a:fld id="{4181FC29-5A6F-4AB9-B843-13504DA37C4D}" type="slidenum">
               <a:rPr lang="de-DE" smtClean="0"/>
-              <a:t>‹#›</a:t>
+              <a:t>‹Nr.›</a:t>
             </a:fld>
             <a:endParaRPr lang="de-DE"/>
           </a:p>
@@ -2154,7 +2154,7 @@
           <a:p>
             <a:fld id="{251E5DB6-993B-40F3-9C25-44982B1CF812}" type="datetime4">
               <a:rPr lang="de-DE" smtClean="0"/>
-              <a:t>8. Juli 2021</a:t>
+              <a:t>10. Juli 2021</a:t>
             </a:fld>
             <a:endParaRPr lang="de-DE"/>
           </a:p>
@@ -2191,7 +2191,7 @@
           <a:p>
             <a:fld id="{4181FC29-5A6F-4AB9-B843-13504DA37C4D}" type="slidenum">
               <a:rPr lang="de-DE" smtClean="0"/>
-              <a:t>‹#›</a:t>
+              <a:t>‹Nr.›</a:t>
             </a:fld>
             <a:endParaRPr lang="de-DE"/>
           </a:p>
@@ -2335,7 +2335,7 @@
           <a:p>
             <a:fld id="{1D3C2988-747C-4A21-8A7B-722DA28EC8DD}" type="datetime4">
               <a:rPr lang="de-DE" smtClean="0"/>
-              <a:t>8. Juli 2021</a:t>
+              <a:t>10. Juli 2021</a:t>
             </a:fld>
             <a:endParaRPr lang="de-DE"/>
           </a:p>
@@ -2372,7 +2372,7 @@
           <a:p>
             <a:fld id="{4181FC29-5A6F-4AB9-B843-13504DA37C4D}" type="slidenum">
               <a:rPr lang="de-DE" smtClean="0"/>
-              <a:t>‹#›</a:t>
+              <a:t>‹Nr.›</a:t>
             </a:fld>
             <a:endParaRPr lang="de-DE"/>
           </a:p>
@@ -2519,7 +2519,7 @@
             <a:fld id="{0FDCCA45-55DD-4B3F-8C12-CFB164C9A4F5}" type="slidenum">
               <a:rPr lang="en-US" smtClean="0"/>
               <a:pPr/>
-              <a:t>‹#›</a:t>
+              <a:t>‹Nr.›</a:t>
             </a:fld>
             <a:endParaRPr lang="en-US"/>
           </a:p>
@@ -3070,7 +3070,7 @@
           <a:p>
             <a:fld id="{28B28DD0-C31C-4665-8217-D8684365DAE6}" type="datetime4">
               <a:rPr lang="de-DE" smtClean="0"/>
-              <a:t>8. Juli 2021</a:t>
+              <a:t>10. Juli 2021</a:t>
             </a:fld>
             <a:endParaRPr lang="de-DE"/>
           </a:p>
@@ -3107,7 +3107,7 @@
           <a:p>
             <a:fld id="{4181FC29-5A6F-4AB9-B843-13504DA37C4D}" type="slidenum">
               <a:rPr lang="de-DE" smtClean="0"/>
-              <a:t>‹#›</a:t>
+              <a:t>‹Nr.›</a:t>
             </a:fld>
             <a:endParaRPr lang="de-DE"/>
           </a:p>
@@ -3469,7 +3469,7 @@
           <a:p>
             <a:fld id="{C9EAF196-E69A-4C8D-8DA1-C9680C5895D1}" type="datetime4">
               <a:rPr lang="de-DE" smtClean="0"/>
-              <a:t>8. Juli 2021</a:t>
+              <a:t>10. Juli 2021</a:t>
             </a:fld>
             <a:endParaRPr lang="de-DE"/>
           </a:p>
@@ -3506,7 +3506,7 @@
           <a:p>
             <a:fld id="{4181FC29-5A6F-4AB9-B843-13504DA37C4D}" type="slidenum">
               <a:rPr lang="de-DE" smtClean="0"/>
-              <a:t>‹#›</a:t>
+              <a:t>‹Nr.›</a:t>
             </a:fld>
             <a:endParaRPr lang="de-DE"/>
           </a:p>
@@ -3990,7 +3990,7 @@
           <a:p>
             <a:fld id="{68A34680-42ED-45FA-96EF-B22FC8F95CA6}" type="datetime4">
               <a:rPr lang="de-DE" smtClean="0"/>
-              <a:t>8. Juli 2021</a:t>
+              <a:t>10. Juli 2021</a:t>
             </a:fld>
             <a:endParaRPr lang="de-DE"/>
           </a:p>
@@ -4027,7 +4027,7 @@
           <a:p>
             <a:fld id="{4181FC29-5A6F-4AB9-B843-13504DA37C4D}" type="slidenum">
               <a:rPr lang="de-DE" smtClean="0"/>
-              <a:t>‹#›</a:t>
+              <a:t>‹Nr.›</a:t>
             </a:fld>
             <a:endParaRPr lang="de-DE"/>
           </a:p>
@@ -4596,7 +4596,7 @@
           <a:p>
             <a:fld id="{E8A4740C-6A0C-496C-97D9-3F6AEA918594}" type="datetime4">
               <a:rPr lang="de-DE" smtClean="0"/>
-              <a:t>8. Juli 2021</a:t>
+              <a:t>10. Juli 2021</a:t>
             </a:fld>
             <a:endParaRPr lang="de-DE"/>
           </a:p>
@@ -4633,7 +4633,7 @@
           <a:p>
             <a:fld id="{4181FC29-5A6F-4AB9-B843-13504DA37C4D}" type="slidenum">
               <a:rPr lang="de-DE" smtClean="0"/>
-              <a:t>‹#›</a:t>
+              <a:t>‹Nr.›</a:t>
             </a:fld>
             <a:endParaRPr lang="de-DE"/>
           </a:p>
@@ -5117,7 +5117,7 @@
           <a:p>
             <a:fld id="{7F0EAEE2-B697-4996-9AB6-B2AC608AD820}" type="datetime4">
               <a:rPr lang="de-DE" smtClean="0"/>
-              <a:t>8. Juli 2021</a:t>
+              <a:t>10. Juli 2021</a:t>
             </a:fld>
             <a:endParaRPr lang="de-DE"/>
           </a:p>
@@ -5154,7 +5154,7 @@
           <a:p>
             <a:fld id="{4181FC29-5A6F-4AB9-B843-13504DA37C4D}" type="slidenum">
               <a:rPr lang="de-DE" smtClean="0"/>
-              <a:t>‹#›</a:t>
+              <a:t>‹Nr.›</a:t>
             </a:fld>
             <a:endParaRPr lang="de-DE"/>
           </a:p>
@@ -5389,7 +5389,7 @@
             <a:fld id="{4181FC29-5A6F-4AB9-B843-13504DA37C4D}" type="slidenum">
               <a:rPr lang="de-DE" smtClean="0"/>
               <a:pPr/>
-              <a:t>‹#›</a:t>
+              <a:t>‹Nr.›</a:t>
             </a:fld>
             <a:endParaRPr lang="de-DE" dirty="0"/>
           </a:p>
@@ -5435,7 +5435,7 @@
           <a:p>
             <a:fld id="{0AA6A56A-66E0-4B3A-8C58-C43BFA9D9142}" type="datetime4">
               <a:rPr lang="de-DE" smtClean="0"/>
-              <a:t>8. Juli 2021</a:t>
+              <a:t>10. Juli 2021</a:t>
             </a:fld>
             <a:endParaRPr lang="de-DE" dirty="0"/>
           </a:p>
@@ -5579,7 +5579,7 @@
           <a:p>
             <a:fld id="{62546B1B-AA55-4C9B-887A-18EFA05E72DC}" type="datetime4">
               <a:rPr lang="de-DE" smtClean="0"/>
-              <a:t>8. Juli 2021</a:t>
+              <a:t>10. Juli 2021</a:t>
             </a:fld>
             <a:endParaRPr lang="de-DE"/>
           </a:p>
@@ -5616,7 +5616,7 @@
           <a:p>
             <a:fld id="{4181FC29-5A6F-4AB9-B843-13504DA37C4D}" type="slidenum">
               <a:rPr lang="de-DE" smtClean="0"/>
-              <a:t>‹#›</a:t>
+              <a:t>‹Nr.›</a:t>
             </a:fld>
             <a:endParaRPr lang="de-DE"/>
           </a:p>
@@ -5760,7 +5760,7 @@
           <a:p>
             <a:fld id="{8059DF19-E6CD-413D-B802-0D01F0F2F9A6}" type="datetime4">
               <a:rPr lang="de-DE" smtClean="0"/>
-              <a:t>8. Juli 2021</a:t>
+              <a:t>10. Juli 2021</a:t>
             </a:fld>
             <a:endParaRPr lang="de-DE"/>
           </a:p>
@@ -5797,7 +5797,7 @@
           <a:p>
             <a:fld id="{4181FC29-5A6F-4AB9-B843-13504DA37C4D}" type="slidenum">
               <a:rPr lang="de-DE" smtClean="0"/>
-              <a:t>‹#›</a:t>
+              <a:t>‹Nr.›</a:t>
             </a:fld>
             <a:endParaRPr lang="de-DE"/>
           </a:p>
@@ -5941,7 +5941,7 @@
           <a:p>
             <a:fld id="{FD6C0267-61AC-4BEC-B42A-4CAC221261AF}" type="datetime4">
               <a:rPr lang="de-DE" smtClean="0"/>
-              <a:t>8. Juli 2021</a:t>
+              <a:t>10. Juli 2021</a:t>
             </a:fld>
             <a:endParaRPr lang="de-DE"/>
           </a:p>
@@ -5978,7 +5978,7 @@
           <a:p>
             <a:fld id="{4181FC29-5A6F-4AB9-B843-13504DA37C4D}" type="slidenum">
               <a:rPr lang="de-DE" smtClean="0"/>
-              <a:t>‹#›</a:t>
+              <a:t>‹Nr.›</a:t>
             </a:fld>
             <a:endParaRPr lang="de-DE"/>
           </a:p>
@@ -6406,7 +6406,7 @@
           <a:p>
             <a:fld id="{1241F50D-4C6C-4E63-98EB-C643F32A4A25}" type="datetime4">
               <a:rPr lang="de-DE" smtClean="0"/>
-              <a:t>8. Juli 2021</a:t>
+              <a:t>10. Juli 2021</a:t>
             </a:fld>
             <a:endParaRPr lang="de-DE"/>
           </a:p>
@@ -6443,7 +6443,7 @@
           <a:p>
             <a:fld id="{4181FC29-5A6F-4AB9-B843-13504DA37C4D}" type="slidenum">
               <a:rPr lang="de-DE" smtClean="0"/>
-              <a:t>‹#›</a:t>
+              <a:t>‹Nr.›</a:t>
             </a:fld>
             <a:endParaRPr lang="de-DE"/>
           </a:p>
@@ -6587,7 +6587,7 @@
           <a:p>
             <a:fld id="{154261B4-AEF4-4C62-8486-1FEBF23F640F}" type="datetime4">
               <a:rPr lang="de-DE" smtClean="0"/>
-              <a:t>8. Juli 2021</a:t>
+              <a:t>10. Juli 2021</a:t>
             </a:fld>
             <a:endParaRPr lang="de-DE"/>
           </a:p>
@@ -6624,7 +6624,7 @@
           <a:p>
             <a:fld id="{4181FC29-5A6F-4AB9-B843-13504DA37C4D}" type="slidenum">
               <a:rPr lang="de-DE" smtClean="0"/>
-              <a:t>‹#›</a:t>
+              <a:t>‹Nr.›</a:t>
             </a:fld>
             <a:endParaRPr lang="de-DE"/>
           </a:p>
@@ -6784,7 +6784,7 @@
           <a:p>
             <a:fld id="{CC32C888-7D1E-40D8-85A4-DA3B4FF3C9FF}" type="datetime4">
               <a:rPr lang="de-DE" smtClean="0"/>
-              <a:t>8. Juli 2021</a:t>
+              <a:t>10. Juli 2021</a:t>
             </a:fld>
             <a:endParaRPr lang="de-DE"/>
           </a:p>
@@ -6821,7 +6821,7 @@
           <a:p>
             <a:fld id="{4181FC29-5A6F-4AB9-B843-13504DA37C4D}" type="slidenum">
               <a:rPr lang="de-DE" smtClean="0"/>
-              <a:t>‹#›</a:t>
+              <a:t>‹Nr.›</a:t>
             </a:fld>
             <a:endParaRPr lang="de-DE"/>
           </a:p>
@@ -7050,7 +7050,7 @@
           <a:p>
             <a:fld id="{92927DB4-5A2C-4CE1-814E-E3C24F3E3DAA}" type="datetime4">
               <a:rPr lang="de-DE" smtClean="0"/>
-              <a:t>8. Juli 2021</a:t>
+              <a:t>10. Juli 2021</a:t>
             </a:fld>
             <a:endParaRPr lang="de-DE"/>
           </a:p>
@@ -7087,7 +7087,7 @@
           <a:p>
             <a:fld id="{4181FC29-5A6F-4AB9-B843-13504DA37C4D}" type="slidenum">
               <a:rPr lang="de-DE" smtClean="0"/>
-              <a:t>‹#›</a:t>
+              <a:t>‹Nr.›</a:t>
             </a:fld>
             <a:endParaRPr lang="de-DE"/>
           </a:p>
@@ -7316,7 +7316,7 @@
           <a:p>
             <a:fld id="{E218E598-D131-4213-A78C-E2029E299CB0}" type="datetime4">
               <a:rPr lang="de-DE" smtClean="0"/>
-              <a:t>8. Juli 2021</a:t>
+              <a:t>10. Juli 2021</a:t>
             </a:fld>
             <a:endParaRPr lang="de-DE"/>
           </a:p>
@@ -7353,7 +7353,7 @@
           <a:p>
             <a:fld id="{4181FC29-5A6F-4AB9-B843-13504DA37C4D}" type="slidenum">
               <a:rPr lang="de-DE" smtClean="0"/>
-              <a:t>‹#›</a:t>
+              <a:t>‹Nr.›</a:t>
             </a:fld>
             <a:endParaRPr lang="de-DE"/>
           </a:p>
@@ -7497,7 +7497,7 @@
           <a:p>
             <a:fld id="{E1149281-CE5D-40E2-B6CE-94AD3EE6899B}" type="datetime4">
               <a:rPr lang="de-DE" smtClean="0"/>
-              <a:t>8. Juli 2021</a:t>
+              <a:t>10. Juli 2021</a:t>
             </a:fld>
             <a:endParaRPr lang="de-DE"/>
           </a:p>
@@ -7534,7 +7534,7 @@
           <a:p>
             <a:fld id="{4181FC29-5A6F-4AB9-B843-13504DA37C4D}" type="slidenum">
               <a:rPr lang="de-DE" smtClean="0"/>
-              <a:t>‹#›</a:t>
+              <a:t>‹Nr.›</a:t>
             </a:fld>
             <a:endParaRPr lang="de-DE"/>
           </a:p>
@@ -7725,7 +7725,7 @@
             <a:fld id="{4181FC29-5A6F-4AB9-B843-13504DA37C4D}" type="slidenum">
               <a:rPr lang="de-DE" smtClean="0"/>
               <a:pPr/>
-              <a:t>‹#›</a:t>
+              <a:t>‹Nr.›</a:t>
             </a:fld>
             <a:endParaRPr lang="de-DE" dirty="0"/>
           </a:p>
@@ -7771,7 +7771,7 @@
           <a:p>
             <a:fld id="{47682754-E2D0-4B70-82E5-F6F91D694057}" type="datetime4">
               <a:rPr lang="de-DE" smtClean="0"/>
-              <a:t>8. Juli 2021</a:t>
+              <a:t>10. Juli 2021</a:t>
             </a:fld>
             <a:endParaRPr lang="de-DE" dirty="0"/>
           </a:p>
@@ -7945,7 +7945,7 @@
           <a:p>
             <a:fld id="{4CFC5109-B8D2-416A-AEC5-15F86CE44A5A}" type="datetime4">
               <a:rPr lang="de-DE" smtClean="0"/>
-              <a:t>8. Juli 2021</a:t>
+              <a:t>10. Juli 2021</a:t>
             </a:fld>
             <a:endParaRPr lang="de-DE"/>
           </a:p>
@@ -7982,7 +7982,7 @@
           <a:p>
             <a:fld id="{4181FC29-5A6F-4AB9-B843-13504DA37C4D}" type="slidenum">
               <a:rPr lang="de-DE" smtClean="0"/>
-              <a:t>‹#›</a:t>
+              <a:t>‹Nr.›</a:t>
             </a:fld>
             <a:endParaRPr lang="de-DE"/>
           </a:p>
@@ -8041,7 +8041,7 @@
           <a:p>
             <a:fld id="{4DB03519-3429-4C41-999A-042689903FB9}" type="datetime4">
               <a:rPr lang="de-DE" smtClean="0"/>
-              <a:t>8. Juli 2021</a:t>
+              <a:t>10. Juli 2021</a:t>
             </a:fld>
             <a:endParaRPr lang="de-DE"/>
           </a:p>
@@ -8078,7 +8078,7 @@
           <a:p>
             <a:fld id="{4181FC29-5A6F-4AB9-B843-13504DA37C4D}" type="slidenum">
               <a:rPr lang="de-DE" smtClean="0"/>
-              <a:t>‹#›</a:t>
+              <a:t>‹Nr.›</a:t>
             </a:fld>
             <a:endParaRPr lang="de-DE"/>
           </a:p>
@@ -8222,7 +8222,7 @@
           <a:p>
             <a:fld id="{363D00BD-08FB-4CA0-BE5D-EE8CEE326305}" type="datetime4">
               <a:rPr lang="de-DE" smtClean="0"/>
-              <a:t>8. Juli 2021</a:t>
+              <a:t>10. Juli 2021</a:t>
             </a:fld>
             <a:endParaRPr lang="de-DE"/>
           </a:p>
@@ -8259,7 +8259,7 @@
           <a:p>
             <a:fld id="{4181FC29-5A6F-4AB9-B843-13504DA37C4D}" type="slidenum">
               <a:rPr lang="de-DE" smtClean="0"/>
-              <a:t>‹#›</a:t>
+              <a:t>‹Nr.›</a:t>
             </a:fld>
             <a:endParaRPr lang="de-DE"/>
           </a:p>
@@ -8403,7 +8403,7 @@
           <a:p>
             <a:fld id="{1927CAE6-F30A-4665-ABC0-1E520C70DB77}" type="datetime4">
               <a:rPr lang="de-DE" smtClean="0"/>
-              <a:t>8. Juli 2021</a:t>
+              <a:t>10. Juli 2021</a:t>
             </a:fld>
             <a:endParaRPr lang="de-DE"/>
           </a:p>
@@ -8440,7 +8440,7 @@
           <a:p>
             <a:fld id="{4181FC29-5A6F-4AB9-B843-13504DA37C4D}" type="slidenum">
               <a:rPr lang="de-DE" smtClean="0"/>
-              <a:t>‹#›</a:t>
+              <a:t>‹Nr.›</a:t>
             </a:fld>
             <a:endParaRPr lang="de-DE"/>
           </a:p>
@@ -8669,7 +8669,7 @@
           <a:p>
             <a:fld id="{701F833E-974C-48EF-8F56-C11F8FACFD03}" type="datetime4">
               <a:rPr lang="de-DE" smtClean="0"/>
-              <a:t>8. Juli 2021</a:t>
+              <a:t>10. Juli 2021</a:t>
             </a:fld>
             <a:endParaRPr lang="de-DE"/>
           </a:p>
@@ -8706,7 +8706,7 @@
           <a:p>
             <a:fld id="{4181FC29-5A6F-4AB9-B843-13504DA37C4D}" type="slidenum">
               <a:rPr lang="de-DE" smtClean="0"/>
-              <a:t>‹#›</a:t>
+              <a:t>‹Nr.›</a:t>
             </a:fld>
             <a:endParaRPr lang="de-DE"/>
           </a:p>
@@ -8935,7 +8935,7 @@
           <a:p>
             <a:fld id="{5058B3C0-0291-4718-9782-92D19770687F}" type="datetime4">
               <a:rPr lang="de-DE" smtClean="0"/>
-              <a:t>8. Juli 2021</a:t>
+              <a:t>10. Juli 2021</a:t>
             </a:fld>
             <a:endParaRPr lang="de-DE"/>
           </a:p>
@@ -8972,7 +8972,7 @@
           <a:p>
             <a:fld id="{4181FC29-5A6F-4AB9-B843-13504DA37C4D}" type="slidenum">
               <a:rPr lang="de-DE" smtClean="0"/>
-              <a:t>‹#›</a:t>
+              <a:t>‹Nr.›</a:t>
             </a:fld>
             <a:endParaRPr lang="de-DE"/>
           </a:p>
@@ -9054,7 +9054,7 @@
             <a:fld id="{4181FC29-5A6F-4AB9-B843-13504DA37C4D}" type="slidenum">
               <a:rPr lang="de-DE" smtClean="0"/>
               <a:pPr/>
-              <a:t>‹#›</a:t>
+              <a:t>‹Nr.›</a:t>
             </a:fld>
             <a:endParaRPr lang="de-DE" dirty="0"/>
           </a:p>
@@ -9100,7 +9100,7 @@
           <a:p>
             <a:fld id="{6D824872-EBAE-46ED-9958-F7BE407DE8D2}" type="datetime4">
               <a:rPr lang="de-DE" smtClean="0"/>
-              <a:t>8. Juli 2021</a:t>
+              <a:t>10. Juli 2021</a:t>
             </a:fld>
             <a:endParaRPr lang="de-DE" dirty="0"/>
           </a:p>
@@ -22754,24 +22754,6 @@
       </p:sp>
       <p:sp>
         <p:nvSpPr>
-          <p:cNvPr id="4" name="Picture Placeholder 3">
-            <a:extLst>
-              <a:ext uri="{FF2B5EF4-FFF2-40B4-BE49-F238E27FC236}">
-                <a16:creationId xmlns:a16="http://schemas.microsoft.com/office/drawing/2014/main" id="{7C9EC328-3628-4922-A4C5-4C6488C0E752}"/>
-              </a:ext>
-            </a:extLst>
-          </p:cNvPr>
-          <p:cNvSpPr>
-            <a:spLocks noGrp="1"/>
-          </p:cNvSpPr>
-          <p:nvPr>
-            <p:ph type="pic" sz="quarter" idx="12"/>
-          </p:nvPr>
-        </p:nvSpPr>
-        <p:spPr/>
-      </p:sp>
-      <p:sp>
-        <p:nvSpPr>
           <p:cNvPr id="5" name="Slide Number Placeholder 4">
             <a:extLst>
               <a:ext uri="{FF2B5EF4-FFF2-40B4-BE49-F238E27FC236}">
@@ -22800,6 +22782,254 @@
           </a:p>
         </p:txBody>
       </p:sp>
+      <p:sp>
+        <p:nvSpPr>
+          <p:cNvPr id="18" name="Textfeld 17">
+            <a:extLst>
+              <a:ext uri="{FF2B5EF4-FFF2-40B4-BE49-F238E27FC236}">
+                <a16:creationId xmlns:a16="http://schemas.microsoft.com/office/drawing/2014/main" id="{CB16CB20-604D-4BDF-BD45-7A67CC264978}"/>
+              </a:ext>
+            </a:extLst>
+          </p:cNvPr>
+          <p:cNvSpPr txBox="1"/>
+          <p:nvPr/>
+        </p:nvSpPr>
+        <p:spPr>
+          <a:xfrm>
+            <a:off x="1018772" y="3287857"/>
+            <a:ext cx="7336663" cy="1200329"/>
+          </a:xfrm>
+          <a:prstGeom prst="rect">
+            <a:avLst/>
+          </a:prstGeom>
+          <a:noFill/>
+        </p:spPr>
+        <p:txBody>
+          <a:bodyPr wrap="square" rtlCol="0">
+            <a:spAutoFit/>
+          </a:bodyPr>
+          <a:lstStyle/>
+          <a:p>
+            <a:pPr marL="285750" indent="-285750">
+              <a:buFont typeface="Arial" panose="020B0604020202020204" pitchFamily="34" charset="0"/>
+              <a:buChar char="•"/>
+            </a:pPr>
+            <a:r>
+              <a:rPr lang="de-DE" dirty="0" err="1"/>
+              <a:t>Written</a:t>
+            </a:r>
+            <a:r>
+              <a:rPr lang="de-DE" dirty="0"/>
+              <a:t> in a </a:t>
+            </a:r>
+            <a:r>
+              <a:rPr lang="de-DE" dirty="0" err="1"/>
+              <a:t>Programming</a:t>
+            </a:r>
+            <a:r>
+              <a:rPr lang="de-DE" dirty="0"/>
+              <a:t> </a:t>
+            </a:r>
+            <a:r>
+              <a:rPr lang="de-DE" dirty="0" err="1"/>
+              <a:t>language</a:t>
+            </a:r>
+            <a:r>
+              <a:rPr lang="de-DE" dirty="0"/>
+              <a:t> (</a:t>
+            </a:r>
+            <a:r>
+              <a:rPr lang="de-DE" dirty="0" err="1"/>
+              <a:t>solidity</a:t>
+            </a:r>
+            <a:r>
+              <a:rPr lang="de-DE" dirty="0"/>
+              <a:t>)</a:t>
+            </a:r>
+          </a:p>
+          <a:p>
+            <a:pPr marL="285750" indent="-285750">
+              <a:buFont typeface="Arial" panose="020B0604020202020204" pitchFamily="34" charset="0"/>
+              <a:buChar char="•"/>
+            </a:pPr>
+            <a:r>
+              <a:rPr lang="de-DE" dirty="0" err="1"/>
+              <a:t>Limitaded</a:t>
+            </a:r>
+            <a:r>
+              <a:rPr lang="de-DE" dirty="0"/>
+              <a:t> in </a:t>
+            </a:r>
+            <a:r>
+              <a:rPr lang="de-DE" dirty="0" err="1"/>
+              <a:t>size</a:t>
+            </a:r>
+            <a:endParaRPr lang="de-DE" dirty="0"/>
+          </a:p>
+          <a:p>
+            <a:pPr marL="285750" indent="-285750">
+              <a:buFont typeface="Arial" panose="020B0604020202020204" pitchFamily="34" charset="0"/>
+              <a:buChar char="•"/>
+            </a:pPr>
+            <a:r>
+              <a:rPr lang="de-DE" dirty="0" err="1"/>
+              <a:t>Can‘t</a:t>
+            </a:r>
+            <a:r>
+              <a:rPr lang="de-DE" dirty="0"/>
+              <a:t> </a:t>
+            </a:r>
+            <a:r>
+              <a:rPr lang="de-DE" dirty="0" err="1"/>
+              <a:t>use</a:t>
+            </a:r>
+            <a:r>
+              <a:rPr lang="de-DE" dirty="0"/>
+              <a:t> API </a:t>
+            </a:r>
+            <a:r>
+              <a:rPr lang="de-DE" dirty="0" err="1"/>
+              <a:t>to</a:t>
+            </a:r>
+            <a:r>
+              <a:rPr lang="de-DE" dirty="0"/>
+              <a:t> </a:t>
+            </a:r>
+            <a:r>
+              <a:rPr lang="de-DE" dirty="0" err="1"/>
+              <a:t>get</a:t>
+            </a:r>
+            <a:r>
+              <a:rPr lang="de-DE" dirty="0"/>
+              <a:t> external </a:t>
+            </a:r>
+            <a:r>
+              <a:rPr lang="de-DE" dirty="0" err="1"/>
+              <a:t>data</a:t>
+            </a:r>
+            <a:endParaRPr lang="de-DE" dirty="0"/>
+          </a:p>
+          <a:p>
+            <a:pPr marL="285750" indent="-285750">
+              <a:buFont typeface="Arial" panose="020B0604020202020204" pitchFamily="34" charset="0"/>
+              <a:buChar char="•"/>
+            </a:pPr>
+            <a:r>
+              <a:rPr lang="de-DE" dirty="0" err="1"/>
+              <a:t>Each</a:t>
+            </a:r>
+            <a:r>
+              <a:rPr lang="de-DE" dirty="0"/>
+              <a:t> </a:t>
+            </a:r>
+            <a:r>
+              <a:rPr lang="de-DE" dirty="0" err="1"/>
+              <a:t>node</a:t>
+            </a:r>
+            <a:r>
+              <a:rPr lang="de-DE" dirty="0"/>
+              <a:t> </a:t>
+            </a:r>
+            <a:r>
+              <a:rPr lang="de-DE" dirty="0" err="1"/>
+              <a:t>needs</a:t>
+            </a:r>
+            <a:r>
+              <a:rPr lang="de-DE" dirty="0"/>
+              <a:t> </a:t>
+            </a:r>
+            <a:r>
+              <a:rPr lang="de-DE" dirty="0" err="1"/>
+              <a:t>to</a:t>
+            </a:r>
+            <a:r>
+              <a:rPr lang="de-DE" dirty="0"/>
+              <a:t> find same </a:t>
+            </a:r>
+            <a:r>
+              <a:rPr lang="de-DE" dirty="0" err="1"/>
+              <a:t>result</a:t>
+            </a:r>
+            <a:r>
+              <a:rPr lang="de-DE" dirty="0"/>
+              <a:t> </a:t>
+            </a:r>
+            <a:r>
+              <a:rPr lang="de-DE" dirty="0" err="1"/>
+              <a:t>for</a:t>
+            </a:r>
+            <a:r>
+              <a:rPr lang="de-DE" dirty="0"/>
+              <a:t> same </a:t>
+            </a:r>
+            <a:r>
+              <a:rPr lang="de-DE" dirty="0" err="1"/>
+              <a:t>input</a:t>
+            </a:r>
+            <a:r>
+              <a:rPr lang="de-DE" dirty="0"/>
+              <a:t> </a:t>
+            </a:r>
+            <a:r>
+              <a:rPr lang="de-DE" dirty="0" err="1"/>
+              <a:t>for</a:t>
+            </a:r>
+            <a:r>
+              <a:rPr lang="de-DE" dirty="0"/>
+              <a:t> a </a:t>
+            </a:r>
+            <a:r>
+              <a:rPr lang="de-DE" dirty="0" err="1"/>
+              <a:t>contract</a:t>
+            </a:r>
+            <a:r>
+              <a:rPr lang="de-DE" dirty="0"/>
+              <a:t> </a:t>
+            </a:r>
+            <a:r>
+              <a:rPr lang="de-DE" dirty="0" err="1"/>
+              <a:t>method</a:t>
+            </a:r>
+            <a:endParaRPr lang="de-DE" dirty="0"/>
+          </a:p>
+        </p:txBody>
+      </p:sp>
+      <p:pic>
+        <p:nvPicPr>
+          <p:cNvPr id="20" name="Grafik 19">
+            <a:extLst>
+              <a:ext uri="{FF2B5EF4-FFF2-40B4-BE49-F238E27FC236}">
+                <a16:creationId xmlns:a16="http://schemas.microsoft.com/office/drawing/2014/main" id="{99F5A352-8B71-4CFD-B88B-39FB6426450B}"/>
+              </a:ext>
+            </a:extLst>
+          </p:cNvPr>
+          <p:cNvPicPr>
+            <a:picLocks noChangeAspect="1"/>
+          </p:cNvPicPr>
+          <p:nvPr/>
+        </p:nvPicPr>
+        <p:blipFill>
+          <a:blip r:embed="rId2">
+            <a:extLst>
+              <a:ext uri="{28A0092B-C50C-407E-A947-70E740481C1C}">
+                <a14:useLocalDpi xmlns:a14="http://schemas.microsoft.com/office/drawing/2010/main" val="0"/>
+              </a:ext>
+            </a:extLst>
+          </a:blip>
+          <a:stretch>
+            <a:fillRect/>
+          </a:stretch>
+        </p:blipFill>
+        <p:spPr>
+          <a:xfrm>
+            <a:off x="718743" y="1290395"/>
+            <a:ext cx="9398465" cy="1997462"/>
+          </a:xfrm>
+          <a:prstGeom prst="rect">
+            <a:avLst/>
+          </a:prstGeom>
+        </p:spPr>
+      </p:pic>
     </p:spTree>
     <p:extLst>
       <p:ext uri="{BB962C8B-B14F-4D97-AF65-F5344CB8AC3E}">
@@ -22832,31 +23062,6 @@
       </p:grpSpPr>
       <p:sp>
         <p:nvSpPr>
-          <p:cNvPr id="2" name="Subtitle 1">
-            <a:extLst>
-              <a:ext uri="{FF2B5EF4-FFF2-40B4-BE49-F238E27FC236}">
-                <a16:creationId xmlns:a16="http://schemas.microsoft.com/office/drawing/2014/main" id="{639481C9-8075-49AF-AF89-EBE3CEE59FE7}"/>
-              </a:ext>
-            </a:extLst>
-          </p:cNvPr>
-          <p:cNvSpPr>
-            <a:spLocks noGrp="1"/>
-          </p:cNvSpPr>
-          <p:nvPr>
-            <p:ph type="subTitle" idx="1"/>
-          </p:nvPr>
-        </p:nvSpPr>
-        <p:spPr/>
-        <p:txBody>
-          <a:bodyPr/>
-          <a:lstStyle/>
-          <a:p>
-            <a:endParaRPr lang="en-US"/>
-          </a:p>
-        </p:txBody>
-      </p:sp>
-      <p:sp>
-        <p:nvSpPr>
           <p:cNvPr id="3" name="Title 2">
             <a:extLst>
               <a:ext uri="{FF2B5EF4-FFF2-40B4-BE49-F238E27FC236}">
@@ -22883,24 +23088,6 @@
             <a:endParaRPr lang="en-US" dirty="0"/>
           </a:p>
         </p:txBody>
-      </p:sp>
-      <p:sp>
-        <p:nvSpPr>
-          <p:cNvPr id="4" name="Picture Placeholder 3">
-            <a:extLst>
-              <a:ext uri="{FF2B5EF4-FFF2-40B4-BE49-F238E27FC236}">
-                <a16:creationId xmlns:a16="http://schemas.microsoft.com/office/drawing/2014/main" id="{EEE46C44-CF65-4EB4-A85A-4BDDA4C0C676}"/>
-              </a:ext>
-            </a:extLst>
-          </p:cNvPr>
-          <p:cNvSpPr>
-            <a:spLocks noGrp="1"/>
-          </p:cNvSpPr>
-          <p:nvPr>
-            <p:ph type="pic" sz="quarter" idx="12"/>
-          </p:nvPr>
-        </p:nvSpPr>
-        <p:spPr/>
       </p:sp>
       <p:sp>
         <p:nvSpPr>
@@ -22932,6 +23119,41 @@
           </a:p>
         </p:txBody>
       </p:sp>
+      <p:pic>
+        <p:nvPicPr>
+          <p:cNvPr id="19" name="Grafik 18">
+            <a:extLst>
+              <a:ext uri="{FF2B5EF4-FFF2-40B4-BE49-F238E27FC236}">
+                <a16:creationId xmlns:a16="http://schemas.microsoft.com/office/drawing/2014/main" id="{F35E62A7-7677-433B-8EA0-EEC55EA05262}"/>
+              </a:ext>
+            </a:extLst>
+          </p:cNvPr>
+          <p:cNvPicPr>
+            <a:picLocks noChangeAspect="1"/>
+          </p:cNvPicPr>
+          <p:nvPr/>
+        </p:nvPicPr>
+        <p:blipFill rotWithShape="1">
+          <a:blip r:embed="rId2">
+            <a:extLst>
+              <a:ext uri="{28A0092B-C50C-407E-A947-70E740481C1C}">
+                <a14:useLocalDpi xmlns:a14="http://schemas.microsoft.com/office/drawing/2010/main" val="0"/>
+              </a:ext>
+            </a:extLst>
+          </a:blip>
+          <a:srcRect t="5016" b="4832"/>
+          <a:stretch/>
+        </p:blipFill>
+        <p:spPr>
+          <a:xfrm>
+            <a:off x="2994014" y="1134613"/>
+            <a:ext cx="5625582" cy="4972571"/>
+          </a:xfrm>
+          <a:prstGeom prst="rect">
+            <a:avLst/>
+          </a:prstGeom>
+        </p:spPr>
+      </p:pic>
     </p:spTree>
     <p:extLst>
       <p:ext uri="{BB962C8B-B14F-4D97-AF65-F5344CB8AC3E}">
@@ -22964,35 +23186,6 @@
       </p:grpSpPr>
       <p:sp>
         <p:nvSpPr>
-          <p:cNvPr id="2" name="Subtitle 1">
-            <a:extLst>
-              <a:ext uri="{FF2B5EF4-FFF2-40B4-BE49-F238E27FC236}">
-                <a16:creationId xmlns:a16="http://schemas.microsoft.com/office/drawing/2014/main" id="{08BBD640-7A14-49C0-99B1-160E3C3269C0}"/>
-              </a:ext>
-            </a:extLst>
-          </p:cNvPr>
-          <p:cNvSpPr>
-            <a:spLocks noGrp="1"/>
-          </p:cNvSpPr>
-          <p:nvPr>
-            <p:ph type="subTitle" idx="1"/>
-          </p:nvPr>
-        </p:nvSpPr>
-        <p:spPr/>
-        <p:txBody>
-          <a:bodyPr/>
-          <a:lstStyle/>
-          <a:p>
-            <a:pPr algn="l"/>
-            <a:r>
-              <a:rPr lang="en-US"/>
-              <a:t>Smart Contracting Architecture Used In The Concept</a:t>
-            </a:r>
-          </a:p>
-        </p:txBody>
-      </p:sp>
-      <p:sp>
-        <p:nvSpPr>
           <p:cNvPr id="3" name="Title 2">
             <a:extLst>
               <a:ext uri="{FF2B5EF4-FFF2-40B4-BE49-F238E27FC236}">
@@ -23062,113 +23255,41 @@
           </a:p>
         </p:txBody>
       </p:sp>
-      <p:grpSp>
-        <p:nvGrpSpPr>
-          <p:cNvPr id="11" name="Group 10">
+      <p:pic>
+        <p:nvPicPr>
+          <p:cNvPr id="4" name="Grafik 3">
             <a:extLst>
               <a:ext uri="{FF2B5EF4-FFF2-40B4-BE49-F238E27FC236}">
-                <a16:creationId xmlns:a16="http://schemas.microsoft.com/office/drawing/2014/main" id="{D3649FAF-2A6D-4C91-A7F5-DA592BA51B74}"/>
+                <a16:creationId xmlns:a16="http://schemas.microsoft.com/office/drawing/2014/main" id="{04F8687C-0063-4936-8E55-74E5244A4054}"/>
               </a:ext>
             </a:extLst>
           </p:cNvPr>
-          <p:cNvGrpSpPr/>
+          <p:cNvPicPr>
+            <a:picLocks noChangeAspect="1"/>
+          </p:cNvPicPr>
           <p:nvPr/>
-        </p:nvGrpSpPr>
-        <p:grpSpPr>
+        </p:nvPicPr>
+        <p:blipFill rotWithShape="1">
+          <a:blip r:embed="rId2">
+            <a:extLst>
+              <a:ext uri="{28A0092B-C50C-407E-A947-70E740481C1C}">
+                <a14:useLocalDpi xmlns:a14="http://schemas.microsoft.com/office/drawing/2010/main" val="0"/>
+              </a:ext>
+            </a:extLst>
+          </a:blip>
+          <a:srcRect t="3968" b="3968"/>
+          <a:stretch/>
+        </p:blipFill>
+        <p:spPr>
           <a:xfrm>
-            <a:off x="1018772" y="1409337"/>
-            <a:ext cx="4672208" cy="4671542"/>
-            <a:chOff x="1018772" y="1378857"/>
-            <a:chExt cx="4672208" cy="4671542"/>
+            <a:off x="805742" y="1134614"/>
+            <a:ext cx="6755019" cy="4997738"/>
           </a:xfrm>
-        </p:grpSpPr>
-        <p:pic>
-          <p:nvPicPr>
-            <p:cNvPr id="9" name="Picture 8">
-              <a:extLst>
-                <a:ext uri="{FF2B5EF4-FFF2-40B4-BE49-F238E27FC236}">
-                  <a16:creationId xmlns:a16="http://schemas.microsoft.com/office/drawing/2014/main" id="{CA3ABD79-8568-46A1-B651-4DB4B982DCF5}"/>
-                </a:ext>
-              </a:extLst>
-            </p:cNvPr>
-            <p:cNvPicPr>
-              <a:picLocks noChangeAspect="1"/>
-            </p:cNvPicPr>
-            <p:nvPr/>
-          </p:nvPicPr>
-          <p:blipFill rotWithShape="1">
-            <a:blip r:embed="rId2"/>
-            <a:srcRect l="359" r="57774"/>
-            <a:stretch/>
-          </p:blipFill>
-          <p:spPr>
-            <a:xfrm>
-              <a:off x="1018772" y="1378857"/>
-              <a:ext cx="4672208" cy="4671542"/>
-            </a:xfrm>
-            <a:prstGeom prst="rect">
-              <a:avLst/>
-            </a:prstGeom>
-            <a:ln>
-              <a:solidFill>
-                <a:srgbClr val="0070C0"/>
-              </a:solidFill>
-            </a:ln>
-          </p:spPr>
-        </p:pic>
-        <p:sp>
-          <p:nvSpPr>
-            <p:cNvPr id="10" name="Rectangle 9">
-              <a:extLst>
-                <a:ext uri="{FF2B5EF4-FFF2-40B4-BE49-F238E27FC236}">
-                  <a16:creationId xmlns:a16="http://schemas.microsoft.com/office/drawing/2014/main" id="{82837643-5EB8-4587-97AB-B094EC092B53}"/>
-                </a:ext>
-              </a:extLst>
-            </p:cNvPr>
-            <p:cNvSpPr/>
-            <p:nvPr/>
-          </p:nvSpPr>
-          <p:spPr>
-            <a:xfrm>
-              <a:off x="2505205" y="1378857"/>
-              <a:ext cx="342770" cy="270873"/>
-            </a:xfrm>
-            <a:prstGeom prst="rect">
-              <a:avLst/>
-            </a:prstGeom>
-            <a:solidFill>
-              <a:schemeClr val="bg1"/>
-            </a:solidFill>
-            <a:ln>
-              <a:noFill/>
-            </a:ln>
-          </p:spPr>
-          <p:style>
-            <a:lnRef idx="2">
-              <a:schemeClr val="accent1">
-                <a:shade val="50000"/>
-              </a:schemeClr>
-            </a:lnRef>
-            <a:fillRef idx="1">
-              <a:schemeClr val="accent1"/>
-            </a:fillRef>
-            <a:effectRef idx="0">
-              <a:schemeClr val="accent1"/>
-            </a:effectRef>
-            <a:fontRef idx="minor">
-              <a:schemeClr val="lt1"/>
-            </a:fontRef>
-          </p:style>
-          <p:txBody>
-            <a:bodyPr rtlCol="0" anchor="ctr"/>
-            <a:lstStyle/>
-            <a:p>
-              <a:pPr algn="ctr"/>
-              <a:endParaRPr lang="en-US"/>
-            </a:p>
-          </p:txBody>
-        </p:sp>
-      </p:grpSp>
+          <a:prstGeom prst="rect">
+            <a:avLst/>
+          </a:prstGeom>
+        </p:spPr>
+      </p:pic>
     </p:spTree>
     <p:extLst>
       <p:ext uri="{BB962C8B-B14F-4D97-AF65-F5344CB8AC3E}">
@@ -23179,135 +23300,6 @@
   <p:clrMapOvr>
     <a:masterClrMapping/>
   </p:clrMapOvr>
-  <p:timing>
-    <p:tnLst>
-      <p:par>
-        <p:cTn id="1" dur="indefinite" restart="never" nodeType="tmRoot">
-          <p:childTnLst>
-            <p:seq concurrent="1" nextAc="seek">
-              <p:cTn id="2" dur="indefinite" nodeType="mainSeq">
-                <p:childTnLst>
-                  <p:par>
-                    <p:cTn id="3" fill="hold">
-                      <p:stCondLst>
-                        <p:cond delay="indefinite"/>
-                      </p:stCondLst>
-                      <p:childTnLst>
-                        <p:par>
-                          <p:cTn id="4" fill="hold">
-                            <p:stCondLst>
-                              <p:cond delay="0"/>
-                            </p:stCondLst>
-                            <p:childTnLst>
-                              <p:par>
-                                <p:cTn id="5" presetID="42" presetClass="entr" presetSubtype="0" fill="hold" nodeType="clickEffect">
-                                  <p:stCondLst>
-                                    <p:cond delay="0"/>
-                                  </p:stCondLst>
-                                  <p:childTnLst>
-                                    <p:set>
-                                      <p:cBhvr>
-                                        <p:cTn id="6" dur="1" fill="hold">
-                                          <p:stCondLst>
-                                            <p:cond delay="0"/>
-                                          </p:stCondLst>
-                                        </p:cTn>
-                                        <p:tgtEl>
-                                          <p:spTgt spid="11"/>
-                                        </p:tgtEl>
-                                        <p:attrNameLst>
-                                          <p:attrName>style.visibility</p:attrName>
-                                        </p:attrNameLst>
-                                      </p:cBhvr>
-                                      <p:to>
-                                        <p:strVal val="visible"/>
-                                      </p:to>
-                                    </p:set>
-                                    <p:animEffect transition="in" filter="fade">
-                                      <p:cBhvr>
-                                        <p:cTn id="7" dur="1000"/>
-                                        <p:tgtEl>
-                                          <p:spTgt spid="11"/>
-                                        </p:tgtEl>
-                                      </p:cBhvr>
-                                    </p:animEffect>
-                                    <p:anim calcmode="lin" valueType="num">
-                                      <p:cBhvr>
-                                        <p:cTn id="8" dur="1000" fill="hold"/>
-                                        <p:tgtEl>
-                                          <p:spTgt spid="11"/>
-                                        </p:tgtEl>
-                                        <p:attrNameLst>
-                                          <p:attrName>ppt_x</p:attrName>
-                                        </p:attrNameLst>
-                                      </p:cBhvr>
-                                      <p:tavLst>
-                                        <p:tav tm="0">
-                                          <p:val>
-                                            <p:strVal val="#ppt_x"/>
-                                          </p:val>
-                                        </p:tav>
-                                        <p:tav tm="100000">
-                                          <p:val>
-                                            <p:strVal val="#ppt_x"/>
-                                          </p:val>
-                                        </p:tav>
-                                      </p:tavLst>
-                                    </p:anim>
-                                    <p:anim calcmode="lin" valueType="num">
-                                      <p:cBhvr>
-                                        <p:cTn id="9" dur="1000" fill="hold"/>
-                                        <p:tgtEl>
-                                          <p:spTgt spid="11"/>
-                                        </p:tgtEl>
-                                        <p:attrNameLst>
-                                          <p:attrName>ppt_y</p:attrName>
-                                        </p:attrNameLst>
-                                      </p:cBhvr>
-                                      <p:tavLst>
-                                        <p:tav tm="0">
-                                          <p:val>
-                                            <p:strVal val="#ppt_y+.1"/>
-                                          </p:val>
-                                        </p:tav>
-                                        <p:tav tm="100000">
-                                          <p:val>
-                                            <p:strVal val="#ppt_y"/>
-                                          </p:val>
-                                        </p:tav>
-                                      </p:tavLst>
-                                    </p:anim>
-                                  </p:childTnLst>
-                                </p:cTn>
-                              </p:par>
-                            </p:childTnLst>
-                          </p:cTn>
-                        </p:par>
-                      </p:childTnLst>
-                    </p:cTn>
-                  </p:par>
-                </p:childTnLst>
-              </p:cTn>
-              <p:prevCondLst>
-                <p:cond evt="onPrev" delay="0">
-                  <p:tgtEl>
-                    <p:sldTgt/>
-                  </p:tgtEl>
-                </p:cond>
-              </p:prevCondLst>
-              <p:nextCondLst>
-                <p:cond evt="onNext" delay="0">
-                  <p:tgtEl>
-                    <p:sldTgt/>
-                  </p:tgtEl>
-                </p:cond>
-              </p:nextCondLst>
-            </p:seq>
-          </p:childTnLst>
-        </p:cTn>
-      </p:par>
-    </p:tnLst>
-  </p:timing>
 </p:sld>
 </file>
 

--- a/00_Documentation/M03_TeamProject_Haid_UWB-Presentation.pptx
+++ b/00_Documentation/M03_TeamProject_Haid_UWB-Presentation.pptx
@@ -278,7 +278,7 @@
             <a:fld id="{8670A5EB-ECD4-4B29-9C76-251B805226F9}" type="datetimeFigureOut">
               <a:rPr lang="en-US" smtClean="0"/>
               <a:pPr/>
-              <a:t>7/10/2021</a:t>
+              <a:t>7/11/2021</a:t>
             </a:fld>
             <a:endParaRPr lang="en-US"/>
           </a:p>
@@ -345,7 +345,7 @@
             <a:fld id="{492370D9-3CC0-43F8-8E07-8EAC09B989BA}" type="slidenum">
               <a:rPr lang="en-US" smtClean="0"/>
               <a:pPr/>
-              <a:t>‹#›</a:t>
+              <a:t>‹Nr.›</a:t>
             </a:fld>
             <a:endParaRPr lang="en-US"/>
           </a:p>
@@ -445,7 +445,7 @@
             <a:fld id="{E840019B-648C-422C-9A09-38EB6005BFDA}" type="datetimeFigureOut">
               <a:rPr lang="en-US" smtClean="0"/>
               <a:pPr/>
-              <a:t>7/10/2021</a:t>
+              <a:t>7/11/2021</a:t>
             </a:fld>
             <a:endParaRPr lang="en-US"/>
           </a:p>
@@ -604,7 +604,7 @@
             <a:fld id="{EDA59BFB-7562-41C6-8342-54AB716F99C9}" type="slidenum">
               <a:rPr lang="en-US" smtClean="0"/>
               <a:pPr/>
-              <a:t>‹#›</a:t>
+              <a:t>‹Nr.›</a:t>
             </a:fld>
             <a:endParaRPr lang="en-US"/>
           </a:p>
@@ -860,7 +860,7 @@
           <a:p>
             <a:fld id="{019E7938-BCEF-4D8F-8A88-9B0280600C13}" type="datetime4">
               <a:rPr lang="de-DE" smtClean="0"/>
-              <a:t>10. Juli 2021</a:t>
+              <a:t>11. Juli 2021</a:t>
             </a:fld>
             <a:endParaRPr lang="de-DE" dirty="0"/>
           </a:p>
@@ -914,7 +914,7 @@
           <a:p>
             <a:fld id="{572E640A-25AE-4B88-81BF-556FAEC3798F}" type="slidenum">
               <a:rPr lang="en-US" smtClean="0"/>
-              <a:t>‹#›</a:t>
+              <a:t>‹Nr.›</a:t>
             </a:fld>
             <a:endParaRPr lang="en-US"/>
           </a:p>
@@ -1134,7 +1134,7 @@
           <a:p>
             <a:fld id="{6D824872-EBAE-46ED-9958-F7BE407DE8D2}" type="datetime4">
               <a:rPr lang="de-DE" smtClean="0"/>
-              <a:t>10. Juli 2021</a:t>
+              <a:t>11. Juli 2021</a:t>
             </a:fld>
             <a:endParaRPr lang="de-DE" dirty="0"/>
           </a:p>
@@ -1189,7 +1189,7 @@
             <a:fld id="{4181FC29-5A6F-4AB9-B843-13504DA37C4D}" type="slidenum">
               <a:rPr lang="de-DE" smtClean="0"/>
               <a:pPr/>
-              <a:t>‹#›</a:t>
+              <a:t>‹Nr.›</a:t>
             </a:fld>
             <a:endParaRPr lang="de-DE" dirty="0"/>
           </a:p>
@@ -1344,7 +1344,7 @@
           <a:p>
             <a:fld id="{6D824872-EBAE-46ED-9958-F7BE407DE8D2}" type="datetime4">
               <a:rPr lang="de-DE" smtClean="0"/>
-              <a:t>10. Juli 2021</a:t>
+              <a:t>11. Juli 2021</a:t>
             </a:fld>
             <a:endParaRPr lang="de-DE" dirty="0"/>
           </a:p>
@@ -1399,7 +1399,7 @@
             <a:fld id="{4181FC29-5A6F-4AB9-B843-13504DA37C4D}" type="slidenum">
               <a:rPr lang="de-DE" smtClean="0"/>
               <a:pPr/>
-              <a:t>‹#›</a:t>
+              <a:t>‹Nr.›</a:t>
             </a:fld>
             <a:endParaRPr lang="de-DE" dirty="0"/>
           </a:p>
@@ -1635,7 +1635,7 @@
             <a:fld id="{4181FC29-5A6F-4AB9-B843-13504DA37C4D}" type="slidenum">
               <a:rPr lang="de-DE" smtClean="0"/>
               <a:pPr/>
-              <a:t>‹#›</a:t>
+              <a:t>‹Nr.›</a:t>
             </a:fld>
             <a:endParaRPr lang="de-DE" dirty="0"/>
           </a:p>
@@ -1681,7 +1681,7 @@
           <a:p>
             <a:fld id="{0AA6A56A-66E0-4B3A-8C58-C43BFA9D9142}" type="datetime4">
               <a:rPr lang="de-DE" smtClean="0"/>
-              <a:t>10. Juli 2021</a:t>
+              <a:t>11. Juli 2021</a:t>
             </a:fld>
             <a:endParaRPr lang="de-DE" dirty="0"/>
           </a:p>
@@ -1872,7 +1872,7 @@
             <a:fld id="{4181FC29-5A6F-4AB9-B843-13504DA37C4D}" type="slidenum">
               <a:rPr lang="de-DE" smtClean="0"/>
               <a:pPr/>
-              <a:t>‹#›</a:t>
+              <a:t>‹Nr.›</a:t>
             </a:fld>
             <a:endParaRPr lang="de-DE" dirty="0"/>
           </a:p>
@@ -1918,7 +1918,7 @@
           <a:p>
             <a:fld id="{47682754-E2D0-4B70-82E5-F6F91D694057}" type="datetime4">
               <a:rPr lang="de-DE" smtClean="0"/>
-              <a:t>10. Juli 2021</a:t>
+              <a:t>11. Juli 2021</a:t>
             </a:fld>
             <a:endParaRPr lang="de-DE" dirty="0"/>
           </a:p>
@@ -1993,7 +1993,7 @@
           <a:p>
             <a:fld id="{019E7938-BCEF-4D8F-8A88-9B0280600C13}" type="datetime4">
               <a:rPr lang="de-DE" smtClean="0"/>
-              <a:t>10. Juli 2021</a:t>
+              <a:t>11. Juli 2021</a:t>
             </a:fld>
             <a:endParaRPr lang="de-DE" dirty="0"/>
           </a:p>
@@ -2333,7 +2333,7 @@
           <a:p>
             <a:fld id="{4CFC5109-B8D2-416A-AEC5-15F86CE44A5A}" type="datetime4">
               <a:rPr lang="de-DE" smtClean="0"/>
-              <a:t>10. Juli 2021</a:t>
+              <a:t>11. Juli 2021</a:t>
             </a:fld>
             <a:endParaRPr lang="de-DE"/>
           </a:p>
@@ -2370,7 +2370,7 @@
           <a:p>
             <a:fld id="{4181FC29-5A6F-4AB9-B843-13504DA37C4D}" type="slidenum">
               <a:rPr lang="de-DE" smtClean="0"/>
-              <a:t>‹#›</a:t>
+              <a:t>‹Nr.›</a:t>
             </a:fld>
             <a:endParaRPr lang="de-DE"/>
           </a:p>
@@ -2429,7 +2429,7 @@
           <a:p>
             <a:fld id="{4DB03519-3429-4C41-999A-042689903FB9}" type="datetime4">
               <a:rPr lang="de-DE" smtClean="0"/>
-              <a:t>10. Juli 2021</a:t>
+              <a:t>11. Juli 2021</a:t>
             </a:fld>
             <a:endParaRPr lang="de-DE"/>
           </a:p>
@@ -2466,7 +2466,7 @@
           <a:p>
             <a:fld id="{4181FC29-5A6F-4AB9-B843-13504DA37C4D}" type="slidenum">
               <a:rPr lang="de-DE" smtClean="0"/>
-              <a:t>‹#›</a:t>
+              <a:t>‹Nr.›</a:t>
             </a:fld>
             <a:endParaRPr lang="de-DE"/>
           </a:p>
@@ -2610,7 +2610,7 @@
           <a:p>
             <a:fld id="{363D00BD-08FB-4CA0-BE5D-EE8CEE326305}" type="datetime4">
               <a:rPr lang="de-DE" smtClean="0"/>
-              <a:t>10. Juli 2021</a:t>
+              <a:t>11. Juli 2021</a:t>
             </a:fld>
             <a:endParaRPr lang="de-DE"/>
           </a:p>
@@ -2647,7 +2647,7 @@
           <a:p>
             <a:fld id="{4181FC29-5A6F-4AB9-B843-13504DA37C4D}" type="slidenum">
               <a:rPr lang="de-DE" smtClean="0"/>
-              <a:t>‹#›</a:t>
+              <a:t>‹Nr.›</a:t>
             </a:fld>
             <a:endParaRPr lang="de-DE"/>
           </a:p>
@@ -2791,7 +2791,7 @@
           <a:p>
             <a:fld id="{1927CAE6-F30A-4665-ABC0-1E520C70DB77}" type="datetime4">
               <a:rPr lang="de-DE" smtClean="0"/>
-              <a:t>10. Juli 2021</a:t>
+              <a:t>11. Juli 2021</a:t>
             </a:fld>
             <a:endParaRPr lang="de-DE"/>
           </a:p>
@@ -2828,7 +2828,7 @@
           <a:p>
             <a:fld id="{4181FC29-5A6F-4AB9-B843-13504DA37C4D}" type="slidenum">
               <a:rPr lang="de-DE" smtClean="0"/>
-              <a:t>‹#›</a:t>
+              <a:t>‹Nr.›</a:t>
             </a:fld>
             <a:endParaRPr lang="de-DE"/>
           </a:p>
@@ -3057,7 +3057,7 @@
           <a:p>
             <a:fld id="{701F833E-974C-48EF-8F56-C11F8FACFD03}" type="datetime4">
               <a:rPr lang="de-DE" smtClean="0"/>
-              <a:t>10. Juli 2021</a:t>
+              <a:t>11. Juli 2021</a:t>
             </a:fld>
             <a:endParaRPr lang="de-DE"/>
           </a:p>
@@ -3094,7 +3094,7 @@
           <a:p>
             <a:fld id="{4181FC29-5A6F-4AB9-B843-13504DA37C4D}" type="slidenum">
               <a:rPr lang="de-DE" smtClean="0"/>
-              <a:t>‹#›</a:t>
+              <a:t>‹Nr.›</a:t>
             </a:fld>
             <a:endParaRPr lang="de-DE"/>
           </a:p>
@@ -3238,7 +3238,7 @@
           <a:p>
             <a:fld id="{6D824872-EBAE-46ED-9958-F7BE407DE8D2}" type="datetime4">
               <a:rPr lang="de-DE" smtClean="0"/>
-              <a:t>10. Juli 2021</a:t>
+              <a:t>11. Juli 2021</a:t>
             </a:fld>
             <a:endParaRPr lang="de-DE" dirty="0"/>
           </a:p>
@@ -3293,7 +3293,7 @@
             <a:fld id="{4181FC29-5A6F-4AB9-B843-13504DA37C4D}" type="slidenum">
               <a:rPr lang="de-DE" smtClean="0"/>
               <a:pPr/>
-              <a:t>‹#›</a:t>
+              <a:t>‹Nr.›</a:t>
             </a:fld>
             <a:endParaRPr lang="de-DE" dirty="0"/>
           </a:p>
@@ -3523,7 +3523,7 @@
           <a:p>
             <a:fld id="{5058B3C0-0291-4718-9782-92D19770687F}" type="datetime4">
               <a:rPr lang="de-DE" smtClean="0"/>
-              <a:t>10. Juli 2021</a:t>
+              <a:t>11. Juli 2021</a:t>
             </a:fld>
             <a:endParaRPr lang="de-DE"/>
           </a:p>
@@ -3560,7 +3560,7 @@
           <a:p>
             <a:fld id="{4181FC29-5A6F-4AB9-B843-13504DA37C4D}" type="slidenum">
               <a:rPr lang="de-DE" smtClean="0"/>
-              <a:t>‹#›</a:t>
+              <a:t>‹Nr.›</a:t>
             </a:fld>
             <a:endParaRPr lang="de-DE"/>
           </a:p>
@@ -3818,7 +3818,7 @@
           <a:p>
             <a:fld id="{B9BAE3A7-EB67-4715-BBE4-595CC3A07BF1}" type="datetime4">
               <a:rPr lang="de-DE" smtClean="0"/>
-              <a:t>10. Juli 2021</a:t>
+              <a:t>11. Juli 2021</a:t>
             </a:fld>
             <a:endParaRPr lang="de-DE"/>
           </a:p>
@@ -3855,7 +3855,7 @@
           <a:p>
             <a:fld id="{4181FC29-5A6F-4AB9-B843-13504DA37C4D}" type="slidenum">
               <a:rPr lang="de-DE" smtClean="0"/>
-              <a:t>‹#›</a:t>
+              <a:t>‹Nr.›</a:t>
             </a:fld>
             <a:endParaRPr lang="de-DE"/>
           </a:p>
@@ -4318,7 +4318,7 @@
           <a:p>
             <a:fld id="{7CDA6789-66FE-42BB-B23B-F2001F64DD54}" type="datetime4">
               <a:rPr lang="de-DE" smtClean="0"/>
-              <a:t>10. Juli 2021</a:t>
+              <a:t>11. Juli 2021</a:t>
             </a:fld>
             <a:endParaRPr lang="de-DE"/>
           </a:p>
@@ -4355,7 +4355,7 @@
           <a:p>
             <a:fld id="{4181FC29-5A6F-4AB9-B843-13504DA37C4D}" type="slidenum">
               <a:rPr lang="de-DE" smtClean="0"/>
-              <a:t>‹#›</a:t>
+              <a:t>‹Nr.›</a:t>
             </a:fld>
             <a:endParaRPr lang="de-DE"/>
           </a:p>
@@ -4754,7 +4754,7 @@
           <a:p>
             <a:fld id="{251E5DB6-993B-40F3-9C25-44982B1CF812}" type="datetime4">
               <a:rPr lang="de-DE" smtClean="0"/>
-              <a:t>10. Juli 2021</a:t>
+              <a:t>11. Juli 2021</a:t>
             </a:fld>
             <a:endParaRPr lang="de-DE"/>
           </a:p>
@@ -4791,7 +4791,7 @@
           <a:p>
             <a:fld id="{4181FC29-5A6F-4AB9-B843-13504DA37C4D}" type="slidenum">
               <a:rPr lang="de-DE" smtClean="0"/>
-              <a:t>‹#›</a:t>
+              <a:t>‹Nr.›</a:t>
             </a:fld>
             <a:endParaRPr lang="de-DE"/>
           </a:p>
@@ -4935,7 +4935,7 @@
           <a:p>
             <a:fld id="{1D3C2988-747C-4A21-8A7B-722DA28EC8DD}" type="datetime4">
               <a:rPr lang="de-DE" smtClean="0"/>
-              <a:t>10. Juli 2021</a:t>
+              <a:t>11. Juli 2021</a:t>
             </a:fld>
             <a:endParaRPr lang="de-DE"/>
           </a:p>
@@ -4972,7 +4972,7 @@
           <a:p>
             <a:fld id="{4181FC29-5A6F-4AB9-B843-13504DA37C4D}" type="slidenum">
               <a:rPr lang="de-DE" smtClean="0"/>
-              <a:t>‹#›</a:t>
+              <a:t>‹Nr.›</a:t>
             </a:fld>
             <a:endParaRPr lang="de-DE"/>
           </a:p>
@@ -5119,7 +5119,7 @@
             <a:fld id="{0FDCCA45-55DD-4B3F-8C12-CFB164C9A4F5}" type="slidenum">
               <a:rPr lang="en-US" smtClean="0"/>
               <a:pPr/>
-              <a:t>‹#›</a:t>
+              <a:t>‹Nr.›</a:t>
             </a:fld>
             <a:endParaRPr lang="en-US"/>
           </a:p>
@@ -5670,7 +5670,7 @@
           <a:p>
             <a:fld id="{28B28DD0-C31C-4665-8217-D8684365DAE6}" type="datetime4">
               <a:rPr lang="de-DE" smtClean="0"/>
-              <a:t>10. Juli 2021</a:t>
+              <a:t>11. Juli 2021</a:t>
             </a:fld>
             <a:endParaRPr lang="de-DE"/>
           </a:p>
@@ -5707,7 +5707,7 @@
           <a:p>
             <a:fld id="{4181FC29-5A6F-4AB9-B843-13504DA37C4D}" type="slidenum">
               <a:rPr lang="de-DE" smtClean="0"/>
-              <a:t>‹#›</a:t>
+              <a:t>‹Nr.›</a:t>
             </a:fld>
             <a:endParaRPr lang="de-DE"/>
           </a:p>
@@ -6069,7 +6069,7 @@
           <a:p>
             <a:fld id="{C9EAF196-E69A-4C8D-8DA1-C9680C5895D1}" type="datetime4">
               <a:rPr lang="de-DE" smtClean="0"/>
-              <a:t>10. Juli 2021</a:t>
+              <a:t>11. Juli 2021</a:t>
             </a:fld>
             <a:endParaRPr lang="de-DE"/>
           </a:p>
@@ -6106,7 +6106,7 @@
           <a:p>
             <a:fld id="{4181FC29-5A6F-4AB9-B843-13504DA37C4D}" type="slidenum">
               <a:rPr lang="de-DE" smtClean="0"/>
-              <a:t>‹#›</a:t>
+              <a:t>‹Nr.›</a:t>
             </a:fld>
             <a:endParaRPr lang="de-DE"/>
           </a:p>
@@ -6590,7 +6590,7 @@
           <a:p>
             <a:fld id="{68A34680-42ED-45FA-96EF-B22FC8F95CA6}" type="datetime4">
               <a:rPr lang="de-DE" smtClean="0"/>
-              <a:t>10. Juli 2021</a:t>
+              <a:t>11. Juli 2021</a:t>
             </a:fld>
             <a:endParaRPr lang="de-DE"/>
           </a:p>
@@ -6627,7 +6627,7 @@
           <a:p>
             <a:fld id="{4181FC29-5A6F-4AB9-B843-13504DA37C4D}" type="slidenum">
               <a:rPr lang="de-DE" smtClean="0"/>
-              <a:t>‹#›</a:t>
+              <a:t>‹Nr.›</a:t>
             </a:fld>
             <a:endParaRPr lang="de-DE"/>
           </a:p>
@@ -7196,7 +7196,7 @@
           <a:p>
             <a:fld id="{E8A4740C-6A0C-496C-97D9-3F6AEA918594}" type="datetime4">
               <a:rPr lang="de-DE" smtClean="0"/>
-              <a:t>10. Juli 2021</a:t>
+              <a:t>11. Juli 2021</a:t>
             </a:fld>
             <a:endParaRPr lang="de-DE"/>
           </a:p>
@@ -7233,7 +7233,7 @@
           <a:p>
             <a:fld id="{4181FC29-5A6F-4AB9-B843-13504DA37C4D}" type="slidenum">
               <a:rPr lang="de-DE" smtClean="0"/>
-              <a:t>‹#›</a:t>
+              <a:t>‹Nr.›</a:t>
             </a:fld>
             <a:endParaRPr lang="de-DE"/>
           </a:p>
@@ -7454,7 +7454,7 @@
           <a:p>
             <a:fld id="{6D824872-EBAE-46ED-9958-F7BE407DE8D2}" type="datetime4">
               <a:rPr lang="de-DE" smtClean="0"/>
-              <a:t>10. Juli 2021</a:t>
+              <a:t>11. Juli 2021</a:t>
             </a:fld>
             <a:endParaRPr lang="de-DE" dirty="0"/>
           </a:p>
@@ -7509,7 +7509,7 @@
             <a:fld id="{4181FC29-5A6F-4AB9-B843-13504DA37C4D}" type="slidenum">
               <a:rPr lang="de-DE" smtClean="0"/>
               <a:pPr/>
-              <a:t>‹#›</a:t>
+              <a:t>‹Nr.›</a:t>
             </a:fld>
             <a:endParaRPr lang="de-DE" dirty="0"/>
           </a:p>
@@ -7994,7 +7994,7 @@
           <a:p>
             <a:fld id="{7F0EAEE2-B697-4996-9AB6-B2AC608AD820}" type="datetime4">
               <a:rPr lang="de-DE" smtClean="0"/>
-              <a:t>10. Juli 2021</a:t>
+              <a:t>11. Juli 2021</a:t>
             </a:fld>
             <a:endParaRPr lang="de-DE"/>
           </a:p>
@@ -8031,7 +8031,7 @@
           <a:p>
             <a:fld id="{4181FC29-5A6F-4AB9-B843-13504DA37C4D}" type="slidenum">
               <a:rPr lang="de-DE" smtClean="0"/>
-              <a:t>‹#›</a:t>
+              <a:t>‹Nr.›</a:t>
             </a:fld>
             <a:endParaRPr lang="de-DE"/>
           </a:p>
@@ -8175,7 +8175,7 @@
           <a:p>
             <a:fld id="{62546B1B-AA55-4C9B-887A-18EFA05E72DC}" type="datetime4">
               <a:rPr lang="de-DE" smtClean="0"/>
-              <a:t>10. Juli 2021</a:t>
+              <a:t>11. Juli 2021</a:t>
             </a:fld>
             <a:endParaRPr lang="de-DE"/>
           </a:p>
@@ -8212,7 +8212,7 @@
           <a:p>
             <a:fld id="{4181FC29-5A6F-4AB9-B843-13504DA37C4D}" type="slidenum">
               <a:rPr lang="de-DE" smtClean="0"/>
-              <a:t>‹#›</a:t>
+              <a:t>‹Nr.›</a:t>
             </a:fld>
             <a:endParaRPr lang="de-DE"/>
           </a:p>
@@ -8356,7 +8356,7 @@
           <a:p>
             <a:fld id="{8059DF19-E6CD-413D-B802-0D01F0F2F9A6}" type="datetime4">
               <a:rPr lang="de-DE" smtClean="0"/>
-              <a:t>10. Juli 2021</a:t>
+              <a:t>11. Juli 2021</a:t>
             </a:fld>
             <a:endParaRPr lang="de-DE"/>
           </a:p>
@@ -8393,7 +8393,7 @@
           <a:p>
             <a:fld id="{4181FC29-5A6F-4AB9-B843-13504DA37C4D}" type="slidenum">
               <a:rPr lang="de-DE" smtClean="0"/>
-              <a:t>‹#›</a:t>
+              <a:t>‹Nr.›</a:t>
             </a:fld>
             <a:endParaRPr lang="de-DE"/>
           </a:p>
@@ -8537,7 +8537,7 @@
           <a:p>
             <a:fld id="{FD6C0267-61AC-4BEC-B42A-4CAC221261AF}" type="datetime4">
               <a:rPr lang="de-DE" smtClean="0"/>
-              <a:t>10. Juli 2021</a:t>
+              <a:t>11. Juli 2021</a:t>
             </a:fld>
             <a:endParaRPr lang="de-DE"/>
           </a:p>
@@ -8574,7 +8574,7 @@
           <a:p>
             <a:fld id="{4181FC29-5A6F-4AB9-B843-13504DA37C4D}" type="slidenum">
               <a:rPr lang="de-DE" smtClean="0"/>
-              <a:t>‹#›</a:t>
+              <a:t>‹Nr.›</a:t>
             </a:fld>
             <a:endParaRPr lang="de-DE"/>
           </a:p>
@@ -9002,7 +9002,7 @@
           <a:p>
             <a:fld id="{1241F50D-4C6C-4E63-98EB-C643F32A4A25}" type="datetime4">
               <a:rPr lang="de-DE" smtClean="0"/>
-              <a:t>10. Juli 2021</a:t>
+              <a:t>11. Juli 2021</a:t>
             </a:fld>
             <a:endParaRPr lang="de-DE"/>
           </a:p>
@@ -9039,7 +9039,7 @@
           <a:p>
             <a:fld id="{4181FC29-5A6F-4AB9-B843-13504DA37C4D}" type="slidenum">
               <a:rPr lang="de-DE" smtClean="0"/>
-              <a:t>‹#›</a:t>
+              <a:t>‹Nr.›</a:t>
             </a:fld>
             <a:endParaRPr lang="de-DE"/>
           </a:p>
@@ -9183,7 +9183,7 @@
           <a:p>
             <a:fld id="{154261B4-AEF4-4C62-8486-1FEBF23F640F}" type="datetime4">
               <a:rPr lang="de-DE" smtClean="0"/>
-              <a:t>10. Juli 2021</a:t>
+              <a:t>11. Juli 2021</a:t>
             </a:fld>
             <a:endParaRPr lang="de-DE"/>
           </a:p>
@@ -9220,7 +9220,7 @@
           <a:p>
             <a:fld id="{4181FC29-5A6F-4AB9-B843-13504DA37C4D}" type="slidenum">
               <a:rPr lang="de-DE" smtClean="0"/>
-              <a:t>‹#›</a:t>
+              <a:t>‹Nr.›</a:t>
             </a:fld>
             <a:endParaRPr lang="de-DE"/>
           </a:p>
@@ -9380,7 +9380,7 @@
           <a:p>
             <a:fld id="{CC32C888-7D1E-40D8-85A4-DA3B4FF3C9FF}" type="datetime4">
               <a:rPr lang="de-DE" smtClean="0"/>
-              <a:t>10. Juli 2021</a:t>
+              <a:t>11. Juli 2021</a:t>
             </a:fld>
             <a:endParaRPr lang="de-DE"/>
           </a:p>
@@ -9417,7 +9417,7 @@
           <a:p>
             <a:fld id="{4181FC29-5A6F-4AB9-B843-13504DA37C4D}" type="slidenum">
               <a:rPr lang="de-DE" smtClean="0"/>
-              <a:t>‹#›</a:t>
+              <a:t>‹Nr.›</a:t>
             </a:fld>
             <a:endParaRPr lang="de-DE"/>
           </a:p>
@@ -9646,7 +9646,7 @@
           <a:p>
             <a:fld id="{92927DB4-5A2C-4CE1-814E-E3C24F3E3DAA}" type="datetime4">
               <a:rPr lang="de-DE" smtClean="0"/>
-              <a:t>10. Juli 2021</a:t>
+              <a:t>11. Juli 2021</a:t>
             </a:fld>
             <a:endParaRPr lang="de-DE"/>
           </a:p>
@@ -9683,7 +9683,7 @@
           <a:p>
             <a:fld id="{4181FC29-5A6F-4AB9-B843-13504DA37C4D}" type="slidenum">
               <a:rPr lang="de-DE" smtClean="0"/>
-              <a:t>‹#›</a:t>
+              <a:t>‹Nr.›</a:t>
             </a:fld>
             <a:endParaRPr lang="de-DE"/>
           </a:p>
@@ -9912,7 +9912,7 @@
           <a:p>
             <a:fld id="{E218E598-D131-4213-A78C-E2029E299CB0}" type="datetime4">
               <a:rPr lang="de-DE" smtClean="0"/>
-              <a:t>10. Juli 2021</a:t>
+              <a:t>11. Juli 2021</a:t>
             </a:fld>
             <a:endParaRPr lang="de-DE"/>
           </a:p>
@@ -9949,7 +9949,7 @@
           <a:p>
             <a:fld id="{4181FC29-5A6F-4AB9-B843-13504DA37C4D}" type="slidenum">
               <a:rPr lang="de-DE" smtClean="0"/>
-              <a:t>‹#›</a:t>
+              <a:t>‹Nr.›</a:t>
             </a:fld>
             <a:endParaRPr lang="de-DE"/>
           </a:p>
@@ -10093,7 +10093,7 @@
           <a:p>
             <a:fld id="{E1149281-CE5D-40E2-B6CE-94AD3EE6899B}" type="datetime4">
               <a:rPr lang="de-DE" smtClean="0"/>
-              <a:t>10. Juli 2021</a:t>
+              <a:t>11. Juli 2021</a:t>
             </a:fld>
             <a:endParaRPr lang="de-DE"/>
           </a:p>
@@ -10130,7 +10130,7 @@
           <a:p>
             <a:fld id="{4181FC29-5A6F-4AB9-B843-13504DA37C4D}" type="slidenum">
               <a:rPr lang="de-DE" smtClean="0"/>
-              <a:t>‹#›</a:t>
+              <a:t>‹Nr.›</a:t>
             </a:fld>
             <a:endParaRPr lang="de-DE"/>
           </a:p>
@@ -10341,7 +10341,7 @@
           <a:p>
             <a:fld id="{6D824872-EBAE-46ED-9958-F7BE407DE8D2}" type="datetime4">
               <a:rPr lang="de-DE" smtClean="0"/>
-              <a:t>10. Juli 2021</a:t>
+              <a:t>11. Juli 2021</a:t>
             </a:fld>
             <a:endParaRPr lang="de-DE" dirty="0"/>
           </a:p>
@@ -10396,7 +10396,7 @@
             <a:fld id="{4181FC29-5A6F-4AB9-B843-13504DA37C4D}" type="slidenum">
               <a:rPr lang="de-DE" smtClean="0"/>
               <a:pPr/>
-              <a:t>‹#›</a:t>
+              <a:t>‹Nr.›</a:t>
             </a:fld>
             <a:endParaRPr lang="de-DE" dirty="0"/>
           </a:p>
@@ -10755,7 +10755,7 @@
           <a:p>
             <a:fld id="{6D824872-EBAE-46ED-9958-F7BE407DE8D2}" type="datetime4">
               <a:rPr lang="de-DE" smtClean="0"/>
-              <a:t>10. Juli 2021</a:t>
+              <a:t>11. Juli 2021</a:t>
             </a:fld>
             <a:endParaRPr lang="de-DE" dirty="0"/>
           </a:p>
@@ -10810,7 +10810,7 @@
             <a:fld id="{4181FC29-5A6F-4AB9-B843-13504DA37C4D}" type="slidenum">
               <a:rPr lang="de-DE" smtClean="0"/>
               <a:pPr/>
-              <a:t>‹#›</a:t>
+              <a:t>‹Nr.›</a:t>
             </a:fld>
             <a:endParaRPr lang="de-DE" dirty="0"/>
           </a:p>
@@ -10898,7 +10898,7 @@
           <a:p>
             <a:fld id="{6D824872-EBAE-46ED-9958-F7BE407DE8D2}" type="datetime4">
               <a:rPr lang="de-DE" smtClean="0"/>
-              <a:t>10. Juli 2021</a:t>
+              <a:t>11. Juli 2021</a:t>
             </a:fld>
             <a:endParaRPr lang="de-DE" dirty="0"/>
           </a:p>
@@ -10953,7 +10953,7 @@
             <a:fld id="{4181FC29-5A6F-4AB9-B843-13504DA37C4D}" type="slidenum">
               <a:rPr lang="de-DE" smtClean="0"/>
               <a:pPr/>
-              <a:t>‹#›</a:t>
+              <a:t>‹Nr.›</a:t>
             </a:fld>
             <a:endParaRPr lang="de-DE" dirty="0"/>
           </a:p>
@@ -11013,7 +11013,7 @@
           <a:p>
             <a:fld id="{6D824872-EBAE-46ED-9958-F7BE407DE8D2}" type="datetime4">
               <a:rPr lang="de-DE" smtClean="0"/>
-              <a:t>10. Juli 2021</a:t>
+              <a:t>11. Juli 2021</a:t>
             </a:fld>
             <a:endParaRPr lang="de-DE" dirty="0"/>
           </a:p>
@@ -11068,7 +11068,7 @@
             <a:fld id="{4181FC29-5A6F-4AB9-B843-13504DA37C4D}" type="slidenum">
               <a:rPr lang="de-DE" smtClean="0"/>
               <a:pPr/>
-              <a:t>‹#›</a:t>
+              <a:t>‹Nr.›</a:t>
             </a:fld>
             <a:endParaRPr lang="de-DE" dirty="0"/>
           </a:p>
@@ -11326,7 +11326,7 @@
           <a:p>
             <a:fld id="{6D824872-EBAE-46ED-9958-F7BE407DE8D2}" type="datetime4">
               <a:rPr lang="de-DE" smtClean="0"/>
-              <a:t>10. Juli 2021</a:t>
+              <a:t>11. Juli 2021</a:t>
             </a:fld>
             <a:endParaRPr lang="de-DE" dirty="0"/>
           </a:p>
@@ -11381,7 +11381,7 @@
             <a:fld id="{4181FC29-5A6F-4AB9-B843-13504DA37C4D}" type="slidenum">
               <a:rPr lang="de-DE" smtClean="0"/>
               <a:pPr/>
-              <a:t>‹#›</a:t>
+              <a:t>‹Nr.›</a:t>
             </a:fld>
             <a:endParaRPr lang="de-DE" dirty="0"/>
           </a:p>
@@ -11616,7 +11616,7 @@
           <a:p>
             <a:fld id="{6D824872-EBAE-46ED-9958-F7BE407DE8D2}" type="datetime4">
               <a:rPr lang="de-DE" smtClean="0"/>
-              <a:t>10. Juli 2021</a:t>
+              <a:t>11. Juli 2021</a:t>
             </a:fld>
             <a:endParaRPr lang="de-DE" dirty="0"/>
           </a:p>
@@ -11671,7 +11671,7 @@
             <a:fld id="{4181FC29-5A6F-4AB9-B843-13504DA37C4D}" type="slidenum">
               <a:rPr lang="de-DE" smtClean="0"/>
               <a:pPr/>
-              <a:t>‹#›</a:t>
+              <a:t>‹Nr.›</a:t>
             </a:fld>
             <a:endParaRPr lang="de-DE" dirty="0"/>
           </a:p>
@@ -11859,7 +11859,7 @@
           <a:p>
             <a:fld id="{6D824872-EBAE-46ED-9958-F7BE407DE8D2}" type="datetime4">
               <a:rPr lang="de-DE" smtClean="0"/>
-              <a:t>10. Juli 2021</a:t>
+              <a:t>11. Juli 2021</a:t>
             </a:fld>
             <a:endParaRPr lang="de-DE" dirty="0"/>
           </a:p>
@@ -11950,7 +11950,7 @@
             <a:fld id="{4181FC29-5A6F-4AB9-B843-13504DA37C4D}" type="slidenum">
               <a:rPr lang="de-DE" smtClean="0"/>
               <a:pPr/>
-              <a:t>‹#›</a:t>
+              <a:t>‹Nr.›</a:t>
             </a:fld>
             <a:endParaRPr lang="de-DE" dirty="0"/>
           </a:p>
@@ -26390,111 +26390,6 @@
       </p:sp>
       <p:sp>
         <p:nvSpPr>
-          <p:cNvPr id="18" name="Textfeld 17">
-            <a:extLst>
-              <a:ext uri="{FF2B5EF4-FFF2-40B4-BE49-F238E27FC236}">
-                <a16:creationId xmlns:a16="http://schemas.microsoft.com/office/drawing/2014/main" id="{CB16CB20-604D-4BDF-BD45-7A67CC264978}"/>
-              </a:ext>
-            </a:extLst>
-          </p:cNvPr>
-          <p:cNvSpPr txBox="1"/>
-          <p:nvPr/>
-        </p:nvSpPr>
-        <p:spPr>
-          <a:xfrm>
-            <a:off x="1018772" y="4753958"/>
-            <a:ext cx="10256796" cy="1200329"/>
-          </a:xfrm>
-          <a:prstGeom prst="rect">
-            <a:avLst/>
-          </a:prstGeom>
-          <a:noFill/>
-        </p:spPr>
-        <p:txBody>
-          <a:bodyPr wrap="square" rtlCol="0">
-            <a:spAutoFit/>
-          </a:bodyPr>
-          <a:lstStyle/>
-          <a:p>
-            <a:pPr marL="285750" indent="-285750">
-              <a:buFont typeface="Arial" panose="020B0604020202020204" pitchFamily="34" charset="0"/>
-              <a:buChar char="•"/>
-            </a:pPr>
-            <a:r>
-              <a:rPr lang="en-US" dirty="0"/>
-              <a:t>Written in a Programming language (solidity).</a:t>
-            </a:r>
-          </a:p>
-          <a:p>
-            <a:pPr marL="285750" indent="-285750">
-              <a:buFont typeface="Arial" panose="020B0604020202020204" pitchFamily="34" charset="0"/>
-              <a:buChar char="•"/>
-            </a:pPr>
-            <a:r>
-              <a:rPr lang="en-US" dirty="0"/>
-              <a:t>Limitation in size.</a:t>
-            </a:r>
-          </a:p>
-          <a:p>
-            <a:pPr marL="285750" indent="-285750">
-              <a:buFont typeface="Arial" panose="020B0604020202020204" pitchFamily="34" charset="0"/>
-              <a:buChar char="•"/>
-            </a:pPr>
-            <a:r>
-              <a:rPr lang="en-US" dirty="0"/>
-              <a:t>Can‘t use API to get external data.</a:t>
-            </a:r>
-          </a:p>
-          <a:p>
-            <a:pPr marL="285750" indent="-285750">
-              <a:buFont typeface="Arial" panose="020B0604020202020204" pitchFamily="34" charset="0"/>
-              <a:buChar char="•"/>
-            </a:pPr>
-            <a:r>
-              <a:rPr lang="en-US" dirty="0"/>
-              <a:t>Each node needs to calculate(Mine) same result for same input for a contract method.</a:t>
-            </a:r>
-          </a:p>
-        </p:txBody>
-      </p:sp>
-      <p:pic>
-        <p:nvPicPr>
-          <p:cNvPr id="20" name="Grafik 19">
-            <a:extLst>
-              <a:ext uri="{FF2B5EF4-FFF2-40B4-BE49-F238E27FC236}">
-                <a16:creationId xmlns:a16="http://schemas.microsoft.com/office/drawing/2014/main" id="{99F5A352-8B71-4CFD-B88B-39FB6426450B}"/>
-              </a:ext>
-            </a:extLst>
-          </p:cNvPr>
-          <p:cNvPicPr>
-            <a:picLocks noChangeAspect="1"/>
-          </p:cNvPicPr>
-          <p:nvPr/>
-        </p:nvPicPr>
-        <p:blipFill>
-          <a:blip r:embed="rId2">
-            <a:extLst>
-              <a:ext uri="{28A0092B-C50C-407E-A947-70E740481C1C}">
-                <a14:useLocalDpi xmlns:a14="http://schemas.microsoft.com/office/drawing/2010/main" val="0"/>
-              </a:ext>
-            </a:extLst>
-          </a:blip>
-          <a:stretch>
-            <a:fillRect/>
-          </a:stretch>
-        </p:blipFill>
-        <p:spPr>
-          <a:xfrm>
-            <a:off x="1396767" y="2772662"/>
-            <a:ext cx="9398465" cy="1997462"/>
-          </a:xfrm>
-          <a:prstGeom prst="rect">
-            <a:avLst/>
-          </a:prstGeom>
-        </p:spPr>
-      </p:pic>
-      <p:sp>
-        <p:nvSpPr>
           <p:cNvPr id="7" name="Subtitle 1">
             <a:extLst>
               <a:ext uri="{FF2B5EF4-FFF2-40B4-BE49-F238E27FC236}">
@@ -26510,7 +26405,7 @@
         <p:spPr>
           <a:xfrm>
             <a:off x="1091924" y="1503877"/>
-            <a:ext cx="10256796" cy="1582731"/>
+            <a:ext cx="10256796" cy="2673839"/>
           </a:xfrm>
           <a:prstGeom prst="rect">
             <a:avLst/>
@@ -26633,8 +26528,208 @@
               <a:t>What is Smart Contract?</a:t>
             </a:r>
           </a:p>
+          <a:p>
+            <a:pPr marL="285750" indent="-285750">
+              <a:buFont typeface="Arial" panose="020B0604020202020204" pitchFamily="34" charset="0"/>
+              <a:buChar char="•"/>
+            </a:pPr>
+            <a:r>
+              <a:rPr lang="en-GB" dirty="0">
+                <a:solidFill>
+                  <a:schemeClr val="tx1">
+                    <a:lumMod val="65000"/>
+                    <a:lumOff val="35000"/>
+                  </a:schemeClr>
+                </a:solidFill>
+              </a:rPr>
+              <a:t>It’s a digital contract</a:t>
+            </a:r>
+          </a:p>
+          <a:p>
+            <a:pPr marL="285750" indent="-285750">
+              <a:buFont typeface="Arial" panose="020B0604020202020204" pitchFamily="34" charset="0"/>
+              <a:buChar char="•"/>
+            </a:pPr>
+            <a:r>
+              <a:rPr lang="en-GB" dirty="0">
+                <a:solidFill>
+                  <a:schemeClr val="tx1">
+                    <a:lumMod val="65000"/>
+                    <a:lumOff val="35000"/>
+                  </a:schemeClr>
+                </a:solidFill>
+              </a:rPr>
+              <a:t>Smart Contracts can be deployed on a blockchain</a:t>
+            </a:r>
+          </a:p>
+          <a:p>
+            <a:pPr marL="285750" indent="-285750">
+              <a:buFont typeface="Arial" panose="020B0604020202020204" pitchFamily="34" charset="0"/>
+              <a:buChar char="•"/>
+            </a:pPr>
+            <a:r>
+              <a:rPr lang="en-US" dirty="0">
+                <a:solidFill>
+                  <a:schemeClr val="tx1">
+                    <a:lumMod val="65000"/>
+                    <a:lumOff val="35000"/>
+                  </a:schemeClr>
+                </a:solidFill>
+              </a:rPr>
+              <a:t>Written in a Programming language (solidity for Ethereum).</a:t>
+            </a:r>
+          </a:p>
+          <a:p>
+            <a:pPr marL="285750" indent="-285750">
+              <a:buFont typeface="Arial" panose="020B0604020202020204" pitchFamily="34" charset="0"/>
+              <a:buChar char="•"/>
+            </a:pPr>
+            <a:r>
+              <a:rPr lang="en-US" dirty="0">
+                <a:solidFill>
+                  <a:schemeClr val="tx1">
+                    <a:lumMod val="65000"/>
+                    <a:lumOff val="35000"/>
+                  </a:schemeClr>
+                </a:solidFill>
+              </a:rPr>
+              <a:t>Limitation in size (</a:t>
+            </a:r>
+            <a:r>
+              <a:rPr lang="en-US">
+                <a:solidFill>
+                  <a:schemeClr val="tx1">
+                    <a:lumMod val="65000"/>
+                    <a:lumOff val="35000"/>
+                  </a:schemeClr>
+                </a:solidFill>
+              </a:rPr>
+              <a:t>24 KB).</a:t>
+            </a:r>
+            <a:endParaRPr lang="en-US" dirty="0">
+              <a:solidFill>
+                <a:schemeClr val="tx1">
+                  <a:lumMod val="65000"/>
+                  <a:lumOff val="35000"/>
+                </a:schemeClr>
+              </a:solidFill>
+            </a:endParaRPr>
+          </a:p>
+          <a:p>
+            <a:pPr marL="285750" indent="-285750">
+              <a:buFont typeface="Arial" panose="020B0604020202020204" pitchFamily="34" charset="0"/>
+              <a:buChar char="•"/>
+            </a:pPr>
+            <a:r>
+              <a:rPr lang="en-US" dirty="0">
+                <a:solidFill>
+                  <a:schemeClr val="tx1">
+                    <a:lumMod val="65000"/>
+                    <a:lumOff val="35000"/>
+                  </a:schemeClr>
+                </a:solidFill>
+              </a:rPr>
+              <a:t>Can‘t use external API to get data.</a:t>
+            </a:r>
+          </a:p>
+          <a:p>
+            <a:pPr marL="285750" indent="-285750">
+              <a:buFont typeface="Arial" panose="020B0604020202020204" pitchFamily="34" charset="0"/>
+              <a:buChar char="•"/>
+            </a:pPr>
+            <a:r>
+              <a:rPr lang="en-US" dirty="0">
+                <a:solidFill>
+                  <a:schemeClr val="tx1">
+                    <a:lumMod val="65000"/>
+                    <a:lumOff val="35000"/>
+                  </a:schemeClr>
+                </a:solidFill>
+              </a:rPr>
+              <a:t>Each node needs to calculate(Mine) same result for same input for a contract method</a:t>
+            </a:r>
+            <a:endParaRPr lang="de-DE" dirty="0">
+              <a:solidFill>
+                <a:schemeClr val="tx1">
+                  <a:lumMod val="65000"/>
+                  <a:lumOff val="35000"/>
+                </a:schemeClr>
+              </a:solidFill>
+            </a:endParaRPr>
+          </a:p>
+          <a:p>
+            <a:pPr marL="285750" indent="-285750">
+              <a:buFont typeface="Arial" panose="020B0604020202020204" pitchFamily="34" charset="0"/>
+              <a:buChar char="•"/>
+            </a:pPr>
+            <a:endParaRPr lang="en-US" dirty="0"/>
+          </a:p>
+          <a:p>
+            <a:pPr marL="285750" indent="-285750">
+              <a:buFont typeface="Arial" panose="020B0604020202020204" pitchFamily="34" charset="0"/>
+              <a:buChar char="•"/>
+            </a:pPr>
+            <a:endParaRPr lang="en-US" dirty="0"/>
+          </a:p>
+          <a:p>
+            <a:pPr marL="285750" indent="-285750">
+              <a:buFont typeface="Arial" panose="020B0604020202020204" pitchFamily="34" charset="0"/>
+              <a:buChar char="•"/>
+            </a:pPr>
+            <a:endParaRPr lang="en-US" dirty="0"/>
+          </a:p>
+          <a:p>
+            <a:pPr marL="285750" indent="-285750">
+              <a:buFont typeface="Arial" panose="020B0604020202020204" pitchFamily="34" charset="0"/>
+              <a:buChar char="•"/>
+            </a:pPr>
+            <a:endParaRPr lang="en-GB" dirty="0">
+              <a:solidFill>
+                <a:schemeClr val="tx1">
+                  <a:lumMod val="65000"/>
+                  <a:lumOff val="35000"/>
+                </a:schemeClr>
+              </a:solidFill>
+            </a:endParaRPr>
+          </a:p>
         </p:txBody>
       </p:sp>
+      <p:pic>
+        <p:nvPicPr>
+          <p:cNvPr id="8" name="Grafik 7">
+            <a:extLst>
+              <a:ext uri="{FF2B5EF4-FFF2-40B4-BE49-F238E27FC236}">
+                <a16:creationId xmlns:a16="http://schemas.microsoft.com/office/drawing/2014/main" id="{AFA481E6-746B-4626-9199-383A60983073}"/>
+              </a:ext>
+            </a:extLst>
+          </p:cNvPr>
+          <p:cNvPicPr>
+            <a:picLocks noChangeAspect="1"/>
+          </p:cNvPicPr>
+          <p:nvPr/>
+        </p:nvPicPr>
+        <p:blipFill>
+          <a:blip r:embed="rId2">
+            <a:extLst>
+              <a:ext uri="{28A0092B-C50C-407E-A947-70E740481C1C}">
+                <a14:useLocalDpi xmlns:a14="http://schemas.microsoft.com/office/drawing/2010/main" val="0"/>
+              </a:ext>
+            </a:extLst>
+          </a:blip>
+          <a:stretch>
+            <a:fillRect/>
+          </a:stretch>
+        </p:blipFill>
+        <p:spPr>
+          <a:xfrm>
+            <a:off x="1191237" y="4177715"/>
+            <a:ext cx="9158510" cy="1845579"/>
+          </a:xfrm>
+          <a:prstGeom prst="rect">
+            <a:avLst/>
+          </a:prstGeom>
+        </p:spPr>
+      </p:pic>
     </p:spTree>
     <p:extLst>
       <p:ext uri="{BB962C8B-B14F-4D97-AF65-F5344CB8AC3E}">
@@ -26726,48 +26821,6 @@
           </a:p>
         </p:txBody>
       </p:sp>
-      <p:pic>
-        <p:nvPicPr>
-          <p:cNvPr id="19" name="Grafik 18">
-            <a:extLst>
-              <a:ext uri="{FF2B5EF4-FFF2-40B4-BE49-F238E27FC236}">
-                <a16:creationId xmlns:a16="http://schemas.microsoft.com/office/drawing/2014/main" id="{F35E62A7-7677-433B-8EA0-EEC55EA05262}"/>
-              </a:ext>
-            </a:extLst>
-          </p:cNvPr>
-          <p:cNvPicPr>
-            <a:picLocks noChangeAspect="1"/>
-          </p:cNvPicPr>
-          <p:nvPr/>
-        </p:nvPicPr>
-        <p:blipFill rotWithShape="1">
-          <a:blip r:embed="rId2">
-            <a:duotone>
-              <a:schemeClr val="accent1">
-                <a:shade val="45000"/>
-                <a:satMod val="135000"/>
-              </a:schemeClr>
-              <a:prstClr val="white"/>
-            </a:duotone>
-            <a:extLst>
-              <a:ext uri="{28A0092B-C50C-407E-A947-70E740481C1C}">
-                <a14:useLocalDpi xmlns:a14="http://schemas.microsoft.com/office/drawing/2010/main" val="0"/>
-              </a:ext>
-            </a:extLst>
-          </a:blip>
-          <a:srcRect t="5016" b="4832"/>
-          <a:stretch/>
-        </p:blipFill>
-        <p:spPr>
-          <a:xfrm>
-            <a:off x="6859609" y="1368701"/>
-            <a:ext cx="4922814" cy="4351379"/>
-          </a:xfrm>
-          <a:prstGeom prst="rect">
-            <a:avLst/>
-          </a:prstGeom>
-        </p:spPr>
-      </p:pic>
       <p:sp>
         <p:nvSpPr>
           <p:cNvPr id="2" name="TextBox 1">
@@ -26782,8 +26835,8 @@
         </p:nvSpPr>
         <p:spPr>
           <a:xfrm>
-            <a:off x="1018772" y="1368701"/>
-            <a:ext cx="3352800" cy="1477328"/>
+            <a:off x="629174" y="1368701"/>
+            <a:ext cx="6543413" cy="3555637"/>
           </a:xfrm>
           <a:prstGeom prst="rect">
             <a:avLst/>
@@ -26934,20 +26987,396 @@
             </a:r>
           </a:p>
           <a:p>
+            <a:pPr marL="342900" indent="-342900">
+              <a:buFont typeface="+mj-lt"/>
+              <a:buAutoNum type="arabicPeriod"/>
+            </a:pPr>
+            <a:r>
+              <a:rPr lang="de-DE" dirty="0"/>
+              <a:t>Inside Smart </a:t>
+            </a:r>
+            <a:r>
+              <a:rPr lang="de-DE" dirty="0" err="1"/>
+              <a:t>Contract</a:t>
+            </a:r>
+            <a:r>
+              <a:rPr lang="de-DE" dirty="0"/>
+              <a:t> </a:t>
+            </a:r>
+            <a:r>
+              <a:rPr lang="de-DE" dirty="0" err="1"/>
+              <a:t>call</a:t>
+            </a:r>
+            <a:r>
+              <a:rPr lang="de-DE" dirty="0"/>
+              <a:t> </a:t>
+            </a:r>
+            <a:r>
+              <a:rPr lang="de-DE" dirty="0" err="1"/>
+              <a:t>oracle</a:t>
+            </a:r>
+            <a:r>
+              <a:rPr lang="de-DE" dirty="0"/>
+              <a:t> </a:t>
+            </a:r>
+            <a:r>
+              <a:rPr lang="de-DE" dirty="0" err="1"/>
+              <a:t>function</a:t>
+            </a:r>
+            <a:r>
+              <a:rPr lang="de-DE" dirty="0"/>
+              <a:t> </a:t>
+            </a:r>
+            <a:r>
+              <a:rPr lang="de-DE" dirty="0" err="1"/>
+              <a:t>to</a:t>
+            </a:r>
+            <a:r>
+              <a:rPr lang="de-DE" dirty="0"/>
+              <a:t> </a:t>
+            </a:r>
+            <a:r>
+              <a:rPr lang="de-DE" dirty="0" err="1"/>
+              <a:t>get</a:t>
+            </a:r>
+            <a:r>
+              <a:rPr lang="de-DE" dirty="0"/>
+              <a:t> external </a:t>
+            </a:r>
+            <a:r>
+              <a:rPr lang="de-DE" dirty="0" err="1"/>
+              <a:t>data</a:t>
+            </a:r>
             <a:endParaRPr lang="de-DE" dirty="0"/>
           </a:p>
           <a:p>
+            <a:pPr marL="342900" indent="-342900">
+              <a:buFont typeface="+mj-lt"/>
+              <a:buAutoNum type="arabicPeriod"/>
+            </a:pPr>
+            <a:r>
+              <a:rPr lang="de-DE" dirty="0"/>
+              <a:t>The Oracle </a:t>
+            </a:r>
+            <a:r>
+              <a:rPr lang="de-DE" dirty="0" err="1"/>
+              <a:t>contract</a:t>
+            </a:r>
+            <a:r>
+              <a:rPr lang="de-DE" dirty="0"/>
+              <a:t> </a:t>
+            </a:r>
+            <a:r>
+              <a:rPr lang="de-DE" dirty="0" err="1"/>
+              <a:t>requests</a:t>
+            </a:r>
+            <a:r>
+              <a:rPr lang="de-DE" dirty="0"/>
+              <a:t> </a:t>
+            </a:r>
+            <a:r>
+              <a:rPr lang="de-DE" dirty="0" err="1"/>
+              <a:t>the</a:t>
+            </a:r>
+            <a:r>
+              <a:rPr lang="de-DE" dirty="0"/>
+              <a:t> </a:t>
+            </a:r>
+            <a:r>
+              <a:rPr lang="de-DE" dirty="0" err="1"/>
+              <a:t>data</a:t>
+            </a:r>
+            <a:r>
+              <a:rPr lang="de-DE" dirty="0"/>
+              <a:t> </a:t>
+            </a:r>
+            <a:r>
+              <a:rPr lang="de-DE" dirty="0" err="1"/>
+              <a:t>from</a:t>
+            </a:r>
+            <a:r>
+              <a:rPr lang="de-DE" dirty="0"/>
+              <a:t> Oracle Service</a:t>
+            </a:r>
+          </a:p>
+          <a:p>
+            <a:pPr marL="342900" indent="-342900">
+              <a:buFont typeface="+mj-lt"/>
+              <a:buAutoNum type="arabicPeriod"/>
+            </a:pPr>
+            <a:r>
+              <a:rPr lang="de-DE" dirty="0"/>
+              <a:t>The Oracle Service </a:t>
+            </a:r>
+            <a:r>
+              <a:rPr lang="de-DE" dirty="0" err="1"/>
+              <a:t>invoke</a:t>
+            </a:r>
+            <a:r>
+              <a:rPr lang="de-DE" dirty="0"/>
+              <a:t> a Rest API</a:t>
+            </a:r>
+          </a:p>
+          <a:p>
+            <a:pPr marL="342900" indent="-342900">
+              <a:buFont typeface="+mj-lt"/>
+              <a:buAutoNum type="arabicPeriod"/>
+            </a:pPr>
+            <a:r>
+              <a:rPr lang="de-DE" dirty="0"/>
+              <a:t>The Oracle Service </a:t>
+            </a:r>
+            <a:r>
+              <a:rPr lang="de-DE" dirty="0" err="1"/>
+              <a:t>gets</a:t>
+            </a:r>
+            <a:r>
+              <a:rPr lang="de-DE" dirty="0"/>
+              <a:t> </a:t>
+            </a:r>
+            <a:r>
+              <a:rPr lang="de-DE" dirty="0" err="1"/>
+              <a:t>the</a:t>
+            </a:r>
+            <a:r>
+              <a:rPr lang="de-DE" dirty="0"/>
+              <a:t> </a:t>
+            </a:r>
+            <a:r>
+              <a:rPr lang="de-DE" dirty="0" err="1"/>
+              <a:t>data</a:t>
+            </a:r>
             <a:endParaRPr lang="de-DE" dirty="0"/>
           </a:p>
           <a:p>
+            <a:pPr marL="342900" indent="-342900">
+              <a:buFont typeface="+mj-lt"/>
+              <a:buAutoNum type="arabicPeriod"/>
+            </a:pPr>
             <a:r>
               <a:rPr lang="de-DE" dirty="0"/>
-              <a:t>Pros and </a:t>
+              <a:t>The Oracle Service </a:t>
             </a:r>
             <a:r>
               <a:rPr lang="de-DE" dirty="0" err="1"/>
-              <a:t>Cons</a:t>
-            </a:r>
+              <a:t>publishs</a:t>
+            </a:r>
+            <a:r>
+              <a:rPr lang="de-DE" dirty="0"/>
+              <a:t> </a:t>
+            </a:r>
+            <a:r>
+              <a:rPr lang="de-DE" dirty="0" err="1"/>
+              <a:t>the</a:t>
+            </a:r>
+            <a:r>
+              <a:rPr lang="de-DE" dirty="0"/>
+              <a:t> </a:t>
+            </a:r>
+            <a:r>
+              <a:rPr lang="de-DE" dirty="0" err="1"/>
+              <a:t>data</a:t>
+            </a:r>
+            <a:r>
+              <a:rPr lang="de-DE" dirty="0"/>
+              <a:t> on </a:t>
+            </a:r>
+            <a:r>
+              <a:rPr lang="de-DE" dirty="0" err="1"/>
+              <a:t>the</a:t>
+            </a:r>
+            <a:r>
+              <a:rPr lang="de-DE" dirty="0"/>
+              <a:t> </a:t>
+            </a:r>
+            <a:r>
+              <a:rPr lang="de-DE" dirty="0" err="1"/>
+              <a:t>blockchain</a:t>
+            </a:r>
+            <a:endParaRPr lang="de-DE" dirty="0"/>
+          </a:p>
+          <a:p>
+            <a:pPr marL="342900" indent="-342900">
+              <a:buFont typeface="+mj-lt"/>
+              <a:buAutoNum type="arabicPeriod"/>
+            </a:pPr>
+            <a:r>
+              <a:rPr lang="de-DE" dirty="0"/>
+              <a:t>Oracle </a:t>
+            </a:r>
+            <a:r>
+              <a:rPr lang="de-DE" dirty="0" err="1"/>
+              <a:t>Contract</a:t>
+            </a:r>
+            <a:r>
+              <a:rPr lang="de-DE" dirty="0"/>
+              <a:t> </a:t>
+            </a:r>
+            <a:r>
+              <a:rPr lang="de-DE" dirty="0" err="1"/>
+              <a:t>callback</a:t>
+            </a:r>
+            <a:r>
+              <a:rPr lang="de-DE" dirty="0"/>
+              <a:t> </a:t>
+            </a:r>
+            <a:r>
+              <a:rPr lang="de-DE" dirty="0" err="1"/>
+              <a:t>function</a:t>
+            </a:r>
+            <a:r>
+              <a:rPr lang="de-DE" dirty="0"/>
+              <a:t> </a:t>
+            </a:r>
+            <a:r>
+              <a:rPr lang="de-DE" dirty="0" err="1"/>
+              <a:t>gets</a:t>
+            </a:r>
+            <a:r>
+              <a:rPr lang="de-DE" dirty="0"/>
+              <a:t> </a:t>
+            </a:r>
+            <a:r>
+              <a:rPr lang="de-DE" dirty="0" err="1"/>
+              <a:t>the</a:t>
+            </a:r>
+            <a:r>
+              <a:rPr lang="de-DE" dirty="0"/>
+              <a:t> </a:t>
+            </a:r>
+            <a:r>
+              <a:rPr lang="de-DE" dirty="0" err="1"/>
+              <a:t>data</a:t>
+            </a:r>
+            <a:endParaRPr lang="de-DE" dirty="0"/>
+          </a:p>
+          <a:p>
+            <a:pPr marL="342900" indent="-342900">
+              <a:buFont typeface="+mj-lt"/>
+              <a:buAutoNum type="arabicPeriod"/>
+            </a:pPr>
+            <a:r>
+              <a:rPr lang="de-DE" dirty="0"/>
+              <a:t>The Oracle </a:t>
+            </a:r>
+            <a:r>
+              <a:rPr lang="de-DE" dirty="0" err="1"/>
+              <a:t>Contract</a:t>
+            </a:r>
+            <a:r>
+              <a:rPr lang="de-DE" dirty="0"/>
+              <a:t> </a:t>
+            </a:r>
+            <a:r>
+              <a:rPr lang="de-DE" dirty="0" err="1"/>
+              <a:t>returns</a:t>
+            </a:r>
+            <a:r>
+              <a:rPr lang="de-DE" dirty="0"/>
+              <a:t> </a:t>
+            </a:r>
+            <a:r>
+              <a:rPr lang="de-DE" dirty="0" err="1"/>
+              <a:t>the</a:t>
+            </a:r>
+            <a:r>
+              <a:rPr lang="de-DE" dirty="0"/>
+              <a:t> </a:t>
+            </a:r>
+            <a:r>
+              <a:rPr lang="de-DE" dirty="0" err="1"/>
+              <a:t>data</a:t>
+            </a:r>
+            <a:endParaRPr lang="de-DE" dirty="0"/>
+          </a:p>
+          <a:p>
+            <a:pPr marL="342900" indent="-342900">
+              <a:buFont typeface="+mj-lt"/>
+              <a:buAutoNum type="arabicPeriod"/>
+            </a:pPr>
+            <a:r>
+              <a:rPr lang="de-DE" dirty="0"/>
+              <a:t>All </a:t>
+            </a:r>
+            <a:r>
+              <a:rPr lang="de-DE" dirty="0" err="1"/>
+              <a:t>nodes</a:t>
+            </a:r>
+            <a:r>
+              <a:rPr lang="de-DE" dirty="0"/>
+              <a:t> </a:t>
+            </a:r>
+            <a:r>
+              <a:rPr lang="de-DE" dirty="0" err="1"/>
+              <a:t>can</a:t>
+            </a:r>
+            <a:r>
+              <a:rPr lang="de-DE" dirty="0"/>
+              <a:t> </a:t>
+            </a:r>
+            <a:r>
+              <a:rPr lang="de-DE" dirty="0" err="1"/>
+              <a:t>mine</a:t>
+            </a:r>
+            <a:r>
+              <a:rPr lang="de-DE" dirty="0"/>
+              <a:t> </a:t>
+            </a:r>
+            <a:r>
+              <a:rPr lang="de-DE" dirty="0" err="1"/>
+              <a:t>the</a:t>
+            </a:r>
+            <a:r>
+              <a:rPr lang="de-DE" dirty="0"/>
+              <a:t> same </a:t>
+            </a:r>
+            <a:r>
+              <a:rPr lang="de-DE" dirty="0" err="1"/>
+              <a:t>result</a:t>
+            </a:r>
+            <a:r>
+              <a:rPr lang="de-DE" dirty="0"/>
+              <a:t>, </a:t>
+            </a:r>
+            <a:r>
+              <a:rPr lang="de-DE" dirty="0" err="1"/>
+              <a:t>since</a:t>
+            </a:r>
+            <a:r>
+              <a:rPr lang="de-DE" dirty="0"/>
+              <a:t> </a:t>
+            </a:r>
+            <a:r>
+              <a:rPr lang="de-DE" dirty="0" err="1"/>
+              <a:t>the</a:t>
+            </a:r>
+            <a:r>
+              <a:rPr lang="de-DE" dirty="0"/>
+              <a:t> </a:t>
+            </a:r>
+            <a:r>
+              <a:rPr lang="de-DE" dirty="0" err="1"/>
+              <a:t>data</a:t>
+            </a:r>
+            <a:r>
+              <a:rPr lang="de-DE" dirty="0"/>
+              <a:t> </a:t>
+            </a:r>
+            <a:r>
+              <a:rPr lang="de-DE" dirty="0" err="1"/>
+              <a:t>is</a:t>
+            </a:r>
+            <a:r>
+              <a:rPr lang="de-DE" dirty="0"/>
+              <a:t> </a:t>
+            </a:r>
+            <a:r>
+              <a:rPr lang="de-DE" dirty="0" err="1"/>
+              <a:t>published</a:t>
+            </a:r>
+            <a:endParaRPr lang="de-DE" dirty="0"/>
+          </a:p>
+          <a:p>
             <a:endParaRPr lang="de-DE" dirty="0"/>
           </a:p>
           <a:p>
@@ -26967,6 +27396,41 @@
           </a:p>
         </p:txBody>
       </p:sp>
+      <p:pic>
+        <p:nvPicPr>
+          <p:cNvPr id="6" name="Grafik 5">
+            <a:extLst>
+              <a:ext uri="{FF2B5EF4-FFF2-40B4-BE49-F238E27FC236}">
+                <a16:creationId xmlns:a16="http://schemas.microsoft.com/office/drawing/2014/main" id="{C0719FA8-D98E-4AB9-820D-4C9F3D2B15AF}"/>
+              </a:ext>
+            </a:extLst>
+          </p:cNvPr>
+          <p:cNvPicPr>
+            <a:picLocks noChangeAspect="1"/>
+          </p:cNvPicPr>
+          <p:nvPr/>
+        </p:nvPicPr>
+        <p:blipFill rotWithShape="1">
+          <a:blip r:embed="rId2">
+            <a:extLst>
+              <a:ext uri="{28A0092B-C50C-407E-A947-70E740481C1C}">
+                <a14:useLocalDpi xmlns:a14="http://schemas.microsoft.com/office/drawing/2010/main" val="0"/>
+              </a:ext>
+            </a:extLst>
+          </a:blip>
+          <a:srcRect l="11597" t="4599" r="4337" b="4668"/>
+          <a:stretch/>
+        </p:blipFill>
+        <p:spPr>
+          <a:xfrm>
+            <a:off x="7337254" y="1266737"/>
+            <a:ext cx="4445169" cy="4379053"/>
+          </a:xfrm>
+          <a:prstGeom prst="rect">
+            <a:avLst/>
+          </a:prstGeom>
+        </p:spPr>
+      </p:pic>
     </p:spTree>
     <p:extLst>
       <p:ext uri="{BB962C8B-B14F-4D97-AF65-F5344CB8AC3E}">
@@ -27072,10 +27536,10 @@
       </p:sp>
       <p:pic>
         <p:nvPicPr>
-          <p:cNvPr id="4" name="Grafik 3">
+          <p:cNvPr id="6" name="Grafik 5">
             <a:extLst>
               <a:ext uri="{FF2B5EF4-FFF2-40B4-BE49-F238E27FC236}">
-                <a16:creationId xmlns:a16="http://schemas.microsoft.com/office/drawing/2014/main" id="{04F8687C-0063-4936-8E55-74E5244A4054}"/>
+                <a16:creationId xmlns:a16="http://schemas.microsoft.com/office/drawing/2014/main" id="{247F63B9-986A-407E-BDCB-CF4811FE926D}"/>
               </a:ext>
             </a:extLst>
           </p:cNvPr>
@@ -27085,26 +27549,601 @@
           <p:nvPr/>
         </p:nvPicPr>
         <p:blipFill rotWithShape="1">
-          <a:blip r:embed="rId2">
+          <a:blip r:embed="rId2" cstate="print">
             <a:extLst>
               <a:ext uri="{28A0092B-C50C-407E-A947-70E740481C1C}">
                 <a14:useLocalDpi xmlns:a14="http://schemas.microsoft.com/office/drawing/2010/main" val="0"/>
               </a:ext>
             </a:extLst>
           </a:blip>
-          <a:srcRect t="3968" b="3968"/>
+          <a:srcRect l="3279" t="4154" r="2822" b="3651"/>
           <a:stretch/>
         </p:blipFill>
         <p:spPr>
           <a:xfrm>
-            <a:off x="5103422" y="1134614"/>
-            <a:ext cx="6755019" cy="4997738"/>
+            <a:off x="6199463" y="1325461"/>
+            <a:ext cx="5368955" cy="4236440"/>
           </a:xfrm>
           <a:prstGeom prst="rect">
             <a:avLst/>
           </a:prstGeom>
         </p:spPr>
       </p:pic>
+      <p:sp>
+        <p:nvSpPr>
+          <p:cNvPr id="7" name="TextBox 1">
+            <a:extLst>
+              <a:ext uri="{FF2B5EF4-FFF2-40B4-BE49-F238E27FC236}">
+                <a16:creationId xmlns:a16="http://schemas.microsoft.com/office/drawing/2014/main" id="{DBB59B95-8D8F-467F-897B-DF985A8C947D}"/>
+              </a:ext>
+            </a:extLst>
+          </p:cNvPr>
+          <p:cNvSpPr txBox="1"/>
+          <p:nvPr/>
+        </p:nvSpPr>
+        <p:spPr>
+          <a:xfrm>
+            <a:off x="629175" y="1368700"/>
+            <a:ext cx="5466826" cy="4436481"/>
+          </a:xfrm>
+          <a:prstGeom prst="rect">
+            <a:avLst/>
+          </a:prstGeom>
+        </p:spPr>
+        <p:txBody>
+          <a:bodyPr/>
+          <a:lstStyle>
+            <a:defPPr>
+              <a:defRPr lang="en-US"/>
+            </a:defPPr>
+            <a:lvl1pPr indent="0">
+              <a:lnSpc>
+                <a:spcPct val="90000"/>
+              </a:lnSpc>
+              <a:spcBef>
+                <a:spcPts val="1000"/>
+              </a:spcBef>
+              <a:buFontTx/>
+              <a:buNone/>
+              <a:defRPr b="1">
+                <a:solidFill>
+                  <a:schemeClr val="tx1">
+                    <a:lumMod val="65000"/>
+                    <a:lumOff val="35000"/>
+                  </a:schemeClr>
+                </a:solidFill>
+                <a:latin typeface="Calibri body"/>
+                <a:ea typeface="Roboto" panose="02000000000000000000" pitchFamily="2" charset="0"/>
+                <a:cs typeface="Times New Roman" panose="02020603050405020304" pitchFamily="18" charset="0"/>
+              </a:defRPr>
+            </a:lvl1pPr>
+            <a:lvl2pPr marL="685800" indent="-228600">
+              <a:lnSpc>
+                <a:spcPct val="90000"/>
+              </a:lnSpc>
+              <a:spcBef>
+                <a:spcPts val="500"/>
+              </a:spcBef>
+              <a:buFont typeface="Arial" panose="020B0604020202020204" pitchFamily="34" charset="0"/>
+              <a:buChar char="•"/>
+              <a:defRPr sz="2400"/>
+            </a:lvl2pPr>
+            <a:lvl3pPr marL="1143000" indent="-228600">
+              <a:lnSpc>
+                <a:spcPct val="90000"/>
+              </a:lnSpc>
+              <a:spcBef>
+                <a:spcPts val="500"/>
+              </a:spcBef>
+              <a:buFont typeface="Arial" panose="020B0604020202020204" pitchFamily="34" charset="0"/>
+              <a:buChar char="•"/>
+              <a:defRPr sz="2000"/>
+            </a:lvl3pPr>
+            <a:lvl4pPr marL="1600200" indent="-228600">
+              <a:lnSpc>
+                <a:spcPct val="90000"/>
+              </a:lnSpc>
+              <a:spcBef>
+                <a:spcPts val="500"/>
+              </a:spcBef>
+              <a:buFont typeface="Arial" panose="020B0604020202020204" pitchFamily="34" charset="0"/>
+              <a:buChar char="•"/>
+            </a:lvl4pPr>
+            <a:lvl5pPr marL="2057400" indent="-228600">
+              <a:lnSpc>
+                <a:spcPct val="90000"/>
+              </a:lnSpc>
+              <a:spcBef>
+                <a:spcPts val="500"/>
+              </a:spcBef>
+              <a:buFont typeface="Arial" panose="020B0604020202020204" pitchFamily="34" charset="0"/>
+              <a:buChar char="•"/>
+            </a:lvl5pPr>
+            <a:lvl6pPr marL="2514600" indent="-228600">
+              <a:lnSpc>
+                <a:spcPct val="90000"/>
+              </a:lnSpc>
+              <a:spcBef>
+                <a:spcPts val="500"/>
+              </a:spcBef>
+              <a:buFont typeface="Arial" panose="020B0604020202020204" pitchFamily="34" charset="0"/>
+              <a:buChar char="•"/>
+            </a:lvl6pPr>
+            <a:lvl7pPr marL="2971800" indent="-228600">
+              <a:lnSpc>
+                <a:spcPct val="90000"/>
+              </a:lnSpc>
+              <a:spcBef>
+                <a:spcPts val="500"/>
+              </a:spcBef>
+              <a:buFont typeface="Arial" panose="020B0604020202020204" pitchFamily="34" charset="0"/>
+              <a:buChar char="•"/>
+            </a:lvl7pPr>
+            <a:lvl8pPr marL="3429000" indent="-228600">
+              <a:lnSpc>
+                <a:spcPct val="90000"/>
+              </a:lnSpc>
+              <a:spcBef>
+                <a:spcPts val="500"/>
+              </a:spcBef>
+              <a:buFont typeface="Arial" panose="020B0604020202020204" pitchFamily="34" charset="0"/>
+              <a:buChar char="•"/>
+            </a:lvl8pPr>
+            <a:lvl9pPr marL="3886200" indent="-228600">
+              <a:lnSpc>
+                <a:spcPct val="90000"/>
+              </a:lnSpc>
+              <a:spcBef>
+                <a:spcPts val="500"/>
+              </a:spcBef>
+              <a:buFont typeface="Arial" panose="020B0604020202020204" pitchFamily="34" charset="0"/>
+              <a:buChar char="•"/>
+            </a:lvl9pPr>
+          </a:lstStyle>
+          <a:p>
+            <a:r>
+              <a:rPr lang="de-DE" dirty="0" err="1"/>
+              <a:t>How</a:t>
+            </a:r>
+            <a:r>
+              <a:rPr lang="de-DE" dirty="0"/>
+              <a:t> </a:t>
+            </a:r>
+            <a:r>
+              <a:rPr lang="de-DE" dirty="0" err="1"/>
+              <a:t>does</a:t>
+            </a:r>
+            <a:r>
+              <a:rPr lang="de-DE" dirty="0"/>
+              <a:t> </a:t>
+            </a:r>
+            <a:r>
+              <a:rPr lang="de-DE" dirty="0" err="1"/>
+              <a:t>oracle</a:t>
+            </a:r>
+            <a:r>
+              <a:rPr lang="de-DE" dirty="0"/>
+              <a:t> </a:t>
+            </a:r>
+            <a:r>
+              <a:rPr lang="de-DE" dirty="0" err="1"/>
+              <a:t>work</a:t>
+            </a:r>
+            <a:r>
+              <a:rPr lang="de-DE" dirty="0"/>
+              <a:t>?</a:t>
+            </a:r>
+          </a:p>
+          <a:p>
+            <a:pPr marL="342900" indent="-342900">
+              <a:buFont typeface="+mj-lt"/>
+              <a:buAutoNum type="arabicPeriod"/>
+            </a:pPr>
+            <a:r>
+              <a:rPr lang="de-DE" dirty="0"/>
+              <a:t>The Customer </a:t>
+            </a:r>
+            <a:r>
+              <a:rPr lang="de-DE" dirty="0" err="1"/>
+              <a:t>uses</a:t>
+            </a:r>
+            <a:r>
+              <a:rPr lang="de-DE" dirty="0"/>
+              <a:t> </a:t>
+            </a:r>
+            <a:r>
+              <a:rPr lang="de-DE" dirty="0" err="1"/>
+              <a:t>the</a:t>
+            </a:r>
+            <a:r>
+              <a:rPr lang="de-DE" dirty="0"/>
+              <a:t> Web interface </a:t>
+            </a:r>
+            <a:r>
+              <a:rPr lang="de-DE" dirty="0" err="1"/>
+              <a:t>to</a:t>
+            </a:r>
+            <a:r>
+              <a:rPr lang="de-DE" dirty="0"/>
+              <a:t> </a:t>
+            </a:r>
+            <a:r>
+              <a:rPr lang="de-DE" dirty="0" err="1"/>
+              <a:t>request</a:t>
+            </a:r>
+            <a:r>
+              <a:rPr lang="de-DE" dirty="0"/>
+              <a:t> Sensor </a:t>
+            </a:r>
+            <a:r>
+              <a:rPr lang="de-DE" dirty="0" err="1"/>
+              <a:t>access</a:t>
+            </a:r>
+            <a:endParaRPr lang="de-DE" dirty="0"/>
+          </a:p>
+          <a:p>
+            <a:pPr marL="342900" indent="-342900">
+              <a:buFont typeface="+mj-lt"/>
+              <a:buAutoNum type="arabicPeriod"/>
+            </a:pPr>
+            <a:r>
+              <a:rPr lang="de-DE" dirty="0"/>
+              <a:t>The Request </a:t>
+            </a:r>
+            <a:r>
+              <a:rPr lang="de-DE" dirty="0" err="1"/>
+              <a:t>gets</a:t>
+            </a:r>
+            <a:r>
+              <a:rPr lang="de-DE" dirty="0"/>
+              <a:t> </a:t>
+            </a:r>
+            <a:r>
+              <a:rPr lang="de-DE" dirty="0" err="1"/>
+              <a:t>added</a:t>
+            </a:r>
+            <a:r>
+              <a:rPr lang="de-DE" dirty="0"/>
+              <a:t> </a:t>
+            </a:r>
+            <a:r>
+              <a:rPr lang="de-DE" dirty="0" err="1"/>
+              <a:t>to</a:t>
+            </a:r>
+            <a:r>
+              <a:rPr lang="de-DE" dirty="0"/>
+              <a:t> open </a:t>
+            </a:r>
+            <a:r>
+              <a:rPr lang="de-DE" dirty="0" err="1"/>
+              <a:t>Requests</a:t>
+            </a:r>
+            <a:endParaRPr lang="de-DE" dirty="0"/>
+          </a:p>
+          <a:p>
+            <a:pPr marL="342900" indent="-342900">
+              <a:buFont typeface="+mj-lt"/>
+              <a:buAutoNum type="arabicPeriod"/>
+            </a:pPr>
+            <a:r>
+              <a:rPr lang="de-DE" dirty="0"/>
+              <a:t>After </a:t>
+            </a:r>
+            <a:r>
+              <a:rPr lang="de-DE" dirty="0" err="1"/>
+              <a:t>the</a:t>
+            </a:r>
+            <a:r>
+              <a:rPr lang="de-DE" dirty="0"/>
+              <a:t> </a:t>
+            </a:r>
+            <a:r>
+              <a:rPr lang="de-DE" dirty="0" err="1"/>
+              <a:t>admin</a:t>
+            </a:r>
+            <a:r>
+              <a:rPr lang="de-DE" dirty="0"/>
+              <a:t> </a:t>
+            </a:r>
+            <a:r>
+              <a:rPr lang="de-DE" dirty="0" err="1"/>
+              <a:t>acknloedge</a:t>
+            </a:r>
+            <a:r>
+              <a:rPr lang="de-DE" dirty="0"/>
+              <a:t> </a:t>
+            </a:r>
+            <a:r>
+              <a:rPr lang="de-DE" dirty="0" err="1"/>
+              <a:t>the</a:t>
+            </a:r>
+            <a:r>
+              <a:rPr lang="de-DE" dirty="0"/>
+              <a:t> Request </a:t>
+            </a:r>
+            <a:r>
+              <a:rPr lang="de-DE" dirty="0" err="1"/>
+              <a:t>it</a:t>
+            </a:r>
+            <a:r>
+              <a:rPr lang="de-DE" dirty="0"/>
+              <a:t> </a:t>
+            </a:r>
+            <a:r>
+              <a:rPr lang="de-DE" dirty="0" err="1"/>
+              <a:t>gets</a:t>
+            </a:r>
+            <a:r>
+              <a:rPr lang="de-DE" dirty="0"/>
+              <a:t> </a:t>
+            </a:r>
+            <a:r>
+              <a:rPr lang="de-DE" dirty="0" err="1"/>
+              <a:t>removed</a:t>
+            </a:r>
+            <a:r>
+              <a:rPr lang="de-DE" dirty="0"/>
+              <a:t> </a:t>
+            </a:r>
+            <a:r>
+              <a:rPr lang="de-DE" dirty="0" err="1"/>
+              <a:t>from</a:t>
+            </a:r>
+            <a:r>
+              <a:rPr lang="de-DE" dirty="0"/>
+              <a:t> open </a:t>
+            </a:r>
+            <a:r>
+              <a:rPr lang="de-DE" dirty="0" err="1"/>
+              <a:t>requests</a:t>
+            </a:r>
+            <a:endParaRPr lang="de-DE" dirty="0"/>
+          </a:p>
+          <a:p>
+            <a:pPr marL="342900" indent="-342900">
+              <a:buFont typeface="+mj-lt"/>
+              <a:buAutoNum type="arabicPeriod"/>
+            </a:pPr>
+            <a:r>
+              <a:rPr lang="de-DE" dirty="0" err="1"/>
+              <a:t>Now</a:t>
+            </a:r>
+            <a:r>
+              <a:rPr lang="de-DE" dirty="0"/>
+              <a:t> </a:t>
+            </a:r>
+            <a:r>
+              <a:rPr lang="de-DE" dirty="0" err="1"/>
+              <a:t>the</a:t>
+            </a:r>
+            <a:r>
+              <a:rPr lang="de-DE" dirty="0"/>
+              <a:t> Customer </a:t>
+            </a:r>
+            <a:r>
+              <a:rPr lang="de-DE" dirty="0" err="1"/>
+              <a:t>can</a:t>
+            </a:r>
+            <a:r>
+              <a:rPr lang="de-DE" dirty="0"/>
+              <a:t> </a:t>
+            </a:r>
+            <a:r>
+              <a:rPr lang="de-DE" dirty="0" err="1"/>
+              <a:t>pay</a:t>
+            </a:r>
+            <a:r>
+              <a:rPr lang="de-DE" dirty="0"/>
+              <a:t> Ether</a:t>
+            </a:r>
+          </a:p>
+          <a:p>
+            <a:pPr marL="342900" indent="-342900">
+              <a:buFont typeface="+mj-lt"/>
+              <a:buAutoNum type="arabicPeriod"/>
+            </a:pPr>
+            <a:r>
+              <a:rPr lang="de-DE" dirty="0"/>
+              <a:t>After </a:t>
+            </a:r>
+            <a:r>
+              <a:rPr lang="de-DE" dirty="0" err="1"/>
+              <a:t>successfull</a:t>
+            </a:r>
+            <a:r>
+              <a:rPr lang="de-DE" dirty="0"/>
+              <a:t> </a:t>
+            </a:r>
+            <a:r>
+              <a:rPr lang="de-DE" dirty="0" err="1"/>
+              <a:t>payment</a:t>
+            </a:r>
+            <a:r>
+              <a:rPr lang="de-DE" dirty="0"/>
+              <a:t> </a:t>
+            </a:r>
+            <a:r>
+              <a:rPr lang="de-DE" dirty="0" err="1"/>
+              <a:t>the</a:t>
+            </a:r>
+            <a:r>
+              <a:rPr lang="de-DE" dirty="0"/>
+              <a:t> </a:t>
+            </a:r>
+            <a:r>
+              <a:rPr lang="de-DE" dirty="0" err="1"/>
+              <a:t>sensor</a:t>
+            </a:r>
+            <a:r>
+              <a:rPr lang="de-DE" dirty="0"/>
+              <a:t> </a:t>
+            </a:r>
+            <a:r>
+              <a:rPr lang="de-DE" dirty="0" err="1"/>
+              <a:t>balance</a:t>
+            </a:r>
+            <a:r>
+              <a:rPr lang="de-DE" dirty="0"/>
+              <a:t> </a:t>
+            </a:r>
+            <a:r>
+              <a:rPr lang="de-DE" dirty="0" err="1"/>
+              <a:t>gets</a:t>
+            </a:r>
+            <a:r>
+              <a:rPr lang="de-DE" dirty="0"/>
+              <a:t> </a:t>
+            </a:r>
+            <a:r>
+              <a:rPr lang="de-DE" dirty="0" err="1"/>
+              <a:t>increased</a:t>
+            </a:r>
+            <a:endParaRPr lang="de-DE" dirty="0"/>
+          </a:p>
+          <a:p>
+            <a:pPr marL="342900" indent="-342900">
+              <a:buFont typeface="+mj-lt"/>
+              <a:buAutoNum type="arabicPeriod"/>
+            </a:pPr>
+            <a:r>
+              <a:rPr lang="de-DE" dirty="0" err="1"/>
+              <a:t>Now</a:t>
+            </a:r>
+            <a:r>
+              <a:rPr lang="de-DE" dirty="0"/>
+              <a:t> </a:t>
+            </a:r>
+            <a:r>
+              <a:rPr lang="de-DE" dirty="0" err="1"/>
+              <a:t>the</a:t>
+            </a:r>
+            <a:r>
+              <a:rPr lang="de-DE" dirty="0"/>
+              <a:t> Customer </a:t>
+            </a:r>
+            <a:r>
+              <a:rPr lang="de-DE" dirty="0" err="1"/>
+              <a:t>can</a:t>
+            </a:r>
+            <a:r>
+              <a:rPr lang="de-DE" dirty="0"/>
+              <a:t> </a:t>
+            </a:r>
+            <a:r>
+              <a:rPr lang="de-DE" dirty="0" err="1"/>
+              <a:t>register</a:t>
+            </a:r>
+            <a:r>
+              <a:rPr lang="de-DE" dirty="0"/>
+              <a:t> an </a:t>
+            </a:r>
+            <a:r>
+              <a:rPr lang="de-DE" dirty="0" err="1"/>
+              <a:t>asset</a:t>
+            </a:r>
+            <a:r>
+              <a:rPr lang="de-DE" dirty="0"/>
+              <a:t> </a:t>
+            </a:r>
+          </a:p>
+          <a:p>
+            <a:pPr marL="342900" indent="-342900">
+              <a:buFont typeface="+mj-lt"/>
+              <a:buAutoNum type="arabicPeriod"/>
+            </a:pPr>
+            <a:r>
+              <a:rPr lang="de-DE" dirty="0"/>
+              <a:t>The Asset Smart </a:t>
+            </a:r>
+            <a:r>
+              <a:rPr lang="de-DE" dirty="0" err="1"/>
+              <a:t>Contract</a:t>
+            </a:r>
+            <a:r>
+              <a:rPr lang="de-DE" dirty="0"/>
+              <a:t> </a:t>
+            </a:r>
+            <a:r>
+              <a:rPr lang="de-DE" dirty="0" err="1"/>
+              <a:t>invoke</a:t>
+            </a:r>
+            <a:r>
+              <a:rPr lang="de-DE" dirty="0"/>
+              <a:t> a Oracle </a:t>
+            </a:r>
+            <a:r>
+              <a:rPr lang="de-DE" dirty="0" err="1"/>
+              <a:t>function</a:t>
+            </a:r>
+            <a:endParaRPr lang="de-DE" dirty="0"/>
+          </a:p>
+          <a:p>
+            <a:pPr marL="342900" indent="-342900">
+              <a:buFont typeface="+mj-lt"/>
+              <a:buAutoNum type="arabicPeriod"/>
+            </a:pPr>
+            <a:r>
+              <a:rPr lang="de-DE" dirty="0"/>
+              <a:t>The Oracle Service </a:t>
+            </a:r>
+            <a:r>
+              <a:rPr lang="de-DE" dirty="0" err="1"/>
+              <a:t>makes</a:t>
+            </a:r>
+            <a:r>
+              <a:rPr lang="de-DE" dirty="0"/>
+              <a:t> an Rest API </a:t>
+            </a:r>
+            <a:r>
+              <a:rPr lang="de-DE" dirty="0" err="1"/>
+              <a:t>call</a:t>
+            </a:r>
+            <a:r>
+              <a:rPr lang="de-DE" dirty="0"/>
+              <a:t> </a:t>
+            </a:r>
+            <a:r>
+              <a:rPr lang="de-DE" dirty="0" err="1"/>
+              <a:t>to</a:t>
+            </a:r>
+            <a:r>
+              <a:rPr lang="de-DE" dirty="0"/>
+              <a:t> </a:t>
+            </a:r>
+            <a:r>
+              <a:rPr lang="de-DE" dirty="0" err="1"/>
+              <a:t>add</a:t>
+            </a:r>
+            <a:r>
+              <a:rPr lang="de-DE" dirty="0"/>
+              <a:t> an </a:t>
+            </a:r>
+            <a:r>
+              <a:rPr lang="de-DE" dirty="0" err="1"/>
+              <a:t>asset</a:t>
+            </a:r>
+            <a:endParaRPr lang="de-DE" dirty="0"/>
+          </a:p>
+          <a:p>
+            <a:endParaRPr lang="de-DE" dirty="0"/>
+          </a:p>
+          <a:p>
+            <a:endParaRPr lang="de-DE" dirty="0"/>
+          </a:p>
+          <a:p>
+            <a:endParaRPr lang="de-DE" dirty="0"/>
+          </a:p>
+          <a:p>
+            <a:endParaRPr lang="de-DE" dirty="0"/>
+          </a:p>
+          <a:p>
+            <a:endParaRPr lang="de-DE" dirty="0"/>
+          </a:p>
+          <a:p>
+            <a:endParaRPr lang="en-US" dirty="0"/>
+          </a:p>
+        </p:txBody>
+      </p:sp>
     </p:spTree>
     <p:extLst>
       <p:ext uri="{BB962C8B-B14F-4D97-AF65-F5344CB8AC3E}">

--- a/00_Documentation/M03_TeamProject_Haid_UWB-Presentation.pptx
+++ b/00_Documentation/M03_TeamProject_Haid_UWB-Presentation.pptx
@@ -280,7 +280,7 @@
             <a:fld id="{8670A5EB-ECD4-4B29-9C76-251B805226F9}" type="datetimeFigureOut">
               <a:rPr lang="en-US" smtClean="0"/>
               <a:pPr/>
-              <a:t>7/11/2021</a:t>
+              <a:t>7/12/2021</a:t>
             </a:fld>
             <a:endParaRPr lang="en-US"/>
           </a:p>
@@ -447,7 +447,7 @@
             <a:fld id="{E840019B-648C-422C-9A09-38EB6005BFDA}" type="datetimeFigureOut">
               <a:rPr lang="en-US" smtClean="0"/>
               <a:pPr/>
-              <a:t>7/11/2021</a:t>
+              <a:t>7/12/2021</a:t>
             </a:fld>
             <a:endParaRPr lang="en-US"/>
           </a:p>
@@ -1046,7 +1046,7 @@
           <a:p>
             <a:fld id="{019E7938-BCEF-4D8F-8A88-9B0280600C13}" type="datetime4">
               <a:rPr lang="de-DE" smtClean="0"/>
-              <a:t>11. Juli 2021</a:t>
+              <a:t>12. Juli 2021</a:t>
             </a:fld>
             <a:endParaRPr lang="de-DE" dirty="0"/>
           </a:p>
@@ -1320,7 +1320,7 @@
           <a:p>
             <a:fld id="{6D824872-EBAE-46ED-9958-F7BE407DE8D2}" type="datetime4">
               <a:rPr lang="de-DE" smtClean="0"/>
-              <a:t>11. Juli 2021</a:t>
+              <a:t>12. Juli 2021</a:t>
             </a:fld>
             <a:endParaRPr lang="de-DE" dirty="0"/>
           </a:p>
@@ -1530,7 +1530,7 @@
           <a:p>
             <a:fld id="{6D824872-EBAE-46ED-9958-F7BE407DE8D2}" type="datetime4">
               <a:rPr lang="de-DE" smtClean="0"/>
-              <a:t>11. Juli 2021</a:t>
+              <a:t>12. Juli 2021</a:t>
             </a:fld>
             <a:endParaRPr lang="de-DE" dirty="0"/>
           </a:p>
@@ -1867,7 +1867,7 @@
           <a:p>
             <a:fld id="{0AA6A56A-66E0-4B3A-8C58-C43BFA9D9142}" type="datetime4">
               <a:rPr lang="de-DE" smtClean="0"/>
-              <a:t>11. Juli 2021</a:t>
+              <a:t>12. Juli 2021</a:t>
             </a:fld>
             <a:endParaRPr lang="de-DE" dirty="0"/>
           </a:p>
@@ -2104,7 +2104,7 @@
           <a:p>
             <a:fld id="{47682754-E2D0-4B70-82E5-F6F91D694057}" type="datetime4">
               <a:rPr lang="de-DE" smtClean="0"/>
-              <a:t>11. Juli 2021</a:t>
+              <a:t>12. Juli 2021</a:t>
             </a:fld>
             <a:endParaRPr lang="de-DE" dirty="0"/>
           </a:p>
@@ -2179,7 +2179,7 @@
           <a:p>
             <a:fld id="{019E7938-BCEF-4D8F-8A88-9B0280600C13}" type="datetime4">
               <a:rPr lang="de-DE" smtClean="0"/>
-              <a:t>11. Juli 2021</a:t>
+              <a:t>12. Juli 2021</a:t>
             </a:fld>
             <a:endParaRPr lang="de-DE" dirty="0"/>
           </a:p>
@@ -2519,7 +2519,7 @@
           <a:p>
             <a:fld id="{4CFC5109-B8D2-416A-AEC5-15F86CE44A5A}" type="datetime4">
               <a:rPr lang="de-DE" smtClean="0"/>
-              <a:t>11. Juli 2021</a:t>
+              <a:t>12. Juli 2021</a:t>
             </a:fld>
             <a:endParaRPr lang="de-DE"/>
           </a:p>
@@ -2615,7 +2615,7 @@
           <a:p>
             <a:fld id="{4DB03519-3429-4C41-999A-042689903FB9}" type="datetime4">
               <a:rPr lang="de-DE" smtClean="0"/>
-              <a:t>11. Juli 2021</a:t>
+              <a:t>12. Juli 2021</a:t>
             </a:fld>
             <a:endParaRPr lang="de-DE"/>
           </a:p>
@@ -2796,7 +2796,7 @@
           <a:p>
             <a:fld id="{363D00BD-08FB-4CA0-BE5D-EE8CEE326305}" type="datetime4">
               <a:rPr lang="de-DE" smtClean="0"/>
-              <a:t>11. Juli 2021</a:t>
+              <a:t>12. Juli 2021</a:t>
             </a:fld>
             <a:endParaRPr lang="de-DE"/>
           </a:p>
@@ -2977,7 +2977,7 @@
           <a:p>
             <a:fld id="{1927CAE6-F30A-4665-ABC0-1E520C70DB77}" type="datetime4">
               <a:rPr lang="de-DE" smtClean="0"/>
-              <a:t>11. Juli 2021</a:t>
+              <a:t>12. Juli 2021</a:t>
             </a:fld>
             <a:endParaRPr lang="de-DE"/>
           </a:p>
@@ -3243,7 +3243,7 @@
           <a:p>
             <a:fld id="{701F833E-974C-48EF-8F56-C11F8FACFD03}" type="datetime4">
               <a:rPr lang="de-DE" smtClean="0"/>
-              <a:t>11. Juli 2021</a:t>
+              <a:t>12. Juli 2021</a:t>
             </a:fld>
             <a:endParaRPr lang="de-DE"/>
           </a:p>
@@ -3424,7 +3424,7 @@
           <a:p>
             <a:fld id="{6D824872-EBAE-46ED-9958-F7BE407DE8D2}" type="datetime4">
               <a:rPr lang="de-DE" smtClean="0"/>
-              <a:t>11. Juli 2021</a:t>
+              <a:t>12. Juli 2021</a:t>
             </a:fld>
             <a:endParaRPr lang="de-DE" dirty="0"/>
           </a:p>
@@ -3709,7 +3709,7 @@
           <a:p>
             <a:fld id="{5058B3C0-0291-4718-9782-92D19770687F}" type="datetime4">
               <a:rPr lang="de-DE" smtClean="0"/>
-              <a:t>11. Juli 2021</a:t>
+              <a:t>12. Juli 2021</a:t>
             </a:fld>
             <a:endParaRPr lang="de-DE"/>
           </a:p>
@@ -4004,7 +4004,7 @@
           <a:p>
             <a:fld id="{B9BAE3A7-EB67-4715-BBE4-595CC3A07BF1}" type="datetime4">
               <a:rPr lang="de-DE" smtClean="0"/>
-              <a:t>11. Juli 2021</a:t>
+              <a:t>12. Juli 2021</a:t>
             </a:fld>
             <a:endParaRPr lang="de-DE"/>
           </a:p>
@@ -4504,7 +4504,7 @@
           <a:p>
             <a:fld id="{7CDA6789-66FE-42BB-B23B-F2001F64DD54}" type="datetime4">
               <a:rPr lang="de-DE" smtClean="0"/>
-              <a:t>11. Juli 2021</a:t>
+              <a:t>12. Juli 2021</a:t>
             </a:fld>
             <a:endParaRPr lang="de-DE"/>
           </a:p>
@@ -4940,7 +4940,7 @@
           <a:p>
             <a:fld id="{251E5DB6-993B-40F3-9C25-44982B1CF812}" type="datetime4">
               <a:rPr lang="de-DE" smtClean="0"/>
-              <a:t>11. Juli 2021</a:t>
+              <a:t>12. Juli 2021</a:t>
             </a:fld>
             <a:endParaRPr lang="de-DE"/>
           </a:p>
@@ -5121,7 +5121,7 @@
           <a:p>
             <a:fld id="{1D3C2988-747C-4A21-8A7B-722DA28EC8DD}" type="datetime4">
               <a:rPr lang="de-DE" smtClean="0"/>
-              <a:t>11. Juli 2021</a:t>
+              <a:t>12. Juli 2021</a:t>
             </a:fld>
             <a:endParaRPr lang="de-DE"/>
           </a:p>
@@ -5856,7 +5856,7 @@
           <a:p>
             <a:fld id="{28B28DD0-C31C-4665-8217-D8684365DAE6}" type="datetime4">
               <a:rPr lang="de-DE" smtClean="0"/>
-              <a:t>11. Juli 2021</a:t>
+              <a:t>12. Juli 2021</a:t>
             </a:fld>
             <a:endParaRPr lang="de-DE"/>
           </a:p>
@@ -6255,7 +6255,7 @@
           <a:p>
             <a:fld id="{C9EAF196-E69A-4C8D-8DA1-C9680C5895D1}" type="datetime4">
               <a:rPr lang="de-DE" smtClean="0"/>
-              <a:t>11. Juli 2021</a:t>
+              <a:t>12. Juli 2021</a:t>
             </a:fld>
             <a:endParaRPr lang="de-DE"/>
           </a:p>
@@ -6776,7 +6776,7 @@
           <a:p>
             <a:fld id="{68A34680-42ED-45FA-96EF-B22FC8F95CA6}" type="datetime4">
               <a:rPr lang="de-DE" smtClean="0"/>
-              <a:t>11. Juli 2021</a:t>
+              <a:t>12. Juli 2021</a:t>
             </a:fld>
             <a:endParaRPr lang="de-DE"/>
           </a:p>
@@ -7382,7 +7382,7 @@
           <a:p>
             <a:fld id="{E8A4740C-6A0C-496C-97D9-3F6AEA918594}" type="datetime4">
               <a:rPr lang="de-DE" smtClean="0"/>
-              <a:t>11. Juli 2021</a:t>
+              <a:t>12. Juli 2021</a:t>
             </a:fld>
             <a:endParaRPr lang="de-DE"/>
           </a:p>
@@ -7640,7 +7640,7 @@
           <a:p>
             <a:fld id="{6D824872-EBAE-46ED-9958-F7BE407DE8D2}" type="datetime4">
               <a:rPr lang="de-DE" smtClean="0"/>
-              <a:t>11. Juli 2021</a:t>
+              <a:t>12. Juli 2021</a:t>
             </a:fld>
             <a:endParaRPr lang="de-DE" dirty="0"/>
           </a:p>
@@ -8180,7 +8180,7 @@
           <a:p>
             <a:fld id="{7F0EAEE2-B697-4996-9AB6-B2AC608AD820}" type="datetime4">
               <a:rPr lang="de-DE" smtClean="0"/>
-              <a:t>11. Juli 2021</a:t>
+              <a:t>12. Juli 2021</a:t>
             </a:fld>
             <a:endParaRPr lang="de-DE"/>
           </a:p>
@@ -8361,7 +8361,7 @@
           <a:p>
             <a:fld id="{62546B1B-AA55-4C9B-887A-18EFA05E72DC}" type="datetime4">
               <a:rPr lang="de-DE" smtClean="0"/>
-              <a:t>11. Juli 2021</a:t>
+              <a:t>12. Juli 2021</a:t>
             </a:fld>
             <a:endParaRPr lang="de-DE"/>
           </a:p>
@@ -8542,7 +8542,7 @@
           <a:p>
             <a:fld id="{8059DF19-E6CD-413D-B802-0D01F0F2F9A6}" type="datetime4">
               <a:rPr lang="de-DE" smtClean="0"/>
-              <a:t>11. Juli 2021</a:t>
+              <a:t>12. Juli 2021</a:t>
             </a:fld>
             <a:endParaRPr lang="de-DE"/>
           </a:p>
@@ -8723,7 +8723,7 @@
           <a:p>
             <a:fld id="{FD6C0267-61AC-4BEC-B42A-4CAC221261AF}" type="datetime4">
               <a:rPr lang="de-DE" smtClean="0"/>
-              <a:t>11. Juli 2021</a:t>
+              <a:t>12. Juli 2021</a:t>
             </a:fld>
             <a:endParaRPr lang="de-DE"/>
           </a:p>
@@ -9188,7 +9188,7 @@
           <a:p>
             <a:fld id="{1241F50D-4C6C-4E63-98EB-C643F32A4A25}" type="datetime4">
               <a:rPr lang="de-DE" smtClean="0"/>
-              <a:t>11. Juli 2021</a:t>
+              <a:t>12. Juli 2021</a:t>
             </a:fld>
             <a:endParaRPr lang="de-DE"/>
           </a:p>
@@ -9369,7 +9369,7 @@
           <a:p>
             <a:fld id="{154261B4-AEF4-4C62-8486-1FEBF23F640F}" type="datetime4">
               <a:rPr lang="de-DE" smtClean="0"/>
-              <a:t>11. Juli 2021</a:t>
+              <a:t>12. Juli 2021</a:t>
             </a:fld>
             <a:endParaRPr lang="de-DE"/>
           </a:p>
@@ -9566,7 +9566,7 @@
           <a:p>
             <a:fld id="{CC32C888-7D1E-40D8-85A4-DA3B4FF3C9FF}" type="datetime4">
               <a:rPr lang="de-DE" smtClean="0"/>
-              <a:t>11. Juli 2021</a:t>
+              <a:t>12. Juli 2021</a:t>
             </a:fld>
             <a:endParaRPr lang="de-DE"/>
           </a:p>
@@ -9832,7 +9832,7 @@
           <a:p>
             <a:fld id="{92927DB4-5A2C-4CE1-814E-E3C24F3E3DAA}" type="datetime4">
               <a:rPr lang="de-DE" smtClean="0"/>
-              <a:t>11. Juli 2021</a:t>
+              <a:t>12. Juli 2021</a:t>
             </a:fld>
             <a:endParaRPr lang="de-DE"/>
           </a:p>
@@ -10098,7 +10098,7 @@
           <a:p>
             <a:fld id="{E218E598-D131-4213-A78C-E2029E299CB0}" type="datetime4">
               <a:rPr lang="de-DE" smtClean="0"/>
-              <a:t>11. Juli 2021</a:t>
+              <a:t>12. Juli 2021</a:t>
             </a:fld>
             <a:endParaRPr lang="de-DE"/>
           </a:p>
@@ -10279,7 +10279,7 @@
           <a:p>
             <a:fld id="{E1149281-CE5D-40E2-B6CE-94AD3EE6899B}" type="datetime4">
               <a:rPr lang="de-DE" smtClean="0"/>
-              <a:t>11. Juli 2021</a:t>
+              <a:t>12. Juli 2021</a:t>
             </a:fld>
             <a:endParaRPr lang="de-DE"/>
           </a:p>
@@ -10527,7 +10527,7 @@
           <a:p>
             <a:fld id="{6D824872-EBAE-46ED-9958-F7BE407DE8D2}" type="datetime4">
               <a:rPr lang="de-DE" smtClean="0"/>
-              <a:t>11. Juli 2021</a:t>
+              <a:t>12. Juli 2021</a:t>
             </a:fld>
             <a:endParaRPr lang="de-DE" dirty="0"/>
           </a:p>
@@ -10941,7 +10941,7 @@
           <a:p>
             <a:fld id="{6D824872-EBAE-46ED-9958-F7BE407DE8D2}" type="datetime4">
               <a:rPr lang="de-DE" smtClean="0"/>
-              <a:t>11. Juli 2021</a:t>
+              <a:t>12. Juli 2021</a:t>
             </a:fld>
             <a:endParaRPr lang="de-DE" dirty="0"/>
           </a:p>
@@ -11084,7 +11084,7 @@
           <a:p>
             <a:fld id="{6D824872-EBAE-46ED-9958-F7BE407DE8D2}" type="datetime4">
               <a:rPr lang="de-DE" smtClean="0"/>
-              <a:t>11. Juli 2021</a:t>
+              <a:t>12. Juli 2021</a:t>
             </a:fld>
             <a:endParaRPr lang="de-DE" dirty="0"/>
           </a:p>
@@ -11199,7 +11199,7 @@
           <a:p>
             <a:fld id="{6D824872-EBAE-46ED-9958-F7BE407DE8D2}" type="datetime4">
               <a:rPr lang="de-DE" smtClean="0"/>
-              <a:t>11. Juli 2021</a:t>
+              <a:t>12. Juli 2021</a:t>
             </a:fld>
             <a:endParaRPr lang="de-DE" dirty="0"/>
           </a:p>
@@ -11512,7 +11512,7 @@
           <a:p>
             <a:fld id="{6D824872-EBAE-46ED-9958-F7BE407DE8D2}" type="datetime4">
               <a:rPr lang="de-DE" smtClean="0"/>
-              <a:t>11. Juli 2021</a:t>
+              <a:t>12. Juli 2021</a:t>
             </a:fld>
             <a:endParaRPr lang="de-DE" dirty="0"/>
           </a:p>
@@ -11802,7 +11802,7 @@
           <a:p>
             <a:fld id="{6D824872-EBAE-46ED-9958-F7BE407DE8D2}" type="datetime4">
               <a:rPr lang="de-DE" smtClean="0"/>
-              <a:t>11. Juli 2021</a:t>
+              <a:t>12. Juli 2021</a:t>
             </a:fld>
             <a:endParaRPr lang="de-DE" dirty="0"/>
           </a:p>
@@ -12045,7 +12045,7 @@
           <a:p>
             <a:fld id="{6D824872-EBAE-46ED-9958-F7BE407DE8D2}" type="datetime4">
               <a:rPr lang="de-DE" smtClean="0"/>
-              <a:t>11. Juli 2021</a:t>
+              <a:t>12. Juli 2021</a:t>
             </a:fld>
             <a:endParaRPr lang="de-DE" dirty="0"/>
           </a:p>
@@ -24940,7 +24940,7 @@
         <p:spPr>
           <a:xfrm>
             <a:off x="5485987" y="4687118"/>
-            <a:ext cx="3139126" cy="572151"/>
+            <a:ext cx="3139126" cy="548640"/>
           </a:xfrm>
           <a:prstGeom prst="rect">
             <a:avLst/>
@@ -25915,8 +25915,8 @@
         </p:nvSpPr>
         <p:spPr>
           <a:xfrm>
-            <a:off x="5481257" y="2335223"/>
-            <a:ext cx="3139125" cy="557784"/>
+            <a:off x="5467234" y="2310979"/>
+            <a:ext cx="3139125" cy="548640"/>
           </a:xfrm>
           <a:prstGeom prst="rect">
             <a:avLst/>
@@ -26068,8 +26068,8 @@
         </p:nvSpPr>
         <p:spPr>
           <a:xfrm>
-            <a:off x="5485987" y="3616621"/>
-            <a:ext cx="3139125" cy="977900"/>
+            <a:off x="5481256" y="4084911"/>
+            <a:ext cx="3139125" cy="548640"/>
           </a:xfrm>
           <a:prstGeom prst="rect">
             <a:avLst/>
@@ -26200,8 +26200,8 @@
         </p:nvSpPr>
         <p:spPr>
           <a:xfrm>
-            <a:off x="4435929" y="2178702"/>
-            <a:ext cx="909918" cy="2441600"/>
+            <a:off x="4435929" y="2310978"/>
+            <a:ext cx="909918" cy="2313785"/>
           </a:xfrm>
           <a:prstGeom prst="rect">
             <a:avLst/>
@@ -26676,7 +26676,7 @@
         </p:nvSpPr>
         <p:spPr>
           <a:xfrm>
-            <a:off x="5206041" y="4028985"/>
+            <a:off x="5218299" y="4271372"/>
             <a:ext cx="441062" cy="191600"/>
           </a:xfrm>
           <a:prstGeom prst="leftRightArrow">
@@ -26803,6 +26803,22 @@
               <a:defRPr/>
             </a:pPr>
             <a:r>
+              <a:rPr lang="de-DE" kern="0" noProof="0" dirty="0">
+                <a:solidFill>
+                  <a:prstClr val="white"/>
+                </a:solidFill>
+                <a:effectLst>
+                  <a:outerShdw blurRad="38100" dist="38100" dir="2700000" algn="tl">
+                    <a:srgbClr val="000000">
+                      <a:alpha val="43137"/>
+                    </a:srgbClr>
+                  </a:outerShdw>
+                </a:effectLst>
+                <a:latin typeface="Calibri" panose="020F0502020204030204"/>
+              </a:rPr>
+              <a:t>Ethereum </a:t>
+            </a:r>
+            <a:r>
               <a:rPr kumimoji="0" lang="de-DE" sz="1800" b="0" i="0" u="none" strike="noStrike" kern="0" cap="none" spc="0" normalizeH="0" baseline="0" noProof="0" dirty="0">
                 <a:ln>
                   <a:noFill/>
@@ -26823,7 +26839,7 @@
                 <a:ea typeface="+mn-ea"/>
                 <a:cs typeface="+mn-cs"/>
               </a:rPr>
-              <a:t>Blockchain</a:t>
+              <a:t>Blockchain Simulation</a:t>
             </a:r>
             <a:endParaRPr kumimoji="0" lang="en-US" sz="1800" b="0" i="0" u="none" strike="noStrike" kern="0" cap="none" spc="0" normalizeH="0" baseline="0" noProof="0" dirty="0">
               <a:ln>
@@ -27234,8 +27250,8 @@
         </p:nvSpPr>
         <p:spPr>
           <a:xfrm>
-            <a:off x="5485987" y="2970897"/>
-            <a:ext cx="3139125" cy="556601"/>
+            <a:off x="5467235" y="2925687"/>
+            <a:ext cx="3139125" cy="548640"/>
           </a:xfrm>
           <a:prstGeom prst="rect">
             <a:avLst/>
@@ -27366,7 +27382,7 @@
         </p:nvSpPr>
         <p:spPr>
           <a:xfrm>
-            <a:off x="5220881" y="3153656"/>
+            <a:off x="5220608" y="3067594"/>
             <a:ext cx="441062" cy="191600"/>
           </a:xfrm>
           <a:prstGeom prst="leftRightArrow">
@@ -27442,7 +27458,7 @@
         </p:nvSpPr>
         <p:spPr>
           <a:xfrm>
-            <a:off x="5225939" y="2352603"/>
+            <a:off x="5226067" y="2484445"/>
             <a:ext cx="441062" cy="191600"/>
           </a:xfrm>
           <a:prstGeom prst="leftRightArrow">
@@ -27599,7 +27615,7 @@
         </p:nvSpPr>
         <p:spPr>
           <a:xfrm>
-            <a:off x="8973709" y="4638383"/>
+            <a:off x="8941578" y="4640704"/>
             <a:ext cx="967632" cy="415498"/>
           </a:xfrm>
           <a:prstGeom prst="rect">
@@ -27696,6 +27712,260 @@
               <a:srgbClr val="4472C4">
                 <a:lumMod val="75000"/>
               </a:srgbClr>
+            </a:solidFill>
+            <a:prstDash val="solid"/>
+            <a:miter lim="800000"/>
+          </a:ln>
+          <a:effectLst>
+            <a:outerShdw blurRad="50800" dist="38100" dir="2700000" algn="tl" rotWithShape="0">
+              <a:prstClr val="black">
+                <a:alpha val="40000"/>
+              </a:prstClr>
+            </a:outerShdw>
+          </a:effectLst>
+        </p:spPr>
+        <p:txBody>
+          <a:bodyPr rtlCol="0" anchor="ctr"/>
+          <a:lstStyle/>
+          <a:p>
+            <a:pPr marL="0" marR="0" lvl="0" indent="0" algn="ctr" defTabSz="914400" eaLnBrk="1" fontAlgn="auto" latinLnBrk="0" hangingPunct="1">
+              <a:lnSpc>
+                <a:spcPct val="100000"/>
+              </a:lnSpc>
+              <a:spcBef>
+                <a:spcPts val="0"/>
+              </a:spcBef>
+              <a:spcAft>
+                <a:spcPts val="0"/>
+              </a:spcAft>
+              <a:buClrTx/>
+              <a:buSzTx/>
+              <a:buFontTx/>
+              <a:buNone/>
+              <a:tabLst/>
+              <a:defRPr/>
+            </a:pPr>
+            <a:endParaRPr kumimoji="0" lang="en-US" sz="1800" b="0" i="0" u="none" strike="noStrike" kern="0" cap="none" spc="0" normalizeH="0" baseline="0" noProof="0">
+              <a:ln>
+                <a:noFill/>
+              </a:ln>
+              <a:solidFill>
+                <a:prstClr val="white"/>
+              </a:solidFill>
+              <a:effectLst/>
+              <a:uLnTx/>
+              <a:uFillTx/>
+              <a:latin typeface="Calibri" panose="020F0502020204030204"/>
+              <a:ea typeface="+mn-ea"/>
+              <a:cs typeface="+mn-cs"/>
+            </a:endParaRPr>
+          </a:p>
+        </p:txBody>
+      </p:sp>
+      <p:sp>
+        <p:nvSpPr>
+          <p:cNvPr id="43" name="Rectangle 42">
+            <a:extLst>
+              <a:ext uri="{FF2B5EF4-FFF2-40B4-BE49-F238E27FC236}">
+                <a16:creationId xmlns:a16="http://schemas.microsoft.com/office/drawing/2014/main" id="{0128FB88-A7B8-4D78-8F9F-A3371AB2E938}"/>
+              </a:ext>
+            </a:extLst>
+          </p:cNvPr>
+          <p:cNvSpPr/>
+          <p:nvPr/>
+        </p:nvSpPr>
+        <p:spPr>
+          <a:xfrm>
+            <a:off x="5467235" y="3533359"/>
+            <a:ext cx="3139125" cy="502920"/>
+          </a:xfrm>
+          <a:prstGeom prst="rect">
+            <a:avLst/>
+          </a:prstGeom>
+          <a:solidFill>
+            <a:schemeClr val="bg1">
+              <a:lumMod val="75000"/>
+            </a:schemeClr>
+          </a:solidFill>
+          <a:ln w="12700" cap="flat" cmpd="sng" algn="ctr">
+            <a:solidFill>
+              <a:srgbClr val="A5A5A5">
+                <a:shade val="50000"/>
+              </a:srgbClr>
+            </a:solidFill>
+            <a:prstDash val="solid"/>
+            <a:miter lim="800000"/>
+          </a:ln>
+          <a:effectLst>
+            <a:outerShdw blurRad="50800" dist="38100" dir="2700000" algn="tl" rotWithShape="0">
+              <a:prstClr val="black">
+                <a:alpha val="40000"/>
+              </a:prstClr>
+            </a:outerShdw>
+          </a:effectLst>
+        </p:spPr>
+        <p:txBody>
+          <a:bodyPr rtlCol="0" anchor="ctr"/>
+          <a:lstStyle/>
+          <a:p>
+            <a:pPr marL="0" marR="0" lvl="0" indent="0" algn="ctr" defTabSz="914400" eaLnBrk="1" fontAlgn="auto" latinLnBrk="0" hangingPunct="1">
+              <a:lnSpc>
+                <a:spcPct val="100000"/>
+              </a:lnSpc>
+              <a:spcBef>
+                <a:spcPts val="0"/>
+              </a:spcBef>
+              <a:spcAft>
+                <a:spcPts val="0"/>
+              </a:spcAft>
+              <a:buClrTx/>
+              <a:buSzTx/>
+              <a:buFontTx/>
+              <a:buNone/>
+              <a:tabLst/>
+              <a:defRPr/>
+            </a:pPr>
+            <a:r>
+              <a:rPr kumimoji="0" lang="de-DE" sz="1800" b="0" i="0" u="none" strike="noStrike" kern="0" cap="none" spc="0" normalizeH="0" baseline="0" noProof="0" dirty="0">
+                <a:ln>
+                  <a:noFill/>
+                </a:ln>
+                <a:solidFill>
+                  <a:prstClr val="white"/>
+                </a:solidFill>
+                <a:effectLst>
+                  <a:outerShdw blurRad="38100" dist="38100" dir="2700000" algn="tl">
+                    <a:srgbClr val="000000">
+                      <a:alpha val="43137"/>
+                    </a:srgbClr>
+                  </a:outerShdw>
+                </a:effectLst>
+                <a:uLnTx/>
+                <a:uFillTx/>
+                <a:latin typeface="Calibri" panose="020F0502020204030204"/>
+                <a:ea typeface="+mn-ea"/>
+                <a:cs typeface="+mn-cs"/>
+              </a:rPr>
+              <a:t> Open </a:t>
+            </a:r>
+            <a:r>
+              <a:rPr kumimoji="0" lang="de-DE" sz="1800" b="0" i="0" u="none" strike="noStrike" kern="0" cap="none" spc="0" normalizeH="0" baseline="0" noProof="0" dirty="0" err="1">
+                <a:ln>
+                  <a:noFill/>
+                </a:ln>
+                <a:solidFill>
+                  <a:prstClr val="white"/>
+                </a:solidFill>
+                <a:effectLst>
+                  <a:outerShdw blurRad="38100" dist="38100" dir="2700000" algn="tl">
+                    <a:srgbClr val="000000">
+                      <a:alpha val="43137"/>
+                    </a:srgbClr>
+                  </a:outerShdw>
+                </a:effectLst>
+                <a:uLnTx/>
+                <a:uFillTx/>
+                <a:latin typeface="Calibri" panose="020F0502020204030204"/>
+                <a:ea typeface="+mn-ea"/>
+                <a:cs typeface="+mn-cs"/>
+              </a:rPr>
+              <a:t>Requests</a:t>
+            </a:r>
+            <a:r>
+              <a:rPr kumimoji="0" lang="de-DE" sz="1800" b="0" i="0" u="none" strike="noStrike" kern="0" cap="none" spc="0" normalizeH="0" baseline="0" noProof="0" dirty="0">
+                <a:ln>
+                  <a:noFill/>
+                </a:ln>
+                <a:solidFill>
+                  <a:prstClr val="white"/>
+                </a:solidFill>
+                <a:effectLst>
+                  <a:outerShdw blurRad="38100" dist="38100" dir="2700000" algn="tl">
+                    <a:srgbClr val="000000">
+                      <a:alpha val="43137"/>
+                    </a:srgbClr>
+                  </a:outerShdw>
+                </a:effectLst>
+                <a:uLnTx/>
+                <a:uFillTx/>
+                <a:latin typeface="Calibri" panose="020F0502020204030204"/>
+                <a:ea typeface="+mn-ea"/>
+                <a:cs typeface="+mn-cs"/>
+              </a:rPr>
+              <a:t> </a:t>
+            </a:r>
+            <a:r>
+              <a:rPr kumimoji="0" lang="de-DE" sz="1800" b="0" i="0" u="none" strike="noStrike" kern="0" cap="none" spc="0" normalizeH="0" baseline="0" noProof="0" dirty="0" err="1">
+                <a:ln>
+                  <a:noFill/>
+                </a:ln>
+                <a:solidFill>
+                  <a:prstClr val="white"/>
+                </a:solidFill>
+                <a:effectLst>
+                  <a:outerShdw blurRad="38100" dist="38100" dir="2700000" algn="tl">
+                    <a:srgbClr val="000000">
+                      <a:alpha val="43137"/>
+                    </a:srgbClr>
+                  </a:outerShdw>
+                </a:effectLst>
+                <a:uLnTx/>
+                <a:uFillTx/>
+                <a:latin typeface="Calibri" panose="020F0502020204030204"/>
+                <a:ea typeface="+mn-ea"/>
+                <a:cs typeface="+mn-cs"/>
+              </a:rPr>
+              <a:t>Contract</a:t>
+            </a:r>
+            <a:endParaRPr kumimoji="0" lang="de-DE" sz="1400" b="0" i="0" u="none" strike="noStrike" kern="0" cap="none" spc="0" normalizeH="0" baseline="0" noProof="0" dirty="0">
+              <a:ln>
+                <a:noFill/>
+              </a:ln>
+              <a:solidFill>
+                <a:prstClr val="white"/>
+              </a:solidFill>
+              <a:effectLst>
+                <a:outerShdw blurRad="38100" dist="38100" dir="2700000" algn="tl">
+                  <a:srgbClr val="000000">
+                    <a:alpha val="43137"/>
+                  </a:srgbClr>
+                </a:outerShdw>
+              </a:effectLst>
+              <a:uLnTx/>
+              <a:uFillTx/>
+              <a:latin typeface="Calibri" panose="020F0502020204030204"/>
+              <a:ea typeface="+mn-ea"/>
+              <a:cs typeface="+mn-cs"/>
+            </a:endParaRPr>
+          </a:p>
+        </p:txBody>
+      </p:sp>
+      <p:sp>
+        <p:nvSpPr>
+          <p:cNvPr id="44" name="Arrow: Left-Right 43">
+            <a:extLst>
+              <a:ext uri="{FF2B5EF4-FFF2-40B4-BE49-F238E27FC236}">
+                <a16:creationId xmlns:a16="http://schemas.microsoft.com/office/drawing/2014/main" id="{C71930B2-86E1-4923-AB13-CC5C96BE4C8E}"/>
+              </a:ext>
+            </a:extLst>
+          </p:cNvPr>
+          <p:cNvSpPr/>
+          <p:nvPr/>
+        </p:nvSpPr>
+        <p:spPr>
+          <a:xfrm>
+            <a:off x="5219917" y="3662254"/>
+            <a:ext cx="441062" cy="191600"/>
+          </a:xfrm>
+          <a:prstGeom prst="leftRightArrow">
+            <a:avLst/>
+          </a:prstGeom>
+          <a:solidFill>
+            <a:srgbClr val="D595EF"/>
+          </a:solidFill>
+          <a:ln w="12700" cap="flat" cmpd="sng" algn="ctr">
+            <a:solidFill>
+              <a:srgbClr val="7030A0"/>
             </a:solidFill>
             <a:prstDash val="solid"/>
             <a:miter lim="800000"/>
@@ -28176,7 +28446,7 @@
                                           </p:stCondLst>
                                         </p:cTn>
                                         <p:tgtEl>
-                                          <p:spTgt spid="159"/>
+                                          <p:spTgt spid="43"/>
                                         </p:tgtEl>
                                         <p:attrNameLst>
                                           <p:attrName>style.visibility</p:attrName>
@@ -28190,7 +28460,7 @@
                                       <p:cBhvr>
                                         <p:cTn id="41" dur="500"/>
                                         <p:tgtEl>
-                                          <p:spTgt spid="159"/>
+                                          <p:spTgt spid="43"/>
                                         </p:tgtEl>
                                       </p:cBhvr>
                                     </p:animEffect>
@@ -28211,7 +28481,7 @@
                                           </p:stCondLst>
                                         </p:cTn>
                                         <p:tgtEl>
-                                          <p:spTgt spid="160"/>
+                                          <p:spTgt spid="159"/>
                                         </p:tgtEl>
                                         <p:attrNameLst>
                                           <p:attrName>style.visibility</p:attrName>
@@ -28225,7 +28495,7 @@
                                       <p:cBhvr>
                                         <p:cTn id="44" dur="500"/>
                                         <p:tgtEl>
-                                          <p:spTgt spid="160"/>
+                                          <p:spTgt spid="159"/>
                                         </p:tgtEl>
                                       </p:cBhvr>
                                     </p:animEffect>
@@ -28246,7 +28516,7 @@
                                           </p:stCondLst>
                                         </p:cTn>
                                         <p:tgtEl>
-                                          <p:spTgt spid="161"/>
+                                          <p:spTgt spid="160"/>
                                         </p:tgtEl>
                                         <p:attrNameLst>
                                           <p:attrName>style.visibility</p:attrName>
@@ -28260,7 +28530,7 @@
                                       <p:cBhvr>
                                         <p:cTn id="47" dur="500"/>
                                         <p:tgtEl>
-                                          <p:spTgt spid="161"/>
+                                          <p:spTgt spid="160"/>
                                         </p:tgtEl>
                                       </p:cBhvr>
                                     </p:animEffect>
@@ -28281,7 +28551,7 @@
                                           </p:stCondLst>
                                         </p:cTn>
                                         <p:tgtEl>
-                                          <p:spTgt spid="172"/>
+                                          <p:spTgt spid="44"/>
                                         </p:tgtEl>
                                         <p:attrNameLst>
                                           <p:attrName>style.visibility</p:attrName>
@@ -28295,7 +28565,7 @@
                                       <p:cBhvr>
                                         <p:cTn id="50" dur="500"/>
                                         <p:tgtEl>
-                                          <p:spTgt spid="172"/>
+                                          <p:spTgt spid="44"/>
                                         </p:tgtEl>
                                       </p:cBhvr>
                                     </p:animEffect>
@@ -28316,7 +28586,7 @@
                                           </p:stCondLst>
                                         </p:cTn>
                                         <p:tgtEl>
-                                          <p:spTgt spid="173"/>
+                                          <p:spTgt spid="161"/>
                                         </p:tgtEl>
                                         <p:attrNameLst>
                                           <p:attrName>style.visibility</p:attrName>
@@ -28330,7 +28600,7 @@
                                       <p:cBhvr>
                                         <p:cTn id="53" dur="500"/>
                                         <p:tgtEl>
-                                          <p:spTgt spid="173"/>
+                                          <p:spTgt spid="161"/>
                                         </p:tgtEl>
                                       </p:cBhvr>
                                     </p:animEffect>
@@ -28351,7 +28621,7 @@
                                           </p:stCondLst>
                                         </p:cTn>
                                         <p:tgtEl>
-                                          <p:spTgt spid="174"/>
+                                          <p:spTgt spid="172"/>
                                         </p:tgtEl>
                                         <p:attrNameLst>
                                           <p:attrName>style.visibility</p:attrName>
@@ -28365,7 +28635,7 @@
                                       <p:cBhvr>
                                         <p:cTn id="56" dur="500"/>
                                         <p:tgtEl>
-                                          <p:spTgt spid="174"/>
+                                          <p:spTgt spid="172"/>
                                         </p:tgtEl>
                                       </p:cBhvr>
                                     </p:animEffect>
@@ -28386,7 +28656,7 @@
                                           </p:stCondLst>
                                         </p:cTn>
                                         <p:tgtEl>
-                                          <p:spTgt spid="177"/>
+                                          <p:spTgt spid="173"/>
                                         </p:tgtEl>
                                         <p:attrNameLst>
                                           <p:attrName>style.visibility</p:attrName>
@@ -28400,7 +28670,7 @@
                                       <p:cBhvr>
                                         <p:cTn id="59" dur="500"/>
                                         <p:tgtEl>
-                                          <p:spTgt spid="177"/>
+                                          <p:spTgt spid="173"/>
                                         </p:tgtEl>
                                       </p:cBhvr>
                                     </p:animEffect>
@@ -28421,7 +28691,7 @@
                                           </p:stCondLst>
                                         </p:cTn>
                                         <p:tgtEl>
-                                          <p:spTgt spid="178"/>
+                                          <p:spTgt spid="174"/>
                                         </p:tgtEl>
                                         <p:attrNameLst>
                                           <p:attrName>style.visibility</p:attrName>
@@ -28435,7 +28705,7 @@
                                       <p:cBhvr>
                                         <p:cTn id="62" dur="500"/>
                                         <p:tgtEl>
-                                          <p:spTgt spid="178"/>
+                                          <p:spTgt spid="174"/>
                                         </p:tgtEl>
                                       </p:cBhvr>
                                     </p:animEffect>
@@ -28456,7 +28726,7 @@
                                           </p:stCondLst>
                                         </p:cTn>
                                         <p:tgtEl>
-                                          <p:spTgt spid="179"/>
+                                          <p:spTgt spid="177"/>
                                         </p:tgtEl>
                                         <p:attrNameLst>
                                           <p:attrName>style.visibility</p:attrName>
@@ -28470,7 +28740,7 @@
                                       <p:cBhvr>
                                         <p:cTn id="65" dur="500"/>
                                         <p:tgtEl>
-                                          <p:spTgt spid="179"/>
+                                          <p:spTgt spid="177"/>
                                         </p:tgtEl>
                                       </p:cBhvr>
                                     </p:animEffect>
@@ -28491,7 +28761,7 @@
                                           </p:stCondLst>
                                         </p:cTn>
                                         <p:tgtEl>
-                                          <p:spTgt spid="185"/>
+                                          <p:spTgt spid="178"/>
                                         </p:tgtEl>
                                         <p:attrNameLst>
                                           <p:attrName>style.visibility</p:attrName>
@@ -28505,7 +28775,7 @@
                                       <p:cBhvr>
                                         <p:cTn id="68" dur="500"/>
                                         <p:tgtEl>
-                                          <p:spTgt spid="185"/>
+                                          <p:spTgt spid="178"/>
                                         </p:tgtEl>
                                       </p:cBhvr>
                                     </p:animEffect>
@@ -28526,7 +28796,7 @@
                                           </p:stCondLst>
                                         </p:cTn>
                                         <p:tgtEl>
-                                          <p:spTgt spid="186"/>
+                                          <p:spTgt spid="179"/>
                                         </p:tgtEl>
                                         <p:attrNameLst>
                                           <p:attrName>style.visibility</p:attrName>
@@ -28540,7 +28810,7 @@
                                       <p:cBhvr>
                                         <p:cTn id="71" dur="500"/>
                                         <p:tgtEl>
-                                          <p:spTgt spid="186"/>
+                                          <p:spTgt spid="179"/>
                                         </p:tgtEl>
                                       </p:cBhvr>
                                     </p:animEffect>
@@ -28561,6 +28831,76 @@
                                           </p:stCondLst>
                                         </p:cTn>
                                         <p:tgtEl>
+                                          <p:spTgt spid="185"/>
+                                        </p:tgtEl>
+                                        <p:attrNameLst>
+                                          <p:attrName>style.visibility</p:attrName>
+                                        </p:attrNameLst>
+                                      </p:cBhvr>
+                                      <p:to>
+                                        <p:strVal val="visible"/>
+                                      </p:to>
+                                    </p:set>
+                                    <p:animEffect transition="in" filter="fade">
+                                      <p:cBhvr>
+                                        <p:cTn id="74" dur="500"/>
+                                        <p:tgtEl>
+                                          <p:spTgt spid="185"/>
+                                        </p:tgtEl>
+                                      </p:cBhvr>
+                                    </p:animEffect>
+                                  </p:childTnLst>
+                                </p:cTn>
+                              </p:par>
+                              <p:par>
+                                <p:cTn id="75" presetID="10" presetClass="entr" presetSubtype="0" fill="hold" grpId="0" nodeType="withEffect">
+                                  <p:stCondLst>
+                                    <p:cond delay="0"/>
+                                  </p:stCondLst>
+                                  <p:childTnLst>
+                                    <p:set>
+                                      <p:cBhvr>
+                                        <p:cTn id="76" dur="1" fill="hold">
+                                          <p:stCondLst>
+                                            <p:cond delay="0"/>
+                                          </p:stCondLst>
+                                        </p:cTn>
+                                        <p:tgtEl>
+                                          <p:spTgt spid="186"/>
+                                        </p:tgtEl>
+                                        <p:attrNameLst>
+                                          <p:attrName>style.visibility</p:attrName>
+                                        </p:attrNameLst>
+                                      </p:cBhvr>
+                                      <p:to>
+                                        <p:strVal val="visible"/>
+                                      </p:to>
+                                    </p:set>
+                                    <p:animEffect transition="in" filter="fade">
+                                      <p:cBhvr>
+                                        <p:cTn id="77" dur="500"/>
+                                        <p:tgtEl>
+                                          <p:spTgt spid="186"/>
+                                        </p:tgtEl>
+                                      </p:cBhvr>
+                                    </p:animEffect>
+                                  </p:childTnLst>
+                                </p:cTn>
+                              </p:par>
+                              <p:par>
+                                <p:cTn id="78" presetID="10" presetClass="entr" presetSubtype="0" fill="hold" grpId="0" nodeType="withEffect">
+                                  <p:stCondLst>
+                                    <p:cond delay="0"/>
+                                  </p:stCondLst>
+                                  <p:childTnLst>
+                                    <p:set>
+                                      <p:cBhvr>
+                                        <p:cTn id="79" dur="1" fill="hold">
+                                          <p:stCondLst>
+                                            <p:cond delay="0"/>
+                                          </p:stCondLst>
+                                        </p:cTn>
+                                        <p:tgtEl>
                                           <p:spTgt spid="187"/>
                                         </p:tgtEl>
                                         <p:attrNameLst>
@@ -28573,7 +28913,7 @@
                                     </p:set>
                                     <p:animEffect transition="in" filter="fade">
                                       <p:cBhvr>
-                                        <p:cTn id="74" dur="500"/>
+                                        <p:cTn id="80" dur="500"/>
                                         <p:tgtEl>
                                           <p:spTgt spid="187"/>
                                         </p:tgtEl>
@@ -28589,26 +28929,26 @@
                     </p:cTn>
                   </p:par>
                   <p:par>
-                    <p:cTn id="75" fill="hold">
+                    <p:cTn id="81" fill="hold">
                       <p:stCondLst>
                         <p:cond delay="indefinite"/>
                       </p:stCondLst>
                       <p:childTnLst>
                         <p:par>
-                          <p:cTn id="76" fill="hold">
+                          <p:cTn id="82" fill="hold">
                             <p:stCondLst>
                               <p:cond delay="0"/>
                             </p:stCondLst>
                             <p:childTnLst>
                               <p:par>
-                                <p:cTn id="77" presetID="10" presetClass="entr" presetSubtype="0" fill="hold" grpId="0" nodeType="clickEffect">
+                                <p:cTn id="83" presetID="10" presetClass="entr" presetSubtype="0" fill="hold" grpId="0" nodeType="clickEffect">
                                   <p:stCondLst>
                                     <p:cond delay="0"/>
                                   </p:stCondLst>
                                   <p:childTnLst>
                                     <p:set>
                                       <p:cBhvr>
-                                        <p:cTn id="78" dur="1" fill="hold">
+                                        <p:cTn id="84" dur="1" fill="hold">
                                           <p:stCondLst>
                                             <p:cond delay="0"/>
                                           </p:stCondLst>
@@ -28626,7 +28966,7 @@
                                     </p:set>
                                     <p:animEffect transition="in" filter="fade">
                                       <p:cBhvr>
-                                        <p:cTn id="79" dur="500"/>
+                                        <p:cTn id="85" dur="500"/>
                                         <p:tgtEl>
                                           <p:spTgt spid="166"/>
                                         </p:tgtEl>
@@ -28636,14 +28976,14 @@
                                 </p:cTn>
                               </p:par>
                               <p:par>
-                                <p:cTn id="80" presetID="10" presetClass="entr" presetSubtype="0" fill="hold" grpId="0" nodeType="withEffect">
+                                <p:cTn id="86" presetID="10" presetClass="entr" presetSubtype="0" fill="hold" grpId="0" nodeType="withEffect">
                                   <p:stCondLst>
                                     <p:cond delay="0"/>
                                   </p:stCondLst>
                                   <p:childTnLst>
                                     <p:set>
                                       <p:cBhvr>
-                                        <p:cTn id="81" dur="1" fill="hold">
+                                        <p:cTn id="87" dur="1" fill="hold">
                                           <p:stCondLst>
                                             <p:cond delay="0"/>
                                           </p:stCondLst>
@@ -28661,7 +29001,7 @@
                                     </p:set>
                                     <p:animEffect transition="in" filter="fade">
                                       <p:cBhvr>
-                                        <p:cTn id="82" dur="500"/>
+                                        <p:cTn id="88" dur="500"/>
                                         <p:tgtEl>
                                           <p:spTgt spid="165"/>
                                         </p:tgtEl>
@@ -28677,26 +29017,26 @@
                     </p:cTn>
                   </p:par>
                   <p:par>
-                    <p:cTn id="83" fill="hold">
+                    <p:cTn id="89" fill="hold">
                       <p:stCondLst>
                         <p:cond delay="indefinite"/>
                       </p:stCondLst>
                       <p:childTnLst>
                         <p:par>
-                          <p:cTn id="84" fill="hold">
+                          <p:cTn id="90" fill="hold">
                             <p:stCondLst>
                               <p:cond delay="0"/>
                             </p:stCondLst>
                             <p:childTnLst>
                               <p:par>
-                                <p:cTn id="85" presetID="10" presetClass="entr" presetSubtype="0" fill="hold" grpId="0" nodeType="clickEffect">
+                                <p:cTn id="91" presetID="10" presetClass="entr" presetSubtype="0" fill="hold" grpId="0" nodeType="clickEffect">
                                   <p:stCondLst>
                                     <p:cond delay="0"/>
                                   </p:stCondLst>
                                   <p:childTnLst>
                                     <p:set>
                                       <p:cBhvr>
-                                        <p:cTn id="86" dur="1" fill="hold">
+                                        <p:cTn id="92" dur="1" fill="hold">
                                           <p:stCondLst>
                                             <p:cond delay="0"/>
                                           </p:stCondLst>
@@ -28714,7 +29054,7 @@
                                     </p:set>
                                     <p:animEffect transition="in" filter="fade">
                                       <p:cBhvr>
-                                        <p:cTn id="87" dur="500"/>
+                                        <p:cTn id="93" dur="500"/>
                                         <p:tgtEl>
                                           <p:spTgt spid="176"/>
                                         </p:tgtEl>
@@ -28724,14 +29064,14 @@
                                 </p:cTn>
                               </p:par>
                               <p:par>
-                                <p:cTn id="88" presetID="10" presetClass="entr" presetSubtype="0" fill="hold" grpId="0" nodeType="withEffect">
+                                <p:cTn id="94" presetID="10" presetClass="entr" presetSubtype="0" fill="hold" grpId="0" nodeType="withEffect">
                                   <p:stCondLst>
                                     <p:cond delay="0"/>
                                   </p:stCondLst>
                                   <p:childTnLst>
                                     <p:set>
                                       <p:cBhvr>
-                                        <p:cTn id="89" dur="1" fill="hold">
+                                        <p:cTn id="95" dur="1" fill="hold">
                                           <p:stCondLst>
                                             <p:cond delay="0"/>
                                           </p:stCondLst>
@@ -28749,7 +29089,7 @@
                                     </p:set>
                                     <p:animEffect transition="in" filter="fade">
                                       <p:cBhvr>
-                                        <p:cTn id="90" dur="500"/>
+                                        <p:cTn id="96" dur="500"/>
                                         <p:tgtEl>
                                           <p:spTgt spid="184"/>
                                         </p:tgtEl>
@@ -28765,26 +29105,26 @@
                     </p:cTn>
                   </p:par>
                   <p:par>
-                    <p:cTn id="91" fill="hold">
+                    <p:cTn id="97" fill="hold">
                       <p:stCondLst>
                         <p:cond delay="indefinite"/>
                       </p:stCondLst>
                       <p:childTnLst>
                         <p:par>
-                          <p:cTn id="92" fill="hold">
+                          <p:cTn id="98" fill="hold">
                             <p:stCondLst>
                               <p:cond delay="0"/>
                             </p:stCondLst>
                             <p:childTnLst>
                               <p:par>
-                                <p:cTn id="93" presetID="10" presetClass="entr" presetSubtype="0" fill="hold" grpId="0" nodeType="clickEffect">
+                                <p:cTn id="99" presetID="10" presetClass="entr" presetSubtype="0" fill="hold" grpId="0" nodeType="clickEffect">
                                   <p:stCondLst>
                                     <p:cond delay="0"/>
                                   </p:stCondLst>
                                   <p:childTnLst>
                                     <p:set>
                                       <p:cBhvr>
-                                        <p:cTn id="94" dur="1" fill="hold">
+                                        <p:cTn id="100" dur="1" fill="hold">
                                           <p:stCondLst>
                                             <p:cond delay="0"/>
                                           </p:stCondLst>
@@ -28802,7 +29142,7 @@
                                     </p:set>
                                     <p:animEffect transition="in" filter="fade">
                                       <p:cBhvr>
-                                        <p:cTn id="95" dur="500"/>
+                                        <p:cTn id="101" dur="500"/>
                                         <p:tgtEl>
                                           <p:spTgt spid="168"/>
                                         </p:tgtEl>
@@ -28812,14 +29152,14 @@
                                 </p:cTn>
                               </p:par>
                               <p:par>
-                                <p:cTn id="96" presetID="10" presetClass="entr" presetSubtype="0" fill="hold" grpId="0" nodeType="withEffect">
+                                <p:cTn id="102" presetID="10" presetClass="entr" presetSubtype="0" fill="hold" grpId="0" nodeType="withEffect">
                                   <p:stCondLst>
                                     <p:cond delay="0"/>
                                   </p:stCondLst>
                                   <p:childTnLst>
                                     <p:set>
                                       <p:cBhvr>
-                                        <p:cTn id="97" dur="1" fill="hold">
+                                        <p:cTn id="103" dur="1" fill="hold">
                                           <p:stCondLst>
                                             <p:cond delay="0"/>
                                           </p:stCondLst>
@@ -28837,7 +29177,7 @@
                                     </p:set>
                                     <p:animEffect transition="in" filter="fade">
                                       <p:cBhvr>
-                                        <p:cTn id="98" dur="500"/>
+                                        <p:cTn id="104" dur="500"/>
                                         <p:tgtEl>
                                           <p:spTgt spid="167"/>
                                         </p:tgtEl>
@@ -28853,26 +29193,26 @@
                     </p:cTn>
                   </p:par>
                   <p:par>
-                    <p:cTn id="99" fill="hold">
+                    <p:cTn id="105" fill="hold">
                       <p:stCondLst>
                         <p:cond delay="indefinite"/>
                       </p:stCondLst>
                       <p:childTnLst>
                         <p:par>
-                          <p:cTn id="100" fill="hold">
+                          <p:cTn id="106" fill="hold">
                             <p:stCondLst>
                               <p:cond delay="0"/>
                             </p:stCondLst>
                             <p:childTnLst>
                               <p:par>
-                                <p:cTn id="101" presetID="10" presetClass="entr" presetSubtype="0" fill="hold" grpId="0" nodeType="clickEffect">
+                                <p:cTn id="107" presetID="10" presetClass="entr" presetSubtype="0" fill="hold" grpId="0" nodeType="clickEffect">
                                   <p:stCondLst>
                                     <p:cond delay="0"/>
                                   </p:stCondLst>
                                   <p:childTnLst>
                                     <p:set>
                                       <p:cBhvr>
-                                        <p:cTn id="102" dur="1" fill="hold">
+                                        <p:cTn id="108" dur="1" fill="hold">
                                           <p:stCondLst>
                                             <p:cond delay="0"/>
                                           </p:stCondLst>
@@ -28890,7 +29230,7 @@
                                     </p:set>
                                     <p:animEffect transition="in" filter="fade">
                                       <p:cBhvr>
-                                        <p:cTn id="103" dur="500"/>
+                                        <p:cTn id="109" dur="500"/>
                                         <p:tgtEl>
                                           <p:spTgt spid="170"/>
                                         </p:tgtEl>
@@ -28900,14 +29240,14 @@
                                 </p:cTn>
                               </p:par>
                               <p:par>
-                                <p:cTn id="104" presetID="10" presetClass="entr" presetSubtype="0" fill="hold" grpId="0" nodeType="withEffect">
+                                <p:cTn id="110" presetID="10" presetClass="entr" presetSubtype="0" fill="hold" grpId="0" nodeType="withEffect">
                                   <p:stCondLst>
                                     <p:cond delay="0"/>
                                   </p:stCondLst>
                                   <p:childTnLst>
                                     <p:set>
                                       <p:cBhvr>
-                                        <p:cTn id="105" dur="1" fill="hold">
+                                        <p:cTn id="111" dur="1" fill="hold">
                                           <p:stCondLst>
                                             <p:cond delay="0"/>
                                           </p:stCondLst>
@@ -28925,7 +29265,7 @@
                                     </p:set>
                                     <p:animEffect transition="in" filter="fade">
                                       <p:cBhvr>
-                                        <p:cTn id="106" dur="500"/>
+                                        <p:cTn id="112" dur="500"/>
                                         <p:tgtEl>
                                           <p:spTgt spid="169"/>
                                         </p:tgtEl>
@@ -28941,26 +29281,26 @@
                     </p:cTn>
                   </p:par>
                   <p:par>
-                    <p:cTn id="107" fill="hold">
+                    <p:cTn id="113" fill="hold">
                       <p:stCondLst>
                         <p:cond delay="indefinite"/>
                       </p:stCondLst>
                       <p:childTnLst>
                         <p:par>
-                          <p:cTn id="108" fill="hold">
+                          <p:cTn id="114" fill="hold">
                             <p:stCondLst>
                               <p:cond delay="0"/>
                             </p:stCondLst>
                             <p:childTnLst>
                               <p:par>
-                                <p:cTn id="109" presetID="10" presetClass="entr" presetSubtype="0" fill="hold" grpId="0" nodeType="clickEffect">
+                                <p:cTn id="115" presetID="10" presetClass="entr" presetSubtype="0" fill="hold" grpId="0" nodeType="clickEffect">
                                   <p:stCondLst>
                                     <p:cond delay="0"/>
                                   </p:stCondLst>
                                   <p:childTnLst>
                                     <p:set>
                                       <p:cBhvr>
-                                        <p:cTn id="110" dur="1" fill="hold">
+                                        <p:cTn id="116" dur="1" fill="hold">
                                           <p:stCondLst>
                                             <p:cond delay="0"/>
                                           </p:stCondLst>
@@ -28978,7 +29318,7 @@
                                     </p:set>
                                     <p:animEffect transition="in" filter="fade">
                                       <p:cBhvr>
-                                        <p:cTn id="111" dur="500"/>
+                                        <p:cTn id="117" dur="500"/>
                                         <p:tgtEl>
                                           <p:spTgt spid="164"/>
                                         </p:tgtEl>
@@ -28988,14 +29328,14 @@
                                 </p:cTn>
                               </p:par>
                               <p:par>
-                                <p:cTn id="112" presetID="10" presetClass="entr" presetSubtype="0" fill="hold" grpId="0" nodeType="withEffect">
+                                <p:cTn id="118" presetID="10" presetClass="entr" presetSubtype="0" fill="hold" grpId="0" nodeType="withEffect">
                                   <p:stCondLst>
                                     <p:cond delay="0"/>
                                   </p:stCondLst>
                                   <p:childTnLst>
                                     <p:set>
                                       <p:cBhvr>
-                                        <p:cTn id="113" dur="1" fill="hold">
+                                        <p:cTn id="119" dur="1" fill="hold">
                                           <p:stCondLst>
                                             <p:cond delay="0"/>
                                           </p:stCondLst>
@@ -29013,7 +29353,7 @@
                                     </p:set>
                                     <p:animEffect transition="in" filter="fade">
                                       <p:cBhvr>
-                                        <p:cTn id="114" dur="500"/>
+                                        <p:cTn id="120" dur="500"/>
                                         <p:tgtEl>
                                           <p:spTgt spid="162"/>
                                         </p:tgtEl>
@@ -29029,26 +29369,26 @@
                     </p:cTn>
                   </p:par>
                   <p:par>
-                    <p:cTn id="115" fill="hold">
+                    <p:cTn id="121" fill="hold">
                       <p:stCondLst>
                         <p:cond delay="indefinite"/>
                       </p:stCondLst>
                       <p:childTnLst>
                         <p:par>
-                          <p:cTn id="116" fill="hold">
+                          <p:cTn id="122" fill="hold">
                             <p:stCondLst>
                               <p:cond delay="0"/>
                             </p:stCondLst>
                             <p:childTnLst>
                               <p:par>
-                                <p:cTn id="117" presetID="10" presetClass="entr" presetSubtype="0" fill="hold" grpId="0" nodeType="clickEffect">
+                                <p:cTn id="123" presetID="10" presetClass="entr" presetSubtype="0" fill="hold" grpId="0" nodeType="clickEffect">
                                   <p:stCondLst>
                                     <p:cond delay="0"/>
                                   </p:stCondLst>
                                   <p:childTnLst>
                                     <p:set>
                                       <p:cBhvr>
-                                        <p:cTn id="118" dur="1" fill="hold">
+                                        <p:cTn id="124" dur="1" fill="hold">
                                           <p:stCondLst>
                                             <p:cond delay="0"/>
                                           </p:stCondLst>
@@ -29066,7 +29406,7 @@
                                     </p:set>
                                     <p:animEffect transition="in" filter="fade">
                                       <p:cBhvr>
-                                        <p:cTn id="119" dur="500"/>
+                                        <p:cTn id="125" dur="500"/>
                                         <p:tgtEl>
                                           <p:spTgt spid="158"/>
                                         </p:tgtEl>
@@ -29076,14 +29416,14 @@
                                 </p:cTn>
                               </p:par>
                               <p:par>
-                                <p:cTn id="120" presetID="10" presetClass="entr" presetSubtype="0" fill="hold" grpId="0" nodeType="withEffect">
+                                <p:cTn id="126" presetID="10" presetClass="entr" presetSubtype="0" fill="hold" grpId="0" nodeType="withEffect">
                                   <p:stCondLst>
                                     <p:cond delay="0"/>
                                   </p:stCondLst>
                                   <p:childTnLst>
                                     <p:set>
                                       <p:cBhvr>
-                                        <p:cTn id="121" dur="1" fill="hold">
+                                        <p:cTn id="127" dur="1" fill="hold">
                                           <p:stCondLst>
                                             <p:cond delay="0"/>
                                           </p:stCondLst>
@@ -29101,7 +29441,7 @@
                                     </p:set>
                                     <p:animEffect transition="in" filter="fade">
                                       <p:cBhvr>
-                                        <p:cTn id="122" dur="500"/>
+                                        <p:cTn id="128" dur="500"/>
                                         <p:tgtEl>
                                           <p:spTgt spid="157"/>
                                         </p:tgtEl>
@@ -29117,26 +29457,26 @@
                     </p:cTn>
                   </p:par>
                   <p:par>
-                    <p:cTn id="123" fill="hold">
+                    <p:cTn id="129" fill="hold">
                       <p:stCondLst>
                         <p:cond delay="indefinite"/>
                       </p:stCondLst>
                       <p:childTnLst>
                         <p:par>
-                          <p:cTn id="124" fill="hold">
+                          <p:cTn id="130" fill="hold">
                             <p:stCondLst>
                               <p:cond delay="0"/>
                             </p:stCondLst>
                             <p:childTnLst>
                               <p:par>
-                                <p:cTn id="125" presetID="10" presetClass="entr" presetSubtype="0" fill="hold" grpId="0" nodeType="clickEffect">
+                                <p:cTn id="131" presetID="10" presetClass="entr" presetSubtype="0" fill="hold" grpId="0" nodeType="clickEffect">
                                   <p:stCondLst>
                                     <p:cond delay="0"/>
                                   </p:stCondLst>
                                   <p:childTnLst>
                                     <p:set>
                                       <p:cBhvr>
-                                        <p:cTn id="126" dur="1" fill="hold">
+                                        <p:cTn id="132" dur="1" fill="hold">
                                           <p:stCondLst>
                                             <p:cond delay="0"/>
                                           </p:stCondLst>
@@ -29154,7 +29494,7 @@
                                     </p:set>
                                     <p:animEffect transition="in" filter="fade">
                                       <p:cBhvr>
-                                        <p:cTn id="127" dur="500"/>
+                                        <p:cTn id="133" dur="500"/>
                                         <p:tgtEl>
                                           <p:spTgt spid="189"/>
                                         </p:tgtEl>
@@ -29164,14 +29504,14 @@
                                 </p:cTn>
                               </p:par>
                               <p:par>
-                                <p:cTn id="128" presetID="10" presetClass="entr" presetSubtype="0" fill="hold" grpId="0" nodeType="withEffect">
+                                <p:cTn id="134" presetID="10" presetClass="entr" presetSubtype="0" fill="hold" grpId="0" nodeType="withEffect">
                                   <p:stCondLst>
                                     <p:cond delay="0"/>
                                   </p:stCondLst>
                                   <p:childTnLst>
                                     <p:set>
                                       <p:cBhvr>
-                                        <p:cTn id="129" dur="1" fill="hold">
+                                        <p:cTn id="135" dur="1" fill="hold">
                                           <p:stCondLst>
                                             <p:cond delay="0"/>
                                           </p:stCondLst>
@@ -29189,7 +29529,7 @@
                                     </p:set>
                                     <p:animEffect transition="in" filter="fade">
                                       <p:cBhvr>
-                                        <p:cTn id="130" dur="500"/>
+                                        <p:cTn id="136" dur="500"/>
                                         <p:tgtEl>
                                           <p:spTgt spid="188"/>
                                         </p:tgtEl>
@@ -29205,26 +29545,26 @@
                     </p:cTn>
                   </p:par>
                   <p:par>
-                    <p:cTn id="131" fill="hold">
+                    <p:cTn id="137" fill="hold">
                       <p:stCondLst>
                         <p:cond delay="indefinite"/>
                       </p:stCondLst>
                       <p:childTnLst>
                         <p:par>
-                          <p:cTn id="132" fill="hold">
+                          <p:cTn id="138" fill="hold">
                             <p:stCondLst>
                               <p:cond delay="0"/>
                             </p:stCondLst>
                             <p:childTnLst>
                               <p:par>
-                                <p:cTn id="133" presetID="10" presetClass="entr" presetSubtype="0" fill="hold" grpId="0" nodeType="clickEffect">
+                                <p:cTn id="139" presetID="10" presetClass="entr" presetSubtype="0" fill="hold" grpId="0" nodeType="clickEffect">
                                   <p:stCondLst>
                                     <p:cond delay="0"/>
                                   </p:stCondLst>
                                   <p:childTnLst>
                                     <p:set>
                                       <p:cBhvr>
-                                        <p:cTn id="134" dur="1" fill="hold">
+                                        <p:cTn id="140" dur="1" fill="hold">
                                           <p:stCondLst>
                                             <p:cond delay="0"/>
                                           </p:stCondLst>
@@ -29242,7 +29582,7 @@
                                     </p:set>
                                     <p:animEffect transition="in" filter="fade">
                                       <p:cBhvr>
-                                        <p:cTn id="135" dur="500"/>
+                                        <p:cTn id="141" dur="500"/>
                                         <p:tgtEl>
                                           <p:spTgt spid="171"/>
                                         </p:tgtEl>
@@ -29252,14 +29592,14 @@
                                 </p:cTn>
                               </p:par>
                               <p:par>
-                                <p:cTn id="136" presetID="10" presetClass="entr" presetSubtype="0" fill="hold" grpId="0" nodeType="withEffect">
+                                <p:cTn id="142" presetID="10" presetClass="entr" presetSubtype="0" fill="hold" grpId="0" nodeType="withEffect">
                                   <p:stCondLst>
                                     <p:cond delay="0"/>
                                   </p:stCondLst>
                                   <p:childTnLst>
                                     <p:set>
                                       <p:cBhvr>
-                                        <p:cTn id="137" dur="1" fill="hold">
+                                        <p:cTn id="143" dur="1" fill="hold">
                                           <p:stCondLst>
                                             <p:cond delay="0"/>
                                           </p:stCondLst>
@@ -29277,7 +29617,7 @@
                                     </p:set>
                                     <p:animEffect transition="in" filter="fade">
                                       <p:cBhvr>
-                                        <p:cTn id="138" dur="500"/>
+                                        <p:cTn id="144" dur="500"/>
                                         <p:tgtEl>
                                           <p:spTgt spid="180"/>
                                         </p:tgtEl>
@@ -29352,6 +29692,8 @@
       <p:bldP spid="188" grpId="0" animBg="1"/>
       <p:bldP spid="189" grpId="0"/>
       <p:bldP spid="162" grpId="0" animBg="1"/>
+      <p:bldP spid="43" grpId="0" animBg="1"/>
+      <p:bldP spid="44" grpId="0" animBg="1"/>
     </p:bldLst>
   </p:timing>
 </p:sld>

--- a/00_Documentation/M03_TeamProject_Haid_UWB-Presentation.pptx
+++ b/00_Documentation/M03_TeamProject_Haid_UWB-Presentation.pptx
@@ -280,7 +280,7 @@
             <a:fld id="{8670A5EB-ECD4-4B29-9C76-251B805226F9}" type="datetimeFigureOut">
               <a:rPr lang="en-US" smtClean="0"/>
               <a:pPr/>
-              <a:t>7/12/2021</a:t>
+              <a:t>7/25/2021</a:t>
             </a:fld>
             <a:endParaRPr lang="en-US"/>
           </a:p>
@@ -447,7 +447,7 @@
             <a:fld id="{E840019B-648C-422C-9A09-38EB6005BFDA}" type="datetimeFigureOut">
               <a:rPr lang="en-US" smtClean="0"/>
               <a:pPr/>
-              <a:t>7/12/2021</a:t>
+              <a:t>7/25/2021</a:t>
             </a:fld>
             <a:endParaRPr lang="en-US"/>
           </a:p>
@@ -1046,7 +1046,7 @@
           <a:p>
             <a:fld id="{019E7938-BCEF-4D8F-8A88-9B0280600C13}" type="datetime4">
               <a:rPr lang="de-DE" smtClean="0"/>
-              <a:t>12. Juli 2021</a:t>
+              <a:t>25. Juli 2021</a:t>
             </a:fld>
             <a:endParaRPr lang="de-DE" dirty="0"/>
           </a:p>
@@ -1320,7 +1320,7 @@
           <a:p>
             <a:fld id="{6D824872-EBAE-46ED-9958-F7BE407DE8D2}" type="datetime4">
               <a:rPr lang="de-DE" smtClean="0"/>
-              <a:t>12. Juli 2021</a:t>
+              <a:t>25. Juli 2021</a:t>
             </a:fld>
             <a:endParaRPr lang="de-DE" dirty="0"/>
           </a:p>
@@ -1530,7 +1530,7 @@
           <a:p>
             <a:fld id="{6D824872-EBAE-46ED-9958-F7BE407DE8D2}" type="datetime4">
               <a:rPr lang="de-DE" smtClean="0"/>
-              <a:t>12. Juli 2021</a:t>
+              <a:t>25. Juli 2021</a:t>
             </a:fld>
             <a:endParaRPr lang="de-DE" dirty="0"/>
           </a:p>
@@ -1867,7 +1867,7 @@
           <a:p>
             <a:fld id="{0AA6A56A-66E0-4B3A-8C58-C43BFA9D9142}" type="datetime4">
               <a:rPr lang="de-DE" smtClean="0"/>
-              <a:t>12. Juli 2021</a:t>
+              <a:t>25. Juli 2021</a:t>
             </a:fld>
             <a:endParaRPr lang="de-DE" dirty="0"/>
           </a:p>
@@ -2104,7 +2104,7 @@
           <a:p>
             <a:fld id="{47682754-E2D0-4B70-82E5-F6F91D694057}" type="datetime4">
               <a:rPr lang="de-DE" smtClean="0"/>
-              <a:t>12. Juli 2021</a:t>
+              <a:t>25. Juli 2021</a:t>
             </a:fld>
             <a:endParaRPr lang="de-DE" dirty="0"/>
           </a:p>
@@ -2179,7 +2179,7 @@
           <a:p>
             <a:fld id="{019E7938-BCEF-4D8F-8A88-9B0280600C13}" type="datetime4">
               <a:rPr lang="de-DE" smtClean="0"/>
-              <a:t>12. Juli 2021</a:t>
+              <a:t>25. Juli 2021</a:t>
             </a:fld>
             <a:endParaRPr lang="de-DE" dirty="0"/>
           </a:p>
@@ -2519,7 +2519,7 @@
           <a:p>
             <a:fld id="{4CFC5109-B8D2-416A-AEC5-15F86CE44A5A}" type="datetime4">
               <a:rPr lang="de-DE" smtClean="0"/>
-              <a:t>12. Juli 2021</a:t>
+              <a:t>25. Juli 2021</a:t>
             </a:fld>
             <a:endParaRPr lang="de-DE"/>
           </a:p>
@@ -2615,7 +2615,7 @@
           <a:p>
             <a:fld id="{4DB03519-3429-4C41-999A-042689903FB9}" type="datetime4">
               <a:rPr lang="de-DE" smtClean="0"/>
-              <a:t>12. Juli 2021</a:t>
+              <a:t>25. Juli 2021</a:t>
             </a:fld>
             <a:endParaRPr lang="de-DE"/>
           </a:p>
@@ -2796,7 +2796,7 @@
           <a:p>
             <a:fld id="{363D00BD-08FB-4CA0-BE5D-EE8CEE326305}" type="datetime4">
               <a:rPr lang="de-DE" smtClean="0"/>
-              <a:t>12. Juli 2021</a:t>
+              <a:t>25. Juli 2021</a:t>
             </a:fld>
             <a:endParaRPr lang="de-DE"/>
           </a:p>
@@ -2977,7 +2977,7 @@
           <a:p>
             <a:fld id="{1927CAE6-F30A-4665-ABC0-1E520C70DB77}" type="datetime4">
               <a:rPr lang="de-DE" smtClean="0"/>
-              <a:t>12. Juli 2021</a:t>
+              <a:t>25. Juli 2021</a:t>
             </a:fld>
             <a:endParaRPr lang="de-DE"/>
           </a:p>
@@ -3243,7 +3243,7 @@
           <a:p>
             <a:fld id="{701F833E-974C-48EF-8F56-C11F8FACFD03}" type="datetime4">
               <a:rPr lang="de-DE" smtClean="0"/>
-              <a:t>12. Juli 2021</a:t>
+              <a:t>25. Juli 2021</a:t>
             </a:fld>
             <a:endParaRPr lang="de-DE"/>
           </a:p>
@@ -3424,7 +3424,7 @@
           <a:p>
             <a:fld id="{6D824872-EBAE-46ED-9958-F7BE407DE8D2}" type="datetime4">
               <a:rPr lang="de-DE" smtClean="0"/>
-              <a:t>12. Juli 2021</a:t>
+              <a:t>25. Juli 2021</a:t>
             </a:fld>
             <a:endParaRPr lang="de-DE" dirty="0"/>
           </a:p>
@@ -3709,7 +3709,7 @@
           <a:p>
             <a:fld id="{5058B3C0-0291-4718-9782-92D19770687F}" type="datetime4">
               <a:rPr lang="de-DE" smtClean="0"/>
-              <a:t>12. Juli 2021</a:t>
+              <a:t>25. Juli 2021</a:t>
             </a:fld>
             <a:endParaRPr lang="de-DE"/>
           </a:p>
@@ -4004,7 +4004,7 @@
           <a:p>
             <a:fld id="{B9BAE3A7-EB67-4715-BBE4-595CC3A07BF1}" type="datetime4">
               <a:rPr lang="de-DE" smtClean="0"/>
-              <a:t>12. Juli 2021</a:t>
+              <a:t>25. Juli 2021</a:t>
             </a:fld>
             <a:endParaRPr lang="de-DE"/>
           </a:p>
@@ -4504,7 +4504,7 @@
           <a:p>
             <a:fld id="{7CDA6789-66FE-42BB-B23B-F2001F64DD54}" type="datetime4">
               <a:rPr lang="de-DE" smtClean="0"/>
-              <a:t>12. Juli 2021</a:t>
+              <a:t>25. Juli 2021</a:t>
             </a:fld>
             <a:endParaRPr lang="de-DE"/>
           </a:p>
@@ -4940,7 +4940,7 @@
           <a:p>
             <a:fld id="{251E5DB6-993B-40F3-9C25-44982B1CF812}" type="datetime4">
               <a:rPr lang="de-DE" smtClean="0"/>
-              <a:t>12. Juli 2021</a:t>
+              <a:t>25. Juli 2021</a:t>
             </a:fld>
             <a:endParaRPr lang="de-DE"/>
           </a:p>
@@ -5121,7 +5121,7 @@
           <a:p>
             <a:fld id="{1D3C2988-747C-4A21-8A7B-722DA28EC8DD}" type="datetime4">
               <a:rPr lang="de-DE" smtClean="0"/>
-              <a:t>12. Juli 2021</a:t>
+              <a:t>25. Juli 2021</a:t>
             </a:fld>
             <a:endParaRPr lang="de-DE"/>
           </a:p>
@@ -5856,7 +5856,7 @@
           <a:p>
             <a:fld id="{28B28DD0-C31C-4665-8217-D8684365DAE6}" type="datetime4">
               <a:rPr lang="de-DE" smtClean="0"/>
-              <a:t>12. Juli 2021</a:t>
+              <a:t>25. Juli 2021</a:t>
             </a:fld>
             <a:endParaRPr lang="de-DE"/>
           </a:p>
@@ -6255,7 +6255,7 @@
           <a:p>
             <a:fld id="{C9EAF196-E69A-4C8D-8DA1-C9680C5895D1}" type="datetime4">
               <a:rPr lang="de-DE" smtClean="0"/>
-              <a:t>12. Juli 2021</a:t>
+              <a:t>25. Juli 2021</a:t>
             </a:fld>
             <a:endParaRPr lang="de-DE"/>
           </a:p>
@@ -6776,7 +6776,7 @@
           <a:p>
             <a:fld id="{68A34680-42ED-45FA-96EF-B22FC8F95CA6}" type="datetime4">
               <a:rPr lang="de-DE" smtClean="0"/>
-              <a:t>12. Juli 2021</a:t>
+              <a:t>25. Juli 2021</a:t>
             </a:fld>
             <a:endParaRPr lang="de-DE"/>
           </a:p>
@@ -7382,7 +7382,7 @@
           <a:p>
             <a:fld id="{E8A4740C-6A0C-496C-97D9-3F6AEA918594}" type="datetime4">
               <a:rPr lang="de-DE" smtClean="0"/>
-              <a:t>12. Juli 2021</a:t>
+              <a:t>25. Juli 2021</a:t>
             </a:fld>
             <a:endParaRPr lang="de-DE"/>
           </a:p>
@@ -7640,7 +7640,7 @@
           <a:p>
             <a:fld id="{6D824872-EBAE-46ED-9958-F7BE407DE8D2}" type="datetime4">
               <a:rPr lang="de-DE" smtClean="0"/>
-              <a:t>12. Juli 2021</a:t>
+              <a:t>25. Juli 2021</a:t>
             </a:fld>
             <a:endParaRPr lang="de-DE" dirty="0"/>
           </a:p>
@@ -8180,7 +8180,7 @@
           <a:p>
             <a:fld id="{7F0EAEE2-B697-4996-9AB6-B2AC608AD820}" type="datetime4">
               <a:rPr lang="de-DE" smtClean="0"/>
-              <a:t>12. Juli 2021</a:t>
+              <a:t>25. Juli 2021</a:t>
             </a:fld>
             <a:endParaRPr lang="de-DE"/>
           </a:p>
@@ -8361,7 +8361,7 @@
           <a:p>
             <a:fld id="{62546B1B-AA55-4C9B-887A-18EFA05E72DC}" type="datetime4">
               <a:rPr lang="de-DE" smtClean="0"/>
-              <a:t>12. Juli 2021</a:t>
+              <a:t>25. Juli 2021</a:t>
             </a:fld>
             <a:endParaRPr lang="de-DE"/>
           </a:p>
@@ -8542,7 +8542,7 @@
           <a:p>
             <a:fld id="{8059DF19-E6CD-413D-B802-0D01F0F2F9A6}" type="datetime4">
               <a:rPr lang="de-DE" smtClean="0"/>
-              <a:t>12. Juli 2021</a:t>
+              <a:t>25. Juli 2021</a:t>
             </a:fld>
             <a:endParaRPr lang="de-DE"/>
           </a:p>
@@ -8723,7 +8723,7 @@
           <a:p>
             <a:fld id="{FD6C0267-61AC-4BEC-B42A-4CAC221261AF}" type="datetime4">
               <a:rPr lang="de-DE" smtClean="0"/>
-              <a:t>12. Juli 2021</a:t>
+              <a:t>25. Juli 2021</a:t>
             </a:fld>
             <a:endParaRPr lang="de-DE"/>
           </a:p>
@@ -9188,7 +9188,7 @@
           <a:p>
             <a:fld id="{1241F50D-4C6C-4E63-98EB-C643F32A4A25}" type="datetime4">
               <a:rPr lang="de-DE" smtClean="0"/>
-              <a:t>12. Juli 2021</a:t>
+              <a:t>25. Juli 2021</a:t>
             </a:fld>
             <a:endParaRPr lang="de-DE"/>
           </a:p>
@@ -9369,7 +9369,7 @@
           <a:p>
             <a:fld id="{154261B4-AEF4-4C62-8486-1FEBF23F640F}" type="datetime4">
               <a:rPr lang="de-DE" smtClean="0"/>
-              <a:t>12. Juli 2021</a:t>
+              <a:t>25. Juli 2021</a:t>
             </a:fld>
             <a:endParaRPr lang="de-DE"/>
           </a:p>
@@ -9566,7 +9566,7 @@
           <a:p>
             <a:fld id="{CC32C888-7D1E-40D8-85A4-DA3B4FF3C9FF}" type="datetime4">
               <a:rPr lang="de-DE" smtClean="0"/>
-              <a:t>12. Juli 2021</a:t>
+              <a:t>25. Juli 2021</a:t>
             </a:fld>
             <a:endParaRPr lang="de-DE"/>
           </a:p>
@@ -9832,7 +9832,7 @@
           <a:p>
             <a:fld id="{92927DB4-5A2C-4CE1-814E-E3C24F3E3DAA}" type="datetime4">
               <a:rPr lang="de-DE" smtClean="0"/>
-              <a:t>12. Juli 2021</a:t>
+              <a:t>25. Juli 2021</a:t>
             </a:fld>
             <a:endParaRPr lang="de-DE"/>
           </a:p>
@@ -10098,7 +10098,7 @@
           <a:p>
             <a:fld id="{E218E598-D131-4213-A78C-E2029E299CB0}" type="datetime4">
               <a:rPr lang="de-DE" smtClean="0"/>
-              <a:t>12. Juli 2021</a:t>
+              <a:t>25. Juli 2021</a:t>
             </a:fld>
             <a:endParaRPr lang="de-DE"/>
           </a:p>
@@ -10279,7 +10279,7 @@
           <a:p>
             <a:fld id="{E1149281-CE5D-40E2-B6CE-94AD3EE6899B}" type="datetime4">
               <a:rPr lang="de-DE" smtClean="0"/>
-              <a:t>12. Juli 2021</a:t>
+              <a:t>25. Juli 2021</a:t>
             </a:fld>
             <a:endParaRPr lang="de-DE"/>
           </a:p>
@@ -10527,7 +10527,7 @@
           <a:p>
             <a:fld id="{6D824872-EBAE-46ED-9958-F7BE407DE8D2}" type="datetime4">
               <a:rPr lang="de-DE" smtClean="0"/>
-              <a:t>12. Juli 2021</a:t>
+              <a:t>25. Juli 2021</a:t>
             </a:fld>
             <a:endParaRPr lang="de-DE" dirty="0"/>
           </a:p>
@@ -10941,7 +10941,7 @@
           <a:p>
             <a:fld id="{6D824872-EBAE-46ED-9958-F7BE407DE8D2}" type="datetime4">
               <a:rPr lang="de-DE" smtClean="0"/>
-              <a:t>12. Juli 2021</a:t>
+              <a:t>25. Juli 2021</a:t>
             </a:fld>
             <a:endParaRPr lang="de-DE" dirty="0"/>
           </a:p>
@@ -11084,7 +11084,7 @@
           <a:p>
             <a:fld id="{6D824872-EBAE-46ED-9958-F7BE407DE8D2}" type="datetime4">
               <a:rPr lang="de-DE" smtClean="0"/>
-              <a:t>12. Juli 2021</a:t>
+              <a:t>25. Juli 2021</a:t>
             </a:fld>
             <a:endParaRPr lang="de-DE" dirty="0"/>
           </a:p>
@@ -11199,7 +11199,7 @@
           <a:p>
             <a:fld id="{6D824872-EBAE-46ED-9958-F7BE407DE8D2}" type="datetime4">
               <a:rPr lang="de-DE" smtClean="0"/>
-              <a:t>12. Juli 2021</a:t>
+              <a:t>25. Juli 2021</a:t>
             </a:fld>
             <a:endParaRPr lang="de-DE" dirty="0"/>
           </a:p>
@@ -11512,7 +11512,7 @@
           <a:p>
             <a:fld id="{6D824872-EBAE-46ED-9958-F7BE407DE8D2}" type="datetime4">
               <a:rPr lang="de-DE" smtClean="0"/>
-              <a:t>12. Juli 2021</a:t>
+              <a:t>25. Juli 2021</a:t>
             </a:fld>
             <a:endParaRPr lang="de-DE" dirty="0"/>
           </a:p>
@@ -11802,7 +11802,7 @@
           <a:p>
             <a:fld id="{6D824872-EBAE-46ED-9958-F7BE407DE8D2}" type="datetime4">
               <a:rPr lang="de-DE" smtClean="0"/>
-              <a:t>12. Juli 2021</a:t>
+              <a:t>25. Juli 2021</a:t>
             </a:fld>
             <a:endParaRPr lang="de-DE" dirty="0"/>
           </a:p>
@@ -12045,7 +12045,7 @@
           <a:p>
             <a:fld id="{6D824872-EBAE-46ED-9958-F7BE407DE8D2}" type="datetime4">
               <a:rPr lang="de-DE" smtClean="0"/>
-              <a:t>12. Juli 2021</a:t>
+              <a:t>25. Juli 2021</a:t>
             </a:fld>
             <a:endParaRPr lang="de-DE" dirty="0"/>
           </a:p>
